--- a/docs/PosterPresentation.pptx
+++ b/docs/PosterPresentation.pptx
@@ -5,7 +5,7 @@
     <p:sldMasterId id="2147483660" r:id="rId1"/>
   </p:sldMasterIdLst>
   <p:notesMasterIdLst>
-    <p:notesMasterId r:id="rId29"/>
+    <p:notesMasterId r:id="rId36"/>
   </p:notesMasterIdLst>
   <p:sldIdLst>
     <p:sldId id="256" r:id="rId2"/>
@@ -22,19 +22,26 @@
     <p:sldId id="277" r:id="rId13"/>
     <p:sldId id="278" r:id="rId14"/>
     <p:sldId id="275" r:id="rId15"/>
-    <p:sldId id="269" r:id="rId16"/>
-    <p:sldId id="279" r:id="rId17"/>
-    <p:sldId id="266" r:id="rId18"/>
-    <p:sldId id="267" r:id="rId19"/>
-    <p:sldId id="268" r:id="rId20"/>
-    <p:sldId id="259" r:id="rId21"/>
-    <p:sldId id="264" r:id="rId22"/>
-    <p:sldId id="260" r:id="rId23"/>
-    <p:sldId id="271" r:id="rId24"/>
-    <p:sldId id="270" r:id="rId25"/>
-    <p:sldId id="261" r:id="rId26"/>
-    <p:sldId id="262" r:id="rId27"/>
-    <p:sldId id="263" r:id="rId28"/>
+    <p:sldId id="285" r:id="rId16"/>
+    <p:sldId id="286" r:id="rId17"/>
+    <p:sldId id="287" r:id="rId18"/>
+    <p:sldId id="288" r:id="rId19"/>
+    <p:sldId id="290" r:id="rId20"/>
+    <p:sldId id="289" r:id="rId21"/>
+    <p:sldId id="269" r:id="rId22"/>
+    <p:sldId id="291" r:id="rId23"/>
+    <p:sldId id="279" r:id="rId24"/>
+    <p:sldId id="266" r:id="rId25"/>
+    <p:sldId id="267" r:id="rId26"/>
+    <p:sldId id="268" r:id="rId27"/>
+    <p:sldId id="259" r:id="rId28"/>
+    <p:sldId id="264" r:id="rId29"/>
+    <p:sldId id="260" r:id="rId30"/>
+    <p:sldId id="271" r:id="rId31"/>
+    <p:sldId id="270" r:id="rId32"/>
+    <p:sldId id="261" r:id="rId33"/>
+    <p:sldId id="262" r:id="rId34"/>
+    <p:sldId id="263" r:id="rId35"/>
   </p:sldIdLst>
   <p:sldSz cx="9144000" cy="6858000" type="screen4x3"/>
   <p:notesSz cx="6858000" cy="9144000"/>
@@ -218,6 +225,7 @@
           <a:p>
             <a:fld id="{2A05A644-C75C-46CB-A0C2-4999E3125E84}" type="datetimeFigureOut">
               <a:rPr lang="en-US" smtClean="0"/>
+              <a:pPr/>
               <a:t>12/6/2016</a:t>
             </a:fld>
             <a:endParaRPr lang="en-US"/>
@@ -377,6 +385,7 @@
           <a:p>
             <a:fld id="{F1121264-53CE-4924-AD1D-9EFE8A98DE5F}" type="slidenum">
               <a:rPr lang="en-US" smtClean="0"/>
+              <a:pPr/>
               <a:t>‹#›</a:t>
             </a:fld>
             <a:endParaRPr lang="en-US"/>
@@ -386,7 +395,7 @@
     </p:spTree>
     <p:extLst>
       <p:ext uri="{BB962C8B-B14F-4D97-AF65-F5344CB8AC3E}">
-        <p14:creationId xmlns:p14="http://schemas.microsoft.com/office/powerpoint/2010/main" val="889556920"/>
+        <p14:creationId xmlns:p14="http://schemas.microsoft.com/office/powerpoint/2010/main" xmlns="" val="889556920"/>
       </p:ext>
     </p:extLst>
   </p:cSld>
@@ -551,6 +560,7 @@
           <a:p>
             <a:fld id="{F1121264-53CE-4924-AD1D-9EFE8A98DE5F}" type="slidenum">
               <a:rPr lang="en-US" smtClean="0"/>
+              <a:pPr/>
               <a:t>2</a:t>
             </a:fld>
             <a:endParaRPr lang="en-US"/>
@@ -560,7 +570,7 @@
     </p:spTree>
     <p:extLst>
       <p:ext uri="{BB962C8B-B14F-4D97-AF65-F5344CB8AC3E}">
-        <p14:creationId xmlns:p14="http://schemas.microsoft.com/office/powerpoint/2010/main" val="4012359704"/>
+        <p14:creationId xmlns:p14="http://schemas.microsoft.com/office/powerpoint/2010/main" xmlns="" val="4012359704"/>
       </p:ext>
     </p:extLst>
   </p:cSld>
@@ -643,6 +653,7 @@
           <a:p>
             <a:fld id="{F1121264-53CE-4924-AD1D-9EFE8A98DE5F}" type="slidenum">
               <a:rPr lang="en-US" smtClean="0"/>
+              <a:pPr/>
               <a:t>4</a:t>
             </a:fld>
             <a:endParaRPr lang="en-US"/>
@@ -652,7 +663,7 @@
     </p:spTree>
     <p:extLst>
       <p:ext uri="{BB962C8B-B14F-4D97-AF65-F5344CB8AC3E}">
-        <p14:creationId xmlns:p14="http://schemas.microsoft.com/office/powerpoint/2010/main" val="2498595345"/>
+        <p14:creationId xmlns:p14="http://schemas.microsoft.com/office/powerpoint/2010/main" xmlns="" val="2498595345"/>
       </p:ext>
     </p:extLst>
   </p:cSld>
@@ -703,43 +714,14 @@
         </p:nvSpPr>
         <p:spPr/>
         <p:txBody>
-          <a:bodyPr/>
+          <a:bodyPr>
+            <a:normAutofit/>
+          </a:bodyPr>
           <a:lstStyle/>
           <a:p>
             <a:r>
               <a:rPr lang="en-US" dirty="0" smtClean="0"/>
-              <a:t>If</a:t>
-            </a:r>
-            <a:r>
-              <a:rPr lang="en-US" baseline="0" dirty="0" smtClean="0"/>
-              <a:t> we wanted to talk a little about “how” we are going to accomplish this task, we’d be speaking about our Technical Game Plan. </a:t>
-            </a:r>
-          </a:p>
-          <a:p>
-            <a:endParaRPr lang="en-US" baseline="0" dirty="0" smtClean="0"/>
-          </a:p>
-          <a:p>
-            <a:r>
-              <a:rPr lang="en-US" baseline="0" dirty="0" smtClean="0"/>
-              <a:t>We’ll begin by accumulating a test set of synthetic images that can be found online. </a:t>
-            </a:r>
-          </a:p>
-          <a:p>
-            <a:endParaRPr lang="en-US" baseline="0" dirty="0" smtClean="0"/>
-          </a:p>
-          <a:p>
-            <a:r>
-              <a:rPr lang="en-US" baseline="0" dirty="0" smtClean="0"/>
-              <a:t>These synthetic images will be the initial strain gauge on the algorithms developed and help in understanding the complexities of the problem. </a:t>
-            </a:r>
-          </a:p>
-          <a:p>
-            <a:endParaRPr lang="en-US" baseline="0" dirty="0" smtClean="0"/>
-          </a:p>
-          <a:p>
-            <a:r>
-              <a:rPr lang="en-US" baseline="0" dirty="0" smtClean="0"/>
-              <a:t>We’ll then transition those synthetic images to real-world images from a camera. Part two will consist of modifying, or extending, the original algorithms to something which is more robust.</a:t>
+              <a:t>Execution:0.9s</a:t>
             </a:r>
             <a:endParaRPr lang="en-US" dirty="0"/>
           </a:p>
@@ -762,18 +744,14 @@
           <a:p>
             <a:fld id="{F1121264-53CE-4924-AD1D-9EFE8A98DE5F}" type="slidenum">
               <a:rPr lang="en-US" smtClean="0"/>
-              <a:t>17</a:t>
+              <a:pPr/>
+              <a:t>20</a:t>
             </a:fld>
             <a:endParaRPr lang="en-US"/>
           </a:p>
         </p:txBody>
       </p:sp>
     </p:spTree>
-    <p:extLst>
-      <p:ext uri="{BB962C8B-B14F-4D97-AF65-F5344CB8AC3E}">
-        <p14:creationId xmlns:p14="http://schemas.microsoft.com/office/powerpoint/2010/main" val="277695351"/>
-      </p:ext>
-    </p:extLst>
   </p:cSld>
   <p:clrMapOvr>
     <a:masterClrMapping/>
@@ -827,29 +805,11 @@
           <a:p>
             <a:r>
               <a:rPr lang="en-US" dirty="0" smtClean="0"/>
-              <a:t>If time allows</a:t>
+              <a:t>Only a few million people understand </a:t>
             </a:r>
             <a:r>
               <a:rPr lang="en-US" baseline="0" dirty="0" smtClean="0"/>
-              <a:t>, we’ll expand upon our initial design. </a:t>
-            </a:r>
-          </a:p>
-          <a:p>
-            <a:endParaRPr lang="en-US" baseline="0" dirty="0" smtClean="0"/>
-          </a:p>
-          <a:p>
-            <a:r>
-              <a:rPr lang="en-US" baseline="0" dirty="0" smtClean="0"/>
-              <a:t>Our first option is adding some heuristic processing to improve the overall robustness of the entire project. </a:t>
-            </a:r>
-          </a:p>
-          <a:p>
-            <a:endParaRPr lang="en-US" baseline="0" dirty="0" smtClean="0"/>
-          </a:p>
-          <a:p>
-            <a:r>
-              <a:rPr lang="en-US" baseline="0" dirty="0" smtClean="0"/>
-              <a:t>The second option is expanding the input range from simple characters to words.</a:t>
+              <a:t>Sign Language. </a:t>
             </a:r>
             <a:endParaRPr lang="en-US" dirty="0"/>
           </a:p>
@@ -872,7 +832,8 @@
           <a:p>
             <a:fld id="{F1121264-53CE-4924-AD1D-9EFE8A98DE5F}" type="slidenum">
               <a:rPr lang="en-US" smtClean="0"/>
-              <a:t>18</a:t>
+              <a:pPr/>
+              <a:t>22</a:t>
             </a:fld>
             <a:endParaRPr lang="en-US"/>
           </a:p>
@@ -881,7 +842,238 @@
     </p:spTree>
     <p:extLst>
       <p:ext uri="{BB962C8B-B14F-4D97-AF65-F5344CB8AC3E}">
-        <p14:creationId xmlns:p14="http://schemas.microsoft.com/office/powerpoint/2010/main" val="770783979"/>
+        <p14:creationId xmlns:p14="http://schemas.microsoft.com/office/powerpoint/2010/main" xmlns="" val="2498595345"/>
+      </p:ext>
+    </p:extLst>
+  </p:cSld>
+  <p:clrMapOvr>
+    <a:masterClrMapping/>
+  </p:clrMapOvr>
+</p:notes>
+</file>
+
+<file path=ppt/notesSlides/notesSlide5.xml><?xml version="1.0" encoding="utf-8"?>
+<p:notes xmlns:a="http://schemas.openxmlformats.org/drawingml/2006/main" xmlns:r="http://schemas.openxmlformats.org/officeDocument/2006/relationships" xmlns:p="http://schemas.openxmlformats.org/presentationml/2006/main">
+  <p:cSld>
+    <p:spTree>
+      <p:nvGrpSpPr>
+        <p:cNvPr id="1" name=""/>
+        <p:cNvGrpSpPr/>
+        <p:nvPr/>
+      </p:nvGrpSpPr>
+      <p:grpSpPr>
+        <a:xfrm>
+          <a:off x="0" y="0"/>
+          <a:ext cx="0" cy="0"/>
+          <a:chOff x="0" y="0"/>
+          <a:chExt cx="0" cy="0"/>
+        </a:xfrm>
+      </p:grpSpPr>
+      <p:sp>
+        <p:nvSpPr>
+          <p:cNvPr id="2" name="Slide Image Placeholder 1"/>
+          <p:cNvSpPr>
+            <a:spLocks noGrp="1" noRot="1" noChangeAspect="1"/>
+          </p:cNvSpPr>
+          <p:nvPr>
+            <p:ph type="sldImg"/>
+          </p:nvPr>
+        </p:nvSpPr>
+        <p:spPr/>
+      </p:sp>
+      <p:sp>
+        <p:nvSpPr>
+          <p:cNvPr id="3" name="Notes Placeholder 2"/>
+          <p:cNvSpPr>
+            <a:spLocks noGrp="1"/>
+          </p:cNvSpPr>
+          <p:nvPr>
+            <p:ph type="body" idx="1"/>
+          </p:nvPr>
+        </p:nvSpPr>
+        <p:spPr/>
+        <p:txBody>
+          <a:bodyPr/>
+          <a:lstStyle/>
+          <a:p>
+            <a:r>
+              <a:rPr lang="en-US" dirty="0" smtClean="0"/>
+              <a:t>If</a:t>
+            </a:r>
+            <a:r>
+              <a:rPr lang="en-US" baseline="0" dirty="0" smtClean="0"/>
+              <a:t> we wanted to talk a little about “how” we are going to accomplish this task, we’d be speaking about our Technical Game Plan. </a:t>
+            </a:r>
+          </a:p>
+          <a:p>
+            <a:endParaRPr lang="en-US" baseline="0" dirty="0" smtClean="0"/>
+          </a:p>
+          <a:p>
+            <a:r>
+              <a:rPr lang="en-US" baseline="0" dirty="0" smtClean="0"/>
+              <a:t>We’ll begin by accumulating a test set of synthetic images that can be found online. </a:t>
+            </a:r>
+          </a:p>
+          <a:p>
+            <a:endParaRPr lang="en-US" baseline="0" dirty="0" smtClean="0"/>
+          </a:p>
+          <a:p>
+            <a:r>
+              <a:rPr lang="en-US" baseline="0" dirty="0" smtClean="0"/>
+              <a:t>These synthetic images will be the initial strain gauge on the algorithms developed and help in understanding the complexities of the problem. </a:t>
+            </a:r>
+          </a:p>
+          <a:p>
+            <a:endParaRPr lang="en-US" baseline="0" dirty="0" smtClean="0"/>
+          </a:p>
+          <a:p>
+            <a:r>
+              <a:rPr lang="en-US" baseline="0" dirty="0" smtClean="0"/>
+              <a:t>We’ll then transition those synthetic images to real-world images from a camera. Part two will consist of modifying, or extending, the original algorithms to something which is more robust.</a:t>
+            </a:r>
+            <a:endParaRPr lang="en-US" dirty="0"/>
+          </a:p>
+        </p:txBody>
+      </p:sp>
+      <p:sp>
+        <p:nvSpPr>
+          <p:cNvPr id="4" name="Slide Number Placeholder 3"/>
+          <p:cNvSpPr>
+            <a:spLocks noGrp="1"/>
+          </p:cNvSpPr>
+          <p:nvPr>
+            <p:ph type="sldNum" sz="quarter" idx="10"/>
+          </p:nvPr>
+        </p:nvSpPr>
+        <p:spPr/>
+        <p:txBody>
+          <a:bodyPr/>
+          <a:lstStyle/>
+          <a:p>
+            <a:fld id="{F1121264-53CE-4924-AD1D-9EFE8A98DE5F}" type="slidenum">
+              <a:rPr lang="en-US" smtClean="0"/>
+              <a:pPr/>
+              <a:t>24</a:t>
+            </a:fld>
+            <a:endParaRPr lang="en-US"/>
+          </a:p>
+        </p:txBody>
+      </p:sp>
+    </p:spTree>
+    <p:extLst>
+      <p:ext uri="{BB962C8B-B14F-4D97-AF65-F5344CB8AC3E}">
+        <p14:creationId xmlns:p14="http://schemas.microsoft.com/office/powerpoint/2010/main" xmlns="" val="277695351"/>
+      </p:ext>
+    </p:extLst>
+  </p:cSld>
+  <p:clrMapOvr>
+    <a:masterClrMapping/>
+  </p:clrMapOvr>
+</p:notes>
+</file>
+
+<file path=ppt/notesSlides/notesSlide6.xml><?xml version="1.0" encoding="utf-8"?>
+<p:notes xmlns:a="http://schemas.openxmlformats.org/drawingml/2006/main" xmlns:r="http://schemas.openxmlformats.org/officeDocument/2006/relationships" xmlns:p="http://schemas.openxmlformats.org/presentationml/2006/main">
+  <p:cSld>
+    <p:spTree>
+      <p:nvGrpSpPr>
+        <p:cNvPr id="1" name=""/>
+        <p:cNvGrpSpPr/>
+        <p:nvPr/>
+      </p:nvGrpSpPr>
+      <p:grpSpPr>
+        <a:xfrm>
+          <a:off x="0" y="0"/>
+          <a:ext cx="0" cy="0"/>
+          <a:chOff x="0" y="0"/>
+          <a:chExt cx="0" cy="0"/>
+        </a:xfrm>
+      </p:grpSpPr>
+      <p:sp>
+        <p:nvSpPr>
+          <p:cNvPr id="2" name="Slide Image Placeholder 1"/>
+          <p:cNvSpPr>
+            <a:spLocks noGrp="1" noRot="1" noChangeAspect="1"/>
+          </p:cNvSpPr>
+          <p:nvPr>
+            <p:ph type="sldImg"/>
+          </p:nvPr>
+        </p:nvSpPr>
+        <p:spPr/>
+      </p:sp>
+      <p:sp>
+        <p:nvSpPr>
+          <p:cNvPr id="3" name="Notes Placeholder 2"/>
+          <p:cNvSpPr>
+            <a:spLocks noGrp="1"/>
+          </p:cNvSpPr>
+          <p:nvPr>
+            <p:ph type="body" idx="1"/>
+          </p:nvPr>
+        </p:nvSpPr>
+        <p:spPr/>
+        <p:txBody>
+          <a:bodyPr/>
+          <a:lstStyle/>
+          <a:p>
+            <a:r>
+              <a:rPr lang="en-US" dirty="0" smtClean="0"/>
+              <a:t>If time allows</a:t>
+            </a:r>
+            <a:r>
+              <a:rPr lang="en-US" baseline="0" dirty="0" smtClean="0"/>
+              <a:t>, we’ll expand upon our initial design. </a:t>
+            </a:r>
+          </a:p>
+          <a:p>
+            <a:endParaRPr lang="en-US" baseline="0" dirty="0" smtClean="0"/>
+          </a:p>
+          <a:p>
+            <a:r>
+              <a:rPr lang="en-US" baseline="0" dirty="0" smtClean="0"/>
+              <a:t>Our first option is adding some heuristic processing to improve the overall robustness of the entire project. </a:t>
+            </a:r>
+          </a:p>
+          <a:p>
+            <a:endParaRPr lang="en-US" baseline="0" dirty="0" smtClean="0"/>
+          </a:p>
+          <a:p>
+            <a:r>
+              <a:rPr lang="en-US" baseline="0" dirty="0" smtClean="0"/>
+              <a:t>The second option is expanding the input range from simple characters to words.</a:t>
+            </a:r>
+            <a:endParaRPr lang="en-US" dirty="0"/>
+          </a:p>
+        </p:txBody>
+      </p:sp>
+      <p:sp>
+        <p:nvSpPr>
+          <p:cNvPr id="4" name="Slide Number Placeholder 3"/>
+          <p:cNvSpPr>
+            <a:spLocks noGrp="1"/>
+          </p:cNvSpPr>
+          <p:nvPr>
+            <p:ph type="sldNum" sz="quarter" idx="10"/>
+          </p:nvPr>
+        </p:nvSpPr>
+        <p:spPr/>
+        <p:txBody>
+          <a:bodyPr/>
+          <a:lstStyle/>
+          <a:p>
+            <a:fld id="{F1121264-53CE-4924-AD1D-9EFE8A98DE5F}" type="slidenum">
+              <a:rPr lang="en-US" smtClean="0"/>
+              <a:pPr/>
+              <a:t>25</a:t>
+            </a:fld>
+            <a:endParaRPr lang="en-US"/>
+          </a:p>
+        </p:txBody>
+      </p:sp>
+    </p:spTree>
+    <p:extLst>
+      <p:ext uri="{BB962C8B-B14F-4D97-AF65-F5344CB8AC3E}">
+        <p14:creationId xmlns:p14="http://schemas.microsoft.com/office/powerpoint/2010/main" xmlns="" val="770783979"/>
       </p:ext>
     </p:extLst>
   </p:cSld>
@@ -1083,6 +1275,7 @@
           <a:p>
             <a:fld id="{BE02873E-BE0D-463B-BC8D-3241BB7E9E06}" type="datetimeFigureOut">
               <a:rPr lang="en-US" smtClean="0"/>
+              <a:pPr/>
               <a:t>12/6/2016</a:t>
             </a:fld>
             <a:endParaRPr lang="en-US"/>
@@ -1106,6 +1299,7 @@
           <a:p>
             <a:fld id="{5BA0986C-15A5-4D95-8452-7DEF32E501F5}" type="slidenum">
               <a:rPr lang="en-US" smtClean="0"/>
+              <a:pPr/>
               <a:t>‹#›</a:t>
             </a:fld>
             <a:endParaRPr lang="en-US"/>
@@ -1136,11 +1330,11 @@
   <p:clrMapOvr>
     <a:masterClrMapping/>
   </p:clrMapOvr>
-  <mc:AlternateContent xmlns:mc="http://schemas.openxmlformats.org/markup-compatibility/2006" xmlns:p14="http://schemas.microsoft.com/office/powerpoint/2010/main">
-    <mc:Choice Requires="p14">
+  <mc:AlternateContent xmlns:mc="http://schemas.openxmlformats.org/markup-compatibility/2006">
+    <mc:Choice xmlns:p14="http://schemas.microsoft.com/office/powerpoint/2010/main" xmlns="" Requires="p14">
       <p:transition spd="slow" p14:dur="2000"/>
     </mc:Choice>
-    <mc:Fallback xmlns="">
+    <mc:Fallback>
       <p:transition spd="slow"/>
     </mc:Fallback>
   </mc:AlternateContent>
@@ -1256,6 +1450,7 @@
           <a:p>
             <a:fld id="{BE02873E-BE0D-463B-BC8D-3241BB7E9E06}" type="datetimeFigureOut">
               <a:rPr lang="en-US" smtClean="0"/>
+              <a:pPr/>
               <a:t>12/6/2016</a:t>
             </a:fld>
             <a:endParaRPr lang="en-US"/>
@@ -1298,6 +1493,7 @@
           <a:p>
             <a:fld id="{5BA0986C-15A5-4D95-8452-7DEF32E501F5}" type="slidenum">
               <a:rPr lang="en-US" smtClean="0"/>
+              <a:pPr/>
               <a:t>‹#›</a:t>
             </a:fld>
             <a:endParaRPr lang="en-US"/>
@@ -1309,11 +1505,11 @@
   <p:clrMapOvr>
     <a:masterClrMapping/>
   </p:clrMapOvr>
-  <mc:AlternateContent xmlns:mc="http://schemas.openxmlformats.org/markup-compatibility/2006" xmlns:p14="http://schemas.microsoft.com/office/powerpoint/2010/main">
-    <mc:Choice Requires="p14">
+  <mc:AlternateContent xmlns:mc="http://schemas.openxmlformats.org/markup-compatibility/2006">
+    <mc:Choice xmlns:p14="http://schemas.microsoft.com/office/powerpoint/2010/main" xmlns="" Requires="p14">
       <p:transition spd="slow" p14:dur="2000"/>
     </mc:Choice>
-    <mc:Fallback xmlns="">
+    <mc:Fallback>
       <p:transition spd="slow"/>
     </mc:Fallback>
   </mc:AlternateContent>
@@ -1439,6 +1635,7 @@
           <a:p>
             <a:fld id="{BE02873E-BE0D-463B-BC8D-3241BB7E9E06}" type="datetimeFigureOut">
               <a:rPr lang="en-US" smtClean="0"/>
+              <a:pPr/>
               <a:t>12/6/2016</a:t>
             </a:fld>
             <a:endParaRPr lang="en-US"/>
@@ -1481,6 +1678,7 @@
           <a:p>
             <a:fld id="{5BA0986C-15A5-4D95-8452-7DEF32E501F5}" type="slidenum">
               <a:rPr lang="en-US" smtClean="0"/>
+              <a:pPr/>
               <a:t>‹#›</a:t>
             </a:fld>
             <a:endParaRPr lang="en-US"/>
@@ -1492,11 +1690,11 @@
   <p:clrMapOvr>
     <a:masterClrMapping/>
   </p:clrMapOvr>
-  <mc:AlternateContent xmlns:mc="http://schemas.openxmlformats.org/markup-compatibility/2006" xmlns:p14="http://schemas.microsoft.com/office/powerpoint/2010/main">
-    <mc:Choice Requires="p14">
+  <mc:AlternateContent xmlns:mc="http://schemas.openxmlformats.org/markup-compatibility/2006">
+    <mc:Choice xmlns:p14="http://schemas.microsoft.com/office/powerpoint/2010/main" xmlns="" Requires="p14">
       <p:transition spd="slow" p14:dur="2000"/>
     </mc:Choice>
-    <mc:Fallback xmlns="">
+    <mc:Fallback>
       <p:transition spd="slow"/>
     </mc:Fallback>
   </mc:AlternateContent>
@@ -1630,6 +1828,7 @@
           <a:p>
             <a:fld id="{BE02873E-BE0D-463B-BC8D-3241BB7E9E06}" type="datetimeFigureOut">
               <a:rPr lang="en-US" smtClean="0"/>
+              <a:pPr/>
               <a:t>12/6/2016</a:t>
             </a:fld>
             <a:endParaRPr lang="en-US"/>
@@ -1672,6 +1871,7 @@
           <a:p>
             <a:fld id="{5BA0986C-15A5-4D95-8452-7DEF32E501F5}" type="slidenum">
               <a:rPr lang="en-US" smtClean="0"/>
+              <a:pPr/>
               <a:t>‹#›</a:t>
             </a:fld>
             <a:endParaRPr lang="en-US"/>
@@ -1683,11 +1883,11 @@
   <p:clrMapOvr>
     <a:masterClrMapping/>
   </p:clrMapOvr>
-  <mc:AlternateContent xmlns:mc="http://schemas.openxmlformats.org/markup-compatibility/2006" xmlns:p14="http://schemas.microsoft.com/office/powerpoint/2010/main">
-    <mc:Choice Requires="p14">
+  <mc:AlternateContent xmlns:mc="http://schemas.openxmlformats.org/markup-compatibility/2006">
+    <mc:Choice xmlns:p14="http://schemas.microsoft.com/office/powerpoint/2010/main" xmlns="" Requires="p14">
       <p:transition spd="slow" p14:dur="2000"/>
     </mc:Choice>
-    <mc:Fallback xmlns="">
+    <mc:Fallback>
       <p:transition spd="slow"/>
     </mc:Fallback>
   </mc:AlternateContent>
@@ -1900,6 +2100,7 @@
           <a:p>
             <a:fld id="{BE02873E-BE0D-463B-BC8D-3241BB7E9E06}" type="datetimeFigureOut">
               <a:rPr lang="en-US" smtClean="0"/>
+              <a:pPr/>
               <a:t>12/6/2016</a:t>
             </a:fld>
             <a:endParaRPr lang="en-US"/>
@@ -1942,6 +2143,7 @@
           <a:p>
             <a:fld id="{5BA0986C-15A5-4D95-8452-7DEF32E501F5}" type="slidenum">
               <a:rPr lang="en-US" smtClean="0"/>
+              <a:pPr/>
               <a:t>‹#›</a:t>
             </a:fld>
             <a:endParaRPr lang="en-US"/>
@@ -2103,11 +2305,11 @@
   <p:clrMapOvr>
     <a:masterClrMapping/>
   </p:clrMapOvr>
-  <mc:AlternateContent xmlns:mc="http://schemas.openxmlformats.org/markup-compatibility/2006" xmlns:p14="http://schemas.microsoft.com/office/powerpoint/2010/main">
-    <mc:Choice Requires="p14">
+  <mc:AlternateContent xmlns:mc="http://schemas.openxmlformats.org/markup-compatibility/2006">
+    <mc:Choice xmlns:p14="http://schemas.microsoft.com/office/powerpoint/2010/main" xmlns="" Requires="p14">
       <p:transition spd="slow" p14:dur="2000"/>
     </mc:Choice>
-    <mc:Fallback xmlns="">
+    <mc:Fallback>
       <p:transition spd="slow"/>
     </mc:Fallback>
   </mc:AlternateContent>
@@ -2256,6 +2458,7 @@
           <a:p>
             <a:fld id="{BE02873E-BE0D-463B-BC8D-3241BB7E9E06}" type="datetimeFigureOut">
               <a:rPr lang="en-US" smtClean="0"/>
+              <a:pPr/>
               <a:t>12/6/2016</a:t>
             </a:fld>
             <a:endParaRPr lang="en-US"/>
@@ -2298,6 +2501,7 @@
           <a:p>
             <a:fld id="{5BA0986C-15A5-4D95-8452-7DEF32E501F5}" type="slidenum">
               <a:rPr lang="en-US" smtClean="0"/>
+              <a:pPr/>
               <a:t>‹#›</a:t>
             </a:fld>
             <a:endParaRPr lang="en-US"/>
@@ -2366,11 +2570,11 @@
   <p:clrMapOvr>
     <a:masterClrMapping/>
   </p:clrMapOvr>
-  <mc:AlternateContent xmlns:mc="http://schemas.openxmlformats.org/markup-compatibility/2006" xmlns:p14="http://schemas.microsoft.com/office/powerpoint/2010/main">
-    <mc:Choice Requires="p14">
+  <mc:AlternateContent xmlns:mc="http://schemas.openxmlformats.org/markup-compatibility/2006">
+    <mc:Choice xmlns:p14="http://schemas.microsoft.com/office/powerpoint/2010/main" xmlns="" Requires="p14">
       <p:transition spd="slow" p14:dur="2000"/>
     </mc:Choice>
-    <mc:Fallback xmlns="">
+    <mc:Fallback>
       <p:transition spd="slow"/>
     </mc:Fallback>
   </mc:AlternateContent>
@@ -2572,6 +2776,7 @@
           <a:p>
             <a:fld id="{BE02873E-BE0D-463B-BC8D-3241BB7E9E06}" type="datetimeFigureOut">
               <a:rPr lang="en-US" smtClean="0"/>
+              <a:pPr/>
               <a:t>12/6/2016</a:t>
             </a:fld>
             <a:endParaRPr lang="en-US"/>
@@ -2614,6 +2819,7 @@
           <a:p>
             <a:fld id="{5BA0986C-15A5-4D95-8452-7DEF32E501F5}" type="slidenum">
               <a:rPr lang="en-US" smtClean="0"/>
+              <a:pPr/>
               <a:t>‹#›</a:t>
             </a:fld>
             <a:endParaRPr lang="en-US"/>
@@ -2739,11 +2945,11 @@
   <p:clrMapOvr>
     <a:masterClrMapping/>
   </p:clrMapOvr>
-  <mc:AlternateContent xmlns:mc="http://schemas.openxmlformats.org/markup-compatibility/2006" xmlns:p14="http://schemas.microsoft.com/office/powerpoint/2010/main">
-    <mc:Choice Requires="p14">
+  <mc:AlternateContent xmlns:mc="http://schemas.openxmlformats.org/markup-compatibility/2006">
+    <mc:Choice xmlns:p14="http://schemas.microsoft.com/office/powerpoint/2010/main" xmlns="" Requires="p14">
       <p:transition spd="slow" p14:dur="2000"/>
     </mc:Choice>
-    <mc:Fallback xmlns="">
+    <mc:Fallback>
       <p:transition spd="slow"/>
     </mc:Fallback>
   </mc:AlternateContent>
@@ -2807,6 +3013,7 @@
           <a:p>
             <a:fld id="{BE02873E-BE0D-463B-BC8D-3241BB7E9E06}" type="datetimeFigureOut">
               <a:rPr lang="en-US" smtClean="0"/>
+              <a:pPr/>
               <a:t>12/6/2016</a:t>
             </a:fld>
             <a:endParaRPr lang="en-US"/>
@@ -2849,6 +3056,7 @@
           <a:p>
             <a:fld id="{5BA0986C-15A5-4D95-8452-7DEF32E501F5}" type="slidenum">
               <a:rPr lang="en-US" smtClean="0"/>
+              <a:pPr/>
               <a:t>‹#›</a:t>
             </a:fld>
             <a:endParaRPr lang="en-US"/>
@@ -2860,11 +3068,11 @@
   <p:clrMapOvr>
     <a:masterClrMapping/>
   </p:clrMapOvr>
-  <mc:AlternateContent xmlns:mc="http://schemas.openxmlformats.org/markup-compatibility/2006" xmlns:p14="http://schemas.microsoft.com/office/powerpoint/2010/main">
-    <mc:Choice Requires="p14">
+  <mc:AlternateContent xmlns:mc="http://schemas.openxmlformats.org/markup-compatibility/2006">
+    <mc:Choice xmlns:p14="http://schemas.microsoft.com/office/powerpoint/2010/main" xmlns="" Requires="p14">
       <p:transition spd="slow" p14:dur="2000"/>
     </mc:Choice>
-    <mc:Fallback xmlns="">
+    <mc:Fallback>
       <p:transition spd="slow"/>
     </mc:Fallback>
   </mc:AlternateContent>
@@ -2905,6 +3113,7 @@
           <a:p>
             <a:fld id="{BE02873E-BE0D-463B-BC8D-3241BB7E9E06}" type="datetimeFigureOut">
               <a:rPr lang="en-US" smtClean="0"/>
+              <a:pPr/>
               <a:t>12/6/2016</a:t>
             </a:fld>
             <a:endParaRPr lang="en-US"/>
@@ -2947,6 +3156,7 @@
           <a:p>
             <a:fld id="{5BA0986C-15A5-4D95-8452-7DEF32E501F5}" type="slidenum">
               <a:rPr lang="en-US" smtClean="0"/>
+              <a:pPr/>
               <a:t>‹#›</a:t>
             </a:fld>
             <a:endParaRPr lang="en-US"/>
@@ -2958,11 +3168,11 @@
   <p:clrMapOvr>
     <a:masterClrMapping/>
   </p:clrMapOvr>
-  <mc:AlternateContent xmlns:mc="http://schemas.openxmlformats.org/markup-compatibility/2006" xmlns:p14="http://schemas.microsoft.com/office/powerpoint/2010/main">
-    <mc:Choice Requires="p14">
+  <mc:AlternateContent xmlns:mc="http://schemas.openxmlformats.org/markup-compatibility/2006">
+    <mc:Choice xmlns:p14="http://schemas.microsoft.com/office/powerpoint/2010/main" xmlns="" Requires="p14">
       <p:transition spd="slow" p14:dur="2000"/>
     </mc:Choice>
-    <mc:Fallback xmlns="">
+    <mc:Fallback>
       <p:transition spd="slow"/>
     </mc:Fallback>
   </mc:AlternateContent>
@@ -3201,6 +3411,7 @@
           <a:p>
             <a:fld id="{BE02873E-BE0D-463B-BC8D-3241BB7E9E06}" type="datetimeFigureOut">
               <a:rPr lang="en-US" smtClean="0"/>
+              <a:pPr/>
               <a:t>12/6/2016</a:t>
             </a:fld>
             <a:endParaRPr lang="en-US"/>
@@ -3243,6 +3454,7 @@
           <a:p>
             <a:fld id="{5BA0986C-15A5-4D95-8452-7DEF32E501F5}" type="slidenum">
               <a:rPr lang="en-US" smtClean="0"/>
+              <a:pPr/>
               <a:t>‹#›</a:t>
             </a:fld>
             <a:endParaRPr lang="en-US"/>
@@ -3254,11 +3466,11 @@
   <p:clrMapOvr>
     <a:masterClrMapping/>
   </p:clrMapOvr>
-  <mc:AlternateContent xmlns:mc="http://schemas.openxmlformats.org/markup-compatibility/2006" xmlns:p14="http://schemas.microsoft.com/office/powerpoint/2010/main">
-    <mc:Choice Requires="p14">
+  <mc:AlternateContent xmlns:mc="http://schemas.openxmlformats.org/markup-compatibility/2006">
+    <mc:Choice xmlns:p14="http://schemas.microsoft.com/office/powerpoint/2010/main" xmlns="" Requires="p14">
       <p:transition spd="slow" p14:dur="2000"/>
     </mc:Choice>
-    <mc:Fallback xmlns="">
+    <mc:Fallback>
       <p:transition spd="slow"/>
     </mc:Fallback>
   </mc:AlternateContent>
@@ -3478,6 +3690,7 @@
           <a:p>
             <a:fld id="{BE02873E-BE0D-463B-BC8D-3241BB7E9E06}" type="datetimeFigureOut">
               <a:rPr lang="en-US" smtClean="0"/>
+              <a:pPr/>
               <a:t>12/6/2016</a:t>
             </a:fld>
             <a:endParaRPr lang="en-US"/>
@@ -3520,6 +3733,7 @@
           <a:p>
             <a:fld id="{5BA0986C-15A5-4D95-8452-7DEF32E501F5}" type="slidenum">
               <a:rPr lang="en-US" smtClean="0"/>
+              <a:pPr/>
               <a:t>‹#›</a:t>
             </a:fld>
             <a:endParaRPr lang="en-US"/>
@@ -3531,11 +3745,11 @@
   <p:clrMapOvr>
     <a:masterClrMapping/>
   </p:clrMapOvr>
-  <mc:AlternateContent xmlns:mc="http://schemas.openxmlformats.org/markup-compatibility/2006" xmlns:p14="http://schemas.microsoft.com/office/powerpoint/2010/main">
-    <mc:Choice Requires="p14">
+  <mc:AlternateContent xmlns:mc="http://schemas.openxmlformats.org/markup-compatibility/2006">
+    <mc:Choice xmlns:p14="http://schemas.microsoft.com/office/powerpoint/2010/main" xmlns="" Requires="p14">
       <p:transition spd="slow" p14:dur="2000"/>
     </mc:Choice>
-    <mc:Fallback xmlns="">
+    <mc:Fallback>
       <p:transition spd="slow"/>
     </mc:Fallback>
   </mc:AlternateContent>
@@ -3696,6 +3910,7 @@
           <a:p>
             <a:fld id="{BE02873E-BE0D-463B-BC8D-3241BB7E9E06}" type="datetimeFigureOut">
               <a:rPr lang="en-US" smtClean="0"/>
+              <a:pPr/>
               <a:t>12/6/2016</a:t>
             </a:fld>
             <a:endParaRPr lang="en-US"/>
@@ -3778,6 +3993,7 @@
           <a:p>
             <a:fld id="{5BA0986C-15A5-4D95-8452-7DEF32E501F5}" type="slidenum">
               <a:rPr lang="en-US" smtClean="0"/>
+              <a:pPr/>
               <a:t>‹#›</a:t>
             </a:fld>
             <a:endParaRPr lang="en-US"/>
@@ -3907,11 +4123,11 @@
     <p:sldLayoutId id="2147483670" r:id="rId10"/>
     <p:sldLayoutId id="2147483671" r:id="rId11"/>
   </p:sldLayoutIdLst>
-  <mc:AlternateContent xmlns:mc="http://schemas.openxmlformats.org/markup-compatibility/2006" xmlns:p14="http://schemas.microsoft.com/office/powerpoint/2010/main">
-    <mc:Choice Requires="p14">
+  <mc:AlternateContent xmlns:mc="http://schemas.openxmlformats.org/markup-compatibility/2006">
+    <mc:Choice xmlns:p14="http://schemas.microsoft.com/office/powerpoint/2010/main" xmlns="" Requires="p14">
       <p:transition spd="slow" p14:dur="2000"/>
     </mc:Choice>
-    <mc:Fallback xmlns="">
+    <mc:Fallback>
       <p:transition spd="slow"/>
     </mc:Fallback>
   </mc:AlternateContent>
@@ -4286,18 +4502,18 @@
     </p:spTree>
     <p:extLst>
       <p:ext uri="{BB962C8B-B14F-4D97-AF65-F5344CB8AC3E}">
-        <p14:creationId xmlns:p14="http://schemas.microsoft.com/office/powerpoint/2010/main" val="3748735471"/>
+        <p14:creationId xmlns:p14="http://schemas.microsoft.com/office/powerpoint/2010/main" xmlns="" val="3748735471"/>
       </p:ext>
     </p:extLst>
   </p:cSld>
   <p:clrMapOvr>
     <a:masterClrMapping/>
   </p:clrMapOvr>
-  <mc:AlternateContent xmlns:mc="http://schemas.openxmlformats.org/markup-compatibility/2006" xmlns:p14="http://schemas.microsoft.com/office/powerpoint/2010/main">
-    <mc:Choice Requires="p14">
+  <mc:AlternateContent xmlns:mc="http://schemas.openxmlformats.org/markup-compatibility/2006">
+    <mc:Choice xmlns:p14="http://schemas.microsoft.com/office/powerpoint/2010/main" xmlns="" Requires="p14">
       <p:transition spd="slow" p14:dur="2000"/>
     </mc:Choice>
-    <mc:Fallback xmlns="">
+    <mc:Fallback>
       <p:transition spd="slow"/>
     </mc:Fallback>
   </mc:AlternateContent>
@@ -4383,10 +4599,10 @@
           <p:nvPr/>
         </p:nvPicPr>
         <p:blipFill>
-          <a:blip r:embed="rId2">
+          <a:blip r:embed="rId2" cstate="print">
             <a:extLst>
               <a:ext uri="{28A0092B-C50C-407E-A947-70E740481C1C}">
-                <a14:useLocalDpi xmlns:a14="http://schemas.microsoft.com/office/drawing/2010/main" val="0"/>
+                <a14:useLocalDpi xmlns:a14="http://schemas.microsoft.com/office/drawing/2010/main" xmlns="" val="0"/>
               </a:ext>
             </a:extLst>
           </a:blip>
@@ -4406,7 +4622,7 @@
           <a:noFill/>
           <a:extLst>
             <a:ext uri="{909E8E84-426E-40DD-AFC4-6F175D3DCCD1}">
-              <a14:hiddenFill xmlns:a14="http://schemas.microsoft.com/office/drawing/2010/main">
+              <a14:hiddenFill xmlns:a14="http://schemas.microsoft.com/office/drawing/2010/main" xmlns="">
                 <a:solidFill>
                   <a:srgbClr val="FFFFFF"/>
                 </a:solidFill>
@@ -4508,10 +4724,10 @@
           <p:nvPr/>
         </p:nvPicPr>
         <p:blipFill>
-          <a:blip r:embed="rId3">
+          <a:blip r:embed="rId3" cstate="print">
             <a:extLst>
               <a:ext uri="{28A0092B-C50C-407E-A947-70E740481C1C}">
-                <a14:useLocalDpi xmlns:a14="http://schemas.microsoft.com/office/drawing/2010/main" val="0"/>
+                <a14:useLocalDpi xmlns:a14="http://schemas.microsoft.com/office/drawing/2010/main" xmlns="" val="0"/>
               </a:ext>
             </a:extLst>
           </a:blip>
@@ -4534,14 +4750,14 @@
           </a:ln>
           <a:extLst>
             <a:ext uri="{909E8E84-426E-40DD-AFC4-6F175D3DCCD1}">
-              <a14:hiddenFill xmlns:a14="http://schemas.microsoft.com/office/drawing/2010/main">
+              <a14:hiddenFill xmlns:a14="http://schemas.microsoft.com/office/drawing/2010/main" xmlns="">
                 <a:solidFill>
                   <a:schemeClr val="accent1"/>
                 </a:solidFill>
               </a14:hiddenFill>
             </a:ext>
             <a:ext uri="{91240B29-F687-4F45-9708-019B960494DF}">
-              <a14:hiddenLine xmlns:a14="http://schemas.microsoft.com/office/drawing/2010/main" w="9525">
+              <a14:hiddenLine xmlns:a14="http://schemas.microsoft.com/office/drawing/2010/main" xmlns="" w="9525">
                 <a:solidFill>
                   <a:schemeClr val="tx1"/>
                 </a:solidFill>
@@ -4586,18 +4802,18 @@
     </p:spTree>
     <p:extLst>
       <p:ext uri="{BB962C8B-B14F-4D97-AF65-F5344CB8AC3E}">
-        <p14:creationId xmlns:p14="http://schemas.microsoft.com/office/powerpoint/2010/main" val="704973391"/>
+        <p14:creationId xmlns:p14="http://schemas.microsoft.com/office/powerpoint/2010/main" xmlns="" val="704973391"/>
       </p:ext>
     </p:extLst>
   </p:cSld>
   <p:clrMapOvr>
     <a:masterClrMapping/>
   </p:clrMapOvr>
-  <mc:AlternateContent xmlns:mc="http://schemas.openxmlformats.org/markup-compatibility/2006" xmlns:p14="http://schemas.microsoft.com/office/powerpoint/2010/main">
-    <mc:Choice Requires="p14">
+  <mc:AlternateContent xmlns:mc="http://schemas.openxmlformats.org/markup-compatibility/2006">
+    <mc:Choice xmlns:p14="http://schemas.microsoft.com/office/powerpoint/2010/main" xmlns="" Requires="p14">
       <p:transition spd="slow" p14:dur="2000"/>
     </mc:Choice>
-    <mc:Fallback xmlns="">
+    <mc:Fallback>
       <p:transition spd="slow"/>
     </mc:Fallback>
   </mc:AlternateContent>
@@ -4676,10 +4892,10 @@
           <p:nvPr/>
         </p:nvPicPr>
         <p:blipFill>
-          <a:blip r:embed="rId2">
+          <a:blip r:embed="rId2" cstate="print">
             <a:extLst>
               <a:ext uri="{28A0092B-C50C-407E-A947-70E740481C1C}">
-                <a14:useLocalDpi xmlns:a14="http://schemas.microsoft.com/office/drawing/2010/main" val="0"/>
+                <a14:useLocalDpi xmlns:a14="http://schemas.microsoft.com/office/drawing/2010/main" xmlns="" val="0"/>
               </a:ext>
             </a:extLst>
           </a:blip>
@@ -4699,7 +4915,7 @@
           <a:noFill/>
           <a:extLst>
             <a:ext uri="{909E8E84-426E-40DD-AFC4-6F175D3DCCD1}">
-              <a14:hiddenFill xmlns:a14="http://schemas.microsoft.com/office/drawing/2010/main">
+              <a14:hiddenFill xmlns:a14="http://schemas.microsoft.com/office/drawing/2010/main" xmlns="">
                 <a:solidFill>
                   <a:srgbClr val="FFFFFF"/>
                 </a:solidFill>
@@ -4716,7 +4932,7 @@
         </p:nvSpPr>
         <p:spPr>
           <a:xfrm>
-            <a:off x="4162268" y="3193390"/>
+            <a:off x="3581400" y="3193390"/>
             <a:ext cx="762000" cy="754990"/>
           </a:xfrm>
           <a:prstGeom prst="rightArrow">
@@ -4792,54 +5008,139 @@
           </a:p>
         </p:txBody>
       </p:sp>
-      <p:sp>
-        <p:nvSpPr>
-          <p:cNvPr id="5" name="TextBox 4"/>
-          <p:cNvSpPr txBox="1"/>
+      <p:pic>
+        <p:nvPicPr>
+          <p:cNvPr id="1026" name="Picture 2"/>
+          <p:cNvPicPr>
+            <a:picLocks noChangeAspect="1" noChangeArrowheads="1"/>
+          </p:cNvPicPr>
           <p:nvPr/>
-        </p:nvSpPr>
-        <p:spPr>
+        </p:nvPicPr>
+        <p:blipFill>
+          <a:blip r:embed="rId3" cstate="print"/>
+          <a:srcRect/>
+          <a:stretch>
+            <a:fillRect/>
+          </a:stretch>
+        </p:blipFill>
+        <p:spPr bwMode="auto">
           <a:xfrm>
-            <a:off x="6629400" y="2590800"/>
-            <a:ext cx="1447800" cy="1569660"/>
+            <a:off x="4419600" y="3124201"/>
+            <a:ext cx="1371600" cy="1304286"/>
           </a:xfrm>
           <a:prstGeom prst="rect">
             <a:avLst/>
           </a:prstGeom>
           <a:noFill/>
+          <a:ln w="9525">
+            <a:noFill/>
+            <a:miter lim="800000"/>
+            <a:headEnd/>
+            <a:tailEnd/>
+          </a:ln>
         </p:spPr>
-        <p:txBody>
-          <a:bodyPr wrap="square" rtlCol="0">
-            <a:spAutoFit/>
-          </a:bodyPr>
-          <a:lstStyle/>
-          <a:p>
-            <a:r>
-              <a:rPr lang="en-US" sz="9600" dirty="0" smtClean="0"/>
-              <a:t>?</a:t>
-            </a:r>
-            <a:endParaRPr lang="en-US" sz="9600" dirty="0"/>
-          </a:p>
-        </p:txBody>
-      </p:sp>
+      </p:pic>
+      <p:sp>
+        <p:nvSpPr>
+          <p:cNvPr id="13" name="Bent Arrow 12"/>
+          <p:cNvSpPr/>
+          <p:nvPr/>
+        </p:nvSpPr>
+        <p:spPr>
+          <a:xfrm>
+            <a:off x="4876800" y="1981200"/>
+            <a:ext cx="1066800" cy="1143000"/>
+          </a:xfrm>
+          <a:prstGeom prst="bentArrow">
+            <a:avLst/>
+          </a:prstGeom>
+        </p:spPr>
+        <p:style>
+          <a:lnRef idx="2">
+            <a:schemeClr val="accent1">
+              <a:shade val="50000"/>
+            </a:schemeClr>
+          </a:lnRef>
+          <a:fillRef idx="1">
+            <a:schemeClr val="accent1"/>
+          </a:fillRef>
+          <a:effectRef idx="0">
+            <a:schemeClr val="accent1"/>
+          </a:effectRef>
+          <a:fontRef idx="minor">
+            <a:schemeClr val="lt1"/>
+          </a:fontRef>
+        </p:style>
+        <p:txBody>
+          <a:bodyPr rtlCol="0" anchor="ctr"/>
+          <a:lstStyle/>
+          <a:p>
+            <a:pPr algn="ctr"/>
+            <a:endParaRPr lang="en-US">
+              <a:solidFill>
+                <a:schemeClr val="tx1"/>
+              </a:solidFill>
+            </a:endParaRPr>
+          </a:p>
+        </p:txBody>
+      </p:sp>
+      <p:pic>
+        <p:nvPicPr>
+          <p:cNvPr id="1028" name="Picture 4"/>
+          <p:cNvPicPr>
+            <a:picLocks noChangeAspect="1" noChangeArrowheads="1"/>
+          </p:cNvPicPr>
+          <p:nvPr/>
+        </p:nvPicPr>
+        <p:blipFill>
+          <a:blip r:embed="rId4" cstate="print"/>
+          <a:srcRect/>
+          <a:stretch>
+            <a:fillRect/>
+          </a:stretch>
+        </p:blipFill>
+        <p:spPr bwMode="auto">
+          <a:xfrm>
+            <a:off x="5943601" y="1524001"/>
+            <a:ext cx="2133599" cy="2118834"/>
+          </a:xfrm>
+          <a:prstGeom prst="rect">
+            <a:avLst/>
+          </a:prstGeom>
+          <a:noFill/>
+          <a:ln w="9525">
+            <a:noFill/>
+            <a:miter lim="800000"/>
+            <a:headEnd/>
+            <a:tailEnd/>
+          </a:ln>
+        </p:spPr>
+      </p:pic>
     </p:spTree>
     <p:extLst>
       <p:ext uri="{BB962C8B-B14F-4D97-AF65-F5344CB8AC3E}">
-        <p14:creationId xmlns:p14="http://schemas.microsoft.com/office/powerpoint/2010/main" val="2601255858"/>
+        <p14:creationId xmlns:p14="http://schemas.microsoft.com/office/powerpoint/2010/main" xmlns="" val="2601255858"/>
       </p:ext>
     </p:extLst>
   </p:cSld>
   <p:clrMapOvr>
     <a:masterClrMapping/>
   </p:clrMapOvr>
-  <mc:AlternateContent xmlns:mc="http://schemas.openxmlformats.org/markup-compatibility/2006" xmlns:p14="http://schemas.microsoft.com/office/powerpoint/2010/main">
-    <mc:Choice Requires="p14">
+  <mc:AlternateContent xmlns:mc="http://schemas.openxmlformats.org/markup-compatibility/2006">
+    <mc:Choice xmlns:p14="http://schemas.microsoft.com/office/powerpoint/2010/main" xmlns="" Requires="p14">
       <p:transition spd="slow" p14:dur="2000"/>
     </mc:Choice>
-    <mc:Fallback xmlns="">
+    <mc:Fallback>
       <p:transition spd="slow"/>
     </mc:Fallback>
   </mc:AlternateContent>
+  <p:timing>
+    <p:tnLst>
+      <p:par>
+        <p:cTn id="1" dur="indefinite" restart="never" nodeType="tmRoot"/>
+      </p:par>
+    </p:tnLst>
+  </p:timing>
 </p:sld>
 </file>
 
@@ -4945,10 +5246,10 @@
           <p:nvPr/>
         </p:nvPicPr>
         <p:blipFill>
-          <a:blip r:embed="rId2">
+          <a:blip r:embed="rId2" cstate="print">
             <a:extLst>
               <a:ext uri="{28A0092B-C50C-407E-A947-70E740481C1C}">
-                <a14:useLocalDpi xmlns:a14="http://schemas.microsoft.com/office/drawing/2010/main" val="0"/>
+                <a14:useLocalDpi xmlns:a14="http://schemas.microsoft.com/office/drawing/2010/main" xmlns="" val="0"/>
               </a:ext>
             </a:extLst>
           </a:blip>
@@ -4968,7 +5269,7 @@
           <a:noFill/>
           <a:extLst>
             <a:ext uri="{909E8E84-426E-40DD-AFC4-6F175D3DCCD1}">
-              <a14:hiddenFill xmlns:a14="http://schemas.microsoft.com/office/drawing/2010/main">
+              <a14:hiddenFill xmlns:a14="http://schemas.microsoft.com/office/drawing/2010/main" xmlns="">
                 <a:solidFill>
                   <a:srgbClr val="FFFFFF"/>
                 </a:solidFill>
@@ -4986,10 +5287,10 @@
           <p:nvPr/>
         </p:nvPicPr>
         <p:blipFill>
-          <a:blip r:embed="rId3">
+          <a:blip r:embed="rId3" cstate="print">
             <a:extLst>
               <a:ext uri="{28A0092B-C50C-407E-A947-70E740481C1C}">
-                <a14:useLocalDpi xmlns:a14="http://schemas.microsoft.com/office/drawing/2010/main" val="0"/>
+                <a14:useLocalDpi xmlns:a14="http://schemas.microsoft.com/office/drawing/2010/main" xmlns="" val="0"/>
               </a:ext>
             </a:extLst>
           </a:blip>
@@ -5009,7 +5310,7 @@
           <a:noFill/>
           <a:extLst>
             <a:ext uri="{909E8E84-426E-40DD-AFC4-6F175D3DCCD1}">
-              <a14:hiddenFill xmlns:a14="http://schemas.microsoft.com/office/drawing/2010/main">
+              <a14:hiddenFill xmlns:a14="http://schemas.microsoft.com/office/drawing/2010/main" xmlns="">
                 <a:solidFill>
                   <a:srgbClr val="FFFFFF"/>
                 </a:solidFill>
@@ -5061,18 +5362,18 @@
     </p:spTree>
     <p:extLst>
       <p:ext uri="{BB962C8B-B14F-4D97-AF65-F5344CB8AC3E}">
-        <p14:creationId xmlns:p14="http://schemas.microsoft.com/office/powerpoint/2010/main" val="297045642"/>
+        <p14:creationId xmlns:p14="http://schemas.microsoft.com/office/powerpoint/2010/main" xmlns="" val="297045642"/>
       </p:ext>
     </p:extLst>
   </p:cSld>
   <p:clrMapOvr>
     <a:masterClrMapping/>
   </p:clrMapOvr>
-  <mc:AlternateContent xmlns:mc="http://schemas.openxmlformats.org/markup-compatibility/2006" xmlns:p14="http://schemas.microsoft.com/office/powerpoint/2010/main">
-    <mc:Choice Requires="p14">
+  <mc:AlternateContent xmlns:mc="http://schemas.openxmlformats.org/markup-compatibility/2006">
+    <mc:Choice xmlns:p14="http://schemas.microsoft.com/office/powerpoint/2010/main" xmlns="" Requires="p14">
       <p:transition spd="slow" p14:dur="2000"/>
     </mc:Choice>
-    <mc:Fallback xmlns="">
+    <mc:Fallback>
       <p:transition spd="slow"/>
     </mc:Fallback>
   </mc:AlternateContent>
@@ -5167,7 +5468,7 @@
           <a:blip r:embed="rId2" cstate="print">
             <a:extLst>
               <a:ext uri="{28A0092B-C50C-407E-A947-70E740481C1C}">
-                <a14:useLocalDpi xmlns:a14="http://schemas.microsoft.com/office/drawing/2010/main" val="0"/>
+                <a14:useLocalDpi xmlns:a14="http://schemas.microsoft.com/office/drawing/2010/main" xmlns="" val="0"/>
               </a:ext>
             </a:extLst>
           </a:blip>
@@ -5190,14 +5491,14 @@
           </a:ln>
           <a:extLst>
             <a:ext uri="{909E8E84-426E-40DD-AFC4-6F175D3DCCD1}">
-              <a14:hiddenFill xmlns:a14="http://schemas.microsoft.com/office/drawing/2010/main">
+              <a14:hiddenFill xmlns:a14="http://schemas.microsoft.com/office/drawing/2010/main" xmlns="">
                 <a:solidFill>
                   <a:schemeClr val="accent1"/>
                 </a:solidFill>
               </a14:hiddenFill>
             </a:ext>
             <a:ext uri="{91240B29-F687-4F45-9708-019B960494DF}">
-              <a14:hiddenLine xmlns:a14="http://schemas.microsoft.com/office/drawing/2010/main" w="9525">
+              <a14:hiddenLine xmlns:a14="http://schemas.microsoft.com/office/drawing/2010/main" xmlns="" w="9525">
                 <a:solidFill>
                   <a:schemeClr val="tx1"/>
                 </a:solidFill>
@@ -5221,7 +5522,7 @@
           <a:blip r:embed="rId3" cstate="print">
             <a:extLst>
               <a:ext uri="{28A0092B-C50C-407E-A947-70E740481C1C}">
-                <a14:useLocalDpi xmlns:a14="http://schemas.microsoft.com/office/drawing/2010/main" val="0"/>
+                <a14:useLocalDpi xmlns:a14="http://schemas.microsoft.com/office/drawing/2010/main" xmlns="" val="0"/>
               </a:ext>
             </a:extLst>
           </a:blip>
@@ -5244,14 +5545,14 @@
           </a:ln>
           <a:extLst>
             <a:ext uri="{909E8E84-426E-40DD-AFC4-6F175D3DCCD1}">
-              <a14:hiddenFill xmlns:a14="http://schemas.microsoft.com/office/drawing/2010/main">
+              <a14:hiddenFill xmlns:a14="http://schemas.microsoft.com/office/drawing/2010/main" xmlns="">
                 <a:solidFill>
                   <a:schemeClr val="accent1"/>
                 </a:solidFill>
               </a14:hiddenFill>
             </a:ext>
             <a:ext uri="{91240B29-F687-4F45-9708-019B960494DF}">
-              <a14:hiddenLine xmlns:a14="http://schemas.microsoft.com/office/drawing/2010/main" w="9525">
+              <a14:hiddenLine xmlns:a14="http://schemas.microsoft.com/office/drawing/2010/main" xmlns="" w="9525">
                 <a:solidFill>
                   <a:schemeClr val="tx1"/>
                 </a:solidFill>
@@ -5275,7 +5576,7 @@
           <a:blip r:embed="rId4" cstate="print">
             <a:extLst>
               <a:ext uri="{28A0092B-C50C-407E-A947-70E740481C1C}">
-                <a14:useLocalDpi xmlns:a14="http://schemas.microsoft.com/office/drawing/2010/main" val="0"/>
+                <a14:useLocalDpi xmlns:a14="http://schemas.microsoft.com/office/drawing/2010/main" xmlns="" val="0"/>
               </a:ext>
             </a:extLst>
           </a:blip>
@@ -5298,14 +5599,14 @@
           </a:ln>
           <a:extLst>
             <a:ext uri="{909E8E84-426E-40DD-AFC4-6F175D3DCCD1}">
-              <a14:hiddenFill xmlns:a14="http://schemas.microsoft.com/office/drawing/2010/main">
+              <a14:hiddenFill xmlns:a14="http://schemas.microsoft.com/office/drawing/2010/main" xmlns="">
                 <a:solidFill>
                   <a:schemeClr val="accent1"/>
                 </a:solidFill>
               </a14:hiddenFill>
             </a:ext>
             <a:ext uri="{91240B29-F687-4F45-9708-019B960494DF}">
-              <a14:hiddenLine xmlns:a14="http://schemas.microsoft.com/office/drawing/2010/main" w="9525">
+              <a14:hiddenLine xmlns:a14="http://schemas.microsoft.com/office/drawing/2010/main" xmlns="" w="9525">
                 <a:solidFill>
                   <a:schemeClr val="tx1"/>
                 </a:solidFill>
@@ -5326,10 +5627,10 @@
           <p:nvPr/>
         </p:nvPicPr>
         <p:blipFill>
-          <a:blip r:embed="rId5">
+          <a:blip r:embed="rId5" cstate="print">
             <a:extLst>
               <a:ext uri="{28A0092B-C50C-407E-A947-70E740481C1C}">
-                <a14:useLocalDpi xmlns:a14="http://schemas.microsoft.com/office/drawing/2010/main" val="0"/>
+                <a14:useLocalDpi xmlns:a14="http://schemas.microsoft.com/office/drawing/2010/main" xmlns="" val="0"/>
               </a:ext>
             </a:extLst>
           </a:blip>
@@ -5349,7 +5650,7 @@
           <a:noFill/>
           <a:extLst>
             <a:ext uri="{909E8E84-426E-40DD-AFC4-6F175D3DCCD1}">
-              <a14:hiddenFill xmlns:a14="http://schemas.microsoft.com/office/drawing/2010/main">
+              <a14:hiddenFill xmlns:a14="http://schemas.microsoft.com/office/drawing/2010/main" xmlns="">
                 <a:solidFill>
                   <a:srgbClr val="FFFFFF"/>
                 </a:solidFill>
@@ -5411,10 +5712,10 @@
           <p:nvPr/>
         </p:nvPicPr>
         <p:blipFill>
-          <a:blip r:embed="rId6">
+          <a:blip r:embed="rId6" cstate="print">
             <a:extLst>
               <a:ext uri="{28A0092B-C50C-407E-A947-70E740481C1C}">
-                <a14:useLocalDpi xmlns:a14="http://schemas.microsoft.com/office/drawing/2010/main" val="0"/>
+                <a14:useLocalDpi xmlns:a14="http://schemas.microsoft.com/office/drawing/2010/main" xmlns="" val="0"/>
               </a:ext>
             </a:extLst>
           </a:blip>
@@ -5437,14 +5738,14 @@
           </a:ln>
           <a:extLst>
             <a:ext uri="{909E8E84-426E-40DD-AFC4-6F175D3DCCD1}">
-              <a14:hiddenFill xmlns:a14="http://schemas.microsoft.com/office/drawing/2010/main">
+              <a14:hiddenFill xmlns:a14="http://schemas.microsoft.com/office/drawing/2010/main" xmlns="">
                 <a:solidFill>
                   <a:schemeClr val="accent1"/>
                 </a:solidFill>
               </a14:hiddenFill>
             </a:ext>
             <a:ext uri="{91240B29-F687-4F45-9708-019B960494DF}">
-              <a14:hiddenLine xmlns:a14="http://schemas.microsoft.com/office/drawing/2010/main" w="9525">
+              <a14:hiddenLine xmlns:a14="http://schemas.microsoft.com/office/drawing/2010/main" xmlns="" w="9525">
                 <a:solidFill>
                   <a:schemeClr val="tx1"/>
                 </a:solidFill>
@@ -5459,18 +5760,18 @@
     </p:spTree>
     <p:extLst>
       <p:ext uri="{BB962C8B-B14F-4D97-AF65-F5344CB8AC3E}">
-        <p14:creationId xmlns:p14="http://schemas.microsoft.com/office/powerpoint/2010/main" val="3727889921"/>
+        <p14:creationId xmlns:p14="http://schemas.microsoft.com/office/powerpoint/2010/main" xmlns="" val="3727889921"/>
       </p:ext>
     </p:extLst>
   </p:cSld>
   <p:clrMapOvr>
     <a:masterClrMapping/>
   </p:clrMapOvr>
-  <mc:AlternateContent xmlns:mc="http://schemas.openxmlformats.org/markup-compatibility/2006" xmlns:p14="http://schemas.microsoft.com/office/powerpoint/2010/main">
-    <mc:Choice Requires="p14">
+  <mc:AlternateContent xmlns:mc="http://schemas.openxmlformats.org/markup-compatibility/2006">
+    <mc:Choice xmlns:p14="http://schemas.microsoft.com/office/powerpoint/2010/main" xmlns="" Requires="p14">
       <p:transition spd="slow" p14:dur="2000"/>
     </mc:Choice>
-    <mc:Fallback xmlns="">
+    <mc:Fallback>
       <p:transition spd="slow"/>
     </mc:Fallback>
   </mc:AlternateContent>
@@ -5520,18 +5821,18 @@
     </p:spTree>
     <p:extLst>
       <p:ext uri="{BB962C8B-B14F-4D97-AF65-F5344CB8AC3E}">
-        <p14:creationId xmlns:p14="http://schemas.microsoft.com/office/powerpoint/2010/main" val="1137758537"/>
+        <p14:creationId xmlns:p14="http://schemas.microsoft.com/office/powerpoint/2010/main" xmlns="" val="1137758537"/>
       </p:ext>
     </p:extLst>
   </p:cSld>
   <p:clrMapOvr>
     <a:masterClrMapping/>
   </p:clrMapOvr>
-  <mc:AlternateContent xmlns:mc="http://schemas.openxmlformats.org/markup-compatibility/2006" xmlns:p14="http://schemas.microsoft.com/office/powerpoint/2010/main">
-    <mc:Choice Requires="p14">
+  <mc:AlternateContent xmlns:mc="http://schemas.openxmlformats.org/markup-compatibility/2006">
+    <mc:Choice xmlns:p14="http://schemas.microsoft.com/office/powerpoint/2010/main" xmlns="" Requires="p14">
       <p:transition spd="slow" p14:dur="2000"/>
     </mc:Choice>
-    <mc:Fallback xmlns="">
+    <mc:Fallback>
       <p:transition spd="slow"/>
     </mc:Fallback>
   </mc:AlternateContent>
@@ -5579,27 +5880,53 @@
           <a:p>
             <a:r>
               <a:rPr lang="en-US" dirty="0" smtClean="0"/>
-              <a:t>Contribution</a:t>
+              <a:t>Sign Descriptors</a:t>
             </a:r>
             <a:endParaRPr lang="en-US" dirty="0"/>
           </a:p>
         </p:txBody>
       </p:sp>
+      <p:pic>
+        <p:nvPicPr>
+          <p:cNvPr id="3074" name="Picture 2" descr="C:\Users\Princess\Desktop\Final\matlab\figs\Width-Length.jpg"/>
+          <p:cNvPicPr>
+            <a:picLocks noChangeAspect="1" noChangeArrowheads="1"/>
+          </p:cNvPicPr>
+          <p:nvPr/>
+        </p:nvPicPr>
+        <p:blipFill>
+          <a:blip r:embed="rId2" cstate="print"/>
+          <a:srcRect/>
+          <a:stretch>
+            <a:fillRect/>
+          </a:stretch>
+        </p:blipFill>
+        <p:spPr bwMode="auto">
+          <a:xfrm>
+            <a:off x="1600200" y="1600200"/>
+            <a:ext cx="6502400" cy="4876800"/>
+          </a:xfrm>
+          <a:prstGeom prst="rect">
+            <a:avLst/>
+          </a:prstGeom>
+          <a:noFill/>
+        </p:spPr>
+      </p:pic>
     </p:spTree>
     <p:extLst>
       <p:ext uri="{BB962C8B-B14F-4D97-AF65-F5344CB8AC3E}">
-        <p14:creationId xmlns:p14="http://schemas.microsoft.com/office/powerpoint/2010/main" val="1952718536"/>
+        <p14:creationId xmlns:p14="http://schemas.microsoft.com/office/powerpoint/2010/main" xmlns="" val="3727889921"/>
       </p:ext>
     </p:extLst>
   </p:cSld>
   <p:clrMapOvr>
     <a:masterClrMapping/>
   </p:clrMapOvr>
-  <mc:AlternateContent xmlns:mc="http://schemas.openxmlformats.org/markup-compatibility/2006" xmlns:p14="http://schemas.microsoft.com/office/powerpoint/2010/main">
-    <mc:Choice Requires="p14">
+  <mc:AlternateContent xmlns:mc="http://schemas.openxmlformats.org/markup-compatibility/2006">
+    <mc:Choice xmlns:p14="http://schemas.microsoft.com/office/powerpoint/2010/main" xmlns="" Requires="p14">
       <p:transition spd="slow" p14:dur="2000"/>
     </mc:Choice>
-    <mc:Fallback xmlns="">
+    <mc:Fallback>
       <p:transition spd="slow"/>
     </mc:Fallback>
   </mc:AlternateContent>
@@ -5647,27 +5974,53 @@
           <a:p>
             <a:r>
               <a:rPr lang="en-US" dirty="0" smtClean="0"/>
-              <a:t>Extra Slides</a:t>
+              <a:t>Sign Descriptors</a:t>
             </a:r>
             <a:endParaRPr lang="en-US" dirty="0"/>
           </a:p>
         </p:txBody>
       </p:sp>
+      <p:pic>
+        <p:nvPicPr>
+          <p:cNvPr id="4098" name="Picture 2" descr="C:\Users\Princess\Desktop\Final\matlab\figs\orient_eccen.jpg"/>
+          <p:cNvPicPr>
+            <a:picLocks noChangeAspect="1" noChangeArrowheads="1"/>
+          </p:cNvPicPr>
+          <p:nvPr/>
+        </p:nvPicPr>
+        <p:blipFill>
+          <a:blip r:embed="rId2" cstate="print"/>
+          <a:srcRect/>
+          <a:stretch>
+            <a:fillRect/>
+          </a:stretch>
+        </p:blipFill>
+        <p:spPr bwMode="auto">
+          <a:xfrm>
+            <a:off x="1371600" y="1600200"/>
+            <a:ext cx="6299200" cy="4724400"/>
+          </a:xfrm>
+          <a:prstGeom prst="rect">
+            <a:avLst/>
+          </a:prstGeom>
+          <a:noFill/>
+        </p:spPr>
+      </p:pic>
     </p:spTree>
     <p:extLst>
       <p:ext uri="{BB962C8B-B14F-4D97-AF65-F5344CB8AC3E}">
-        <p14:creationId xmlns:p14="http://schemas.microsoft.com/office/powerpoint/2010/main" val="522861995"/>
+        <p14:creationId xmlns:p14="http://schemas.microsoft.com/office/powerpoint/2010/main" xmlns="" val="3727889921"/>
       </p:ext>
     </p:extLst>
   </p:cSld>
   <p:clrMapOvr>
     <a:masterClrMapping/>
   </p:clrMapOvr>
-  <mc:AlternateContent xmlns:mc="http://schemas.openxmlformats.org/markup-compatibility/2006" xmlns:p14="http://schemas.microsoft.com/office/powerpoint/2010/main">
-    <mc:Choice Requires="p14">
+  <mc:AlternateContent xmlns:mc="http://schemas.openxmlformats.org/markup-compatibility/2006">
+    <mc:Choice xmlns:p14="http://schemas.microsoft.com/office/powerpoint/2010/main" xmlns="" Requires="p14">
       <p:transition spd="slow" p14:dur="2000"/>
     </mc:Choice>
-    <mc:Fallback xmlns="">
+    <mc:Fallback>
       <p:transition spd="slow"/>
     </mc:Fallback>
   </mc:AlternateContent>
@@ -5715,87 +6068,7 @@
           <a:p>
             <a:r>
               <a:rPr lang="en-US" dirty="0" smtClean="0"/>
-              <a:t>Technical Game Plan</a:t>
-            </a:r>
-            <a:endParaRPr lang="en-US" dirty="0"/>
-          </a:p>
-        </p:txBody>
-      </p:sp>
-      <p:sp>
-        <p:nvSpPr>
-          <p:cNvPr id="3" name="Content Placeholder 2"/>
-          <p:cNvSpPr>
-            <a:spLocks noGrp="1"/>
-          </p:cNvSpPr>
-          <p:nvPr>
-            <p:ph sz="half" idx="2"/>
-          </p:nvPr>
-        </p:nvSpPr>
-        <p:spPr>
-          <a:xfrm>
-            <a:off x="4648200" y="1600201"/>
-            <a:ext cx="4038600" cy="1828800"/>
-          </a:xfrm>
-        </p:spPr>
-        <p:txBody>
-          <a:bodyPr/>
-          <a:lstStyle/>
-          <a:p>
-            <a:r>
-              <a:rPr lang="en-US" u="sng" dirty="0" smtClean="0"/>
-              <a:t>Part 2</a:t>
-            </a:r>
-          </a:p>
-          <a:p>
-            <a:r>
-              <a:rPr lang="en-US" dirty="0" smtClean="0"/>
-              <a:t>Real Image Inputs</a:t>
-            </a:r>
-          </a:p>
-          <a:p>
-            <a:r>
-              <a:rPr lang="en-US" dirty="0" smtClean="0"/>
-              <a:t>Modified (Extended) Algorithms</a:t>
-            </a:r>
-            <a:endParaRPr lang="en-US" dirty="0"/>
-          </a:p>
-        </p:txBody>
-      </p:sp>
-      <p:sp>
-        <p:nvSpPr>
-          <p:cNvPr id="4" name="Content Placeholder 3"/>
-          <p:cNvSpPr>
-            <a:spLocks noGrp="1"/>
-          </p:cNvSpPr>
-          <p:nvPr>
-            <p:ph sz="quarter" idx="13"/>
-          </p:nvPr>
-        </p:nvSpPr>
-        <p:spPr>
-          <a:xfrm>
-            <a:off x="365760" y="1600200"/>
-            <a:ext cx="4041648" cy="1905000"/>
-          </a:xfrm>
-        </p:spPr>
-        <p:txBody>
-          <a:bodyPr/>
-          <a:lstStyle/>
-          <a:p>
-            <a:r>
-              <a:rPr lang="en-US" u="sng" dirty="0" smtClean="0"/>
-              <a:t>Part 1</a:t>
-            </a:r>
-          </a:p>
-          <a:p>
-            <a:r>
-              <a:rPr lang="en-US" dirty="0" smtClean="0"/>
-              <a:t>Computer Generated Inputs</a:t>
-            </a:r>
-          </a:p>
-          <a:p>
-            <a:r>
-              <a:rPr lang="en-US" dirty="0" smtClean="0"/>
-              <a:t>Initial Algorithm Testing</a:t>
+              <a:t>Sign Descriptors</a:t>
             </a:r>
             <a:endParaRPr lang="en-US" dirty="0"/>
           </a:p>
@@ -5803,20 +6076,14 @@
       </p:sp>
       <p:pic>
         <p:nvPicPr>
-          <p:cNvPr id="2053" name="Picture 5"/>
+          <p:cNvPr id="5122" name="Picture 2" descr="C:\Users\Princess\Desktop\Final\matlab\figs\Fourier.jpg"/>
           <p:cNvPicPr>
             <a:picLocks noChangeAspect="1" noChangeArrowheads="1"/>
           </p:cNvPicPr>
           <p:nvPr/>
         </p:nvPicPr>
         <p:blipFill>
-          <a:blip r:embed="rId3" cstate="print">
-            <a:extLst>
-              <a:ext uri="{28A0092B-C50C-407E-A947-70E740481C1C}">
-                <a14:useLocalDpi xmlns:a14="http://schemas.microsoft.com/office/drawing/2010/main" val="0"/>
-              </a:ext>
-            </a:extLst>
-          </a:blip>
+          <a:blip r:embed="rId2" cstate="print"/>
           <a:srcRect/>
           <a:stretch>
             <a:fillRect/>
@@ -5824,218 +6091,30 @@
         </p:blipFill>
         <p:spPr bwMode="auto">
           <a:xfrm>
-            <a:off x="533400" y="3369863"/>
-            <a:ext cx="3614738" cy="1372300"/>
+            <a:off x="1447800" y="1600200"/>
+            <a:ext cx="6553200" cy="4914900"/>
           </a:xfrm>
           <a:prstGeom prst="rect">
             <a:avLst/>
           </a:prstGeom>
           <a:noFill/>
-          <a:ln>
-            <a:noFill/>
-          </a:ln>
-          <a:effectLst/>
-          <a:extLst>
-            <a:ext uri="{909E8E84-426E-40DD-AFC4-6F175D3DCCD1}">
-              <a14:hiddenFill xmlns:a14="http://schemas.microsoft.com/office/drawing/2010/main">
-                <a:solidFill>
-                  <a:schemeClr val="accent1"/>
-                </a:solidFill>
-              </a14:hiddenFill>
-            </a:ext>
-            <a:ext uri="{91240B29-F687-4F45-9708-019B960494DF}">
-              <a14:hiddenLine xmlns:a14="http://schemas.microsoft.com/office/drawing/2010/main" w="9525">
-                <a:solidFill>
-                  <a:schemeClr val="tx1"/>
-                </a:solidFill>
-                <a:miter lim="800000"/>
-                <a:headEnd/>
-                <a:tailEnd/>
-              </a14:hiddenLine>
-            </a:ext>
-            <a:ext uri="{AF507438-7753-43E0-B8FC-AC1667EBCBE1}">
-              <a14:hiddenEffects xmlns:a14="http://schemas.microsoft.com/office/drawing/2010/main">
-                <a:effectLst>
-                  <a:outerShdw dist="35921" dir="2700000" algn="ctr" rotWithShape="0">
-                    <a:schemeClr val="bg2"/>
-                  </a:outerShdw>
-                </a:effectLst>
-              </a14:hiddenEffects>
-            </a:ext>
-          </a:extLst>
         </p:spPr>
       </p:pic>
-      <p:pic>
-        <p:nvPicPr>
-          <p:cNvPr id="2054" name="Picture 6"/>
-          <p:cNvPicPr>
-            <a:picLocks noChangeAspect="1" noChangeArrowheads="1"/>
-          </p:cNvPicPr>
-          <p:nvPr/>
-        </p:nvPicPr>
-        <p:blipFill>
-          <a:blip r:embed="rId4">
-            <a:extLst>
-              <a:ext uri="{28A0092B-C50C-407E-A947-70E740481C1C}">
-                <a14:useLocalDpi xmlns:a14="http://schemas.microsoft.com/office/drawing/2010/main" val="0"/>
-              </a:ext>
-            </a:extLst>
-          </a:blip>
-          <a:srcRect/>
-          <a:stretch>
-            <a:fillRect/>
-          </a:stretch>
-        </p:blipFill>
-        <p:spPr bwMode="auto">
-          <a:xfrm>
-            <a:off x="4800600" y="3369863"/>
-            <a:ext cx="3657600" cy="1380909"/>
-          </a:xfrm>
-          <a:prstGeom prst="rect">
-            <a:avLst/>
-          </a:prstGeom>
-          <a:noFill/>
-          <a:ln>
-            <a:noFill/>
-          </a:ln>
-          <a:effectLst/>
-          <a:extLst>
-            <a:ext uri="{909E8E84-426E-40DD-AFC4-6F175D3DCCD1}">
-              <a14:hiddenFill xmlns:a14="http://schemas.microsoft.com/office/drawing/2010/main">
-                <a:solidFill>
-                  <a:schemeClr val="accent1"/>
-                </a:solidFill>
-              </a14:hiddenFill>
-            </a:ext>
-            <a:ext uri="{91240B29-F687-4F45-9708-019B960494DF}">
-              <a14:hiddenLine xmlns:a14="http://schemas.microsoft.com/office/drawing/2010/main" w="9525">
-                <a:solidFill>
-                  <a:schemeClr val="tx1"/>
-                </a:solidFill>
-                <a:miter lim="800000"/>
-                <a:headEnd/>
-                <a:tailEnd/>
-              </a14:hiddenLine>
-            </a:ext>
-            <a:ext uri="{AF507438-7753-43E0-B8FC-AC1667EBCBE1}">
-              <a14:hiddenEffects xmlns:a14="http://schemas.microsoft.com/office/drawing/2010/main">
-                <a:effectLst>
-                  <a:outerShdw dist="35921" dir="2700000" algn="ctr" rotWithShape="0">
-                    <a:schemeClr val="bg2"/>
-                  </a:outerShdw>
-                </a:effectLst>
-              </a14:hiddenEffects>
-            </a:ext>
-          </a:extLst>
-        </p:spPr>
-      </p:pic>
-      <p:sp>
-        <p:nvSpPr>
-          <p:cNvPr id="23" name="Rounded Rectangle 22"/>
-          <p:cNvSpPr/>
-          <p:nvPr/>
-        </p:nvSpPr>
-        <p:spPr>
-          <a:xfrm>
-            <a:off x="533400" y="3276599"/>
-            <a:ext cx="1219200" cy="1465563"/>
-          </a:xfrm>
-          <a:prstGeom prst="roundRect">
-            <a:avLst/>
-          </a:prstGeom>
-          <a:noFill/>
-          <a:ln>
-            <a:solidFill>
-              <a:srgbClr val="FFC000"/>
-            </a:solidFill>
-          </a:ln>
-        </p:spPr>
-        <p:style>
-          <a:lnRef idx="2">
-            <a:schemeClr val="accent1">
-              <a:shade val="50000"/>
-            </a:schemeClr>
-          </a:lnRef>
-          <a:fillRef idx="1">
-            <a:schemeClr val="accent1"/>
-          </a:fillRef>
-          <a:effectRef idx="0">
-            <a:schemeClr val="accent1"/>
-          </a:effectRef>
-          <a:fontRef idx="minor">
-            <a:schemeClr val="lt1"/>
-          </a:fontRef>
-        </p:style>
-        <p:txBody>
-          <a:bodyPr rtlCol="0" anchor="ctr"/>
-          <a:lstStyle/>
-          <a:p>
-            <a:pPr algn="ctr"/>
-            <a:endParaRPr lang="en-US"/>
-          </a:p>
-        </p:txBody>
-      </p:sp>
-      <p:sp>
-        <p:nvSpPr>
-          <p:cNvPr id="24" name="Rounded Rectangle 23"/>
-          <p:cNvSpPr/>
-          <p:nvPr/>
-        </p:nvSpPr>
-        <p:spPr>
-          <a:xfrm>
-            <a:off x="4764024" y="3285209"/>
-            <a:ext cx="1408176" cy="1465563"/>
-          </a:xfrm>
-          <a:prstGeom prst="roundRect">
-            <a:avLst/>
-          </a:prstGeom>
-          <a:noFill/>
-          <a:ln>
-            <a:solidFill>
-              <a:srgbClr val="FFC000"/>
-            </a:solidFill>
-          </a:ln>
-        </p:spPr>
-        <p:style>
-          <a:lnRef idx="2">
-            <a:schemeClr val="accent1">
-              <a:shade val="50000"/>
-            </a:schemeClr>
-          </a:lnRef>
-          <a:fillRef idx="1">
-            <a:schemeClr val="accent1"/>
-          </a:fillRef>
-          <a:effectRef idx="0">
-            <a:schemeClr val="accent1"/>
-          </a:effectRef>
-          <a:fontRef idx="minor">
-            <a:schemeClr val="lt1"/>
-          </a:fontRef>
-        </p:style>
-        <p:txBody>
-          <a:bodyPr rtlCol="0" anchor="ctr"/>
-          <a:lstStyle/>
-          <a:p>
-            <a:pPr algn="ctr"/>
-            <a:endParaRPr lang="en-US"/>
-          </a:p>
-        </p:txBody>
-      </p:sp>
     </p:spTree>
     <p:extLst>
       <p:ext uri="{BB962C8B-B14F-4D97-AF65-F5344CB8AC3E}">
-        <p14:creationId xmlns:p14="http://schemas.microsoft.com/office/powerpoint/2010/main" val="3787792675"/>
+        <p14:creationId xmlns:p14="http://schemas.microsoft.com/office/powerpoint/2010/main" xmlns="" val="3727889921"/>
       </p:ext>
     </p:extLst>
   </p:cSld>
   <p:clrMapOvr>
     <a:masterClrMapping/>
   </p:clrMapOvr>
-  <mc:AlternateContent xmlns:mc="http://schemas.openxmlformats.org/markup-compatibility/2006" xmlns:p14="http://schemas.microsoft.com/office/powerpoint/2010/main">
-    <mc:Choice Requires="p14">
+  <mc:AlternateContent xmlns:mc="http://schemas.openxmlformats.org/markup-compatibility/2006">
+    <mc:Choice xmlns:p14="http://schemas.microsoft.com/office/powerpoint/2010/main" xmlns="" Requires="p14">
       <p:transition spd="slow" p14:dur="2000"/>
     </mc:Choice>
-    <mc:Fallback xmlns="">
+    <mc:Fallback>
       <p:transition spd="slow"/>
     </mc:Fallback>
   </mc:AlternateContent>
@@ -6083,64 +6162,57 @@
           <a:p>
             <a:r>
               <a:rPr lang="en-US" dirty="0" smtClean="0"/>
-              <a:t>Technical Game Plan</a:t>
+              <a:t>Correlation</a:t>
             </a:r>
             <a:endParaRPr lang="en-US" dirty="0"/>
-          </a:p>
-        </p:txBody>
-      </p:sp>
-      <p:sp>
-        <p:nvSpPr>
-          <p:cNvPr id="3" name="Content Placeholder 2"/>
-          <p:cNvSpPr>
-            <a:spLocks noGrp="1"/>
-          </p:cNvSpPr>
-          <p:nvPr>
-            <p:ph sz="half" idx="2"/>
-          </p:nvPr>
-        </p:nvSpPr>
-        <p:spPr>
-          <a:xfrm>
-            <a:off x="4648200" y="1600201"/>
-            <a:ext cx="4038600" cy="1828800"/>
-          </a:xfrm>
-        </p:spPr>
-        <p:txBody>
-          <a:bodyPr/>
-          <a:lstStyle/>
-          <a:p>
-            <a:r>
-              <a:rPr lang="en-US" u="sng" dirty="0" smtClean="0"/>
-              <a:t>Part 4 (Extra)</a:t>
-            </a:r>
-          </a:p>
-          <a:p>
-            <a:r>
-              <a:rPr lang="en-US" dirty="0" smtClean="0"/>
-              <a:t>Expand Allowable Inputs </a:t>
-            </a:r>
-          </a:p>
-          <a:p>
-            <a:r>
-              <a:rPr lang="en-US" dirty="0" smtClean="0"/>
-              <a:t>Example: Words</a:t>
-            </a:r>
           </a:p>
         </p:txBody>
       </p:sp>
       <p:pic>
         <p:nvPicPr>
-          <p:cNvPr id="3076" name="Picture 4"/>
+          <p:cNvPr id="6146" name="Picture 2"/>
           <p:cNvPicPr>
             <a:picLocks noChangeAspect="1" noChangeArrowheads="1"/>
           </p:cNvPicPr>
           <p:nvPr/>
         </p:nvPicPr>
         <p:blipFill>
-          <a:blip r:embed="rId3">
+          <a:blip r:embed="rId2" cstate="print"/>
+          <a:srcRect/>
+          <a:stretch>
+            <a:fillRect/>
+          </a:stretch>
+        </p:blipFill>
+        <p:spPr bwMode="auto">
+          <a:xfrm>
+            <a:off x="2133600" y="1524000"/>
+            <a:ext cx="5181600" cy="4790536"/>
+          </a:xfrm>
+          <a:prstGeom prst="rect">
+            <a:avLst/>
+          </a:prstGeom>
+          <a:noFill/>
+          <a:ln w="9525">
+            <a:noFill/>
+            <a:miter lim="800000"/>
+            <a:headEnd/>
+            <a:tailEnd/>
+          </a:ln>
+        </p:spPr>
+      </p:pic>
+      <p:pic>
+        <p:nvPicPr>
+          <p:cNvPr id="6" name="Picture 3" descr="C:\Users\Ben\Desktop\ECE6258\IraborPrincess_SullinsBenjamin\ECE6258-master\imagesPristine\TN_sign-language-letter-c-outline.jpg"/>
+          <p:cNvPicPr>
+            <a:picLocks noChangeAspect="1" noChangeArrowheads="1"/>
+          </p:cNvPicPr>
+          <p:nvPr/>
+        </p:nvPicPr>
+        <p:blipFill>
+          <a:blip r:embed="rId3" cstate="print">
             <a:extLst>
               <a:ext uri="{28A0092B-C50C-407E-A947-70E740481C1C}">
-                <a14:useLocalDpi xmlns:a14="http://schemas.microsoft.com/office/drawing/2010/main" val="0"/>
+                <a14:useLocalDpi xmlns:a14="http://schemas.microsoft.com/office/drawing/2010/main" xmlns="" val="0"/>
               </a:ext>
             </a:extLst>
           </a:blip>
@@ -6151,418 +6223,20 @@
         </p:blipFill>
         <p:spPr bwMode="auto">
           <a:xfrm>
-            <a:off x="4877169" y="4724400"/>
-            <a:ext cx="1218831" cy="936827"/>
+            <a:off x="533400" y="1524000"/>
+            <a:ext cx="1678983" cy="1524000"/>
           </a:xfrm>
           <a:prstGeom prst="rect">
             <a:avLst/>
           </a:prstGeom>
           <a:noFill/>
-          <a:ln>
-            <a:noFill/>
-          </a:ln>
           <a:extLst>
             <a:ext uri="{909E8E84-426E-40DD-AFC4-6F175D3DCCD1}">
-              <a14:hiddenFill xmlns:a14="http://schemas.microsoft.com/office/drawing/2010/main">
+              <a14:hiddenFill xmlns:a14="http://schemas.microsoft.com/office/drawing/2010/main" xmlns="">
                 <a:solidFill>
-                  <a:schemeClr val="accent1"/>
+                  <a:srgbClr val="FFFFFF"/>
                 </a:solidFill>
               </a14:hiddenFill>
-            </a:ext>
-            <a:ext uri="{91240B29-F687-4F45-9708-019B960494DF}">
-              <a14:hiddenLine xmlns:a14="http://schemas.microsoft.com/office/drawing/2010/main" w="9525">
-                <a:solidFill>
-                  <a:schemeClr val="tx1"/>
-                </a:solidFill>
-                <a:miter lim="800000"/>
-                <a:headEnd/>
-                <a:tailEnd/>
-              </a14:hiddenLine>
-            </a:ext>
-          </a:extLst>
-        </p:spPr>
-      </p:pic>
-      <p:sp>
-        <p:nvSpPr>
-          <p:cNvPr id="4" name="Content Placeholder 3"/>
-          <p:cNvSpPr>
-            <a:spLocks noGrp="1"/>
-          </p:cNvSpPr>
-          <p:nvPr>
-            <p:ph sz="quarter" idx="13"/>
-          </p:nvPr>
-        </p:nvSpPr>
-        <p:spPr>
-          <a:xfrm>
-            <a:off x="365760" y="1600200"/>
-            <a:ext cx="4041648" cy="1905000"/>
-          </a:xfrm>
-        </p:spPr>
-        <p:txBody>
-          <a:bodyPr/>
-          <a:lstStyle/>
-          <a:p>
-            <a:r>
-              <a:rPr lang="en-US" u="sng" dirty="0" smtClean="0"/>
-              <a:t>Part 3 (Extra)</a:t>
-            </a:r>
-          </a:p>
-          <a:p>
-            <a:r>
-              <a:rPr lang="en-US" dirty="0" smtClean="0"/>
-              <a:t>Heuristic Learning Algorith</a:t>
-            </a:r>
-            <a:r>
-              <a:rPr lang="en-US" dirty="0"/>
-              <a:t>m</a:t>
-            </a:r>
-          </a:p>
-        </p:txBody>
-      </p:sp>
-      <p:pic>
-        <p:nvPicPr>
-          <p:cNvPr id="2054" name="Picture 6"/>
-          <p:cNvPicPr>
-            <a:picLocks noChangeAspect="1" noChangeArrowheads="1"/>
-          </p:cNvPicPr>
-          <p:nvPr/>
-        </p:nvPicPr>
-        <p:blipFill>
-          <a:blip r:embed="rId4">
-            <a:extLst>
-              <a:ext uri="{28A0092B-C50C-407E-A947-70E740481C1C}">
-                <a14:useLocalDpi xmlns:a14="http://schemas.microsoft.com/office/drawing/2010/main" val="0"/>
-              </a:ext>
-            </a:extLst>
-          </a:blip>
-          <a:srcRect/>
-          <a:stretch>
-            <a:fillRect/>
-          </a:stretch>
-        </p:blipFill>
-        <p:spPr bwMode="auto">
-          <a:xfrm>
-            <a:off x="4800600" y="3369863"/>
-            <a:ext cx="3657600" cy="1380909"/>
-          </a:xfrm>
-          <a:prstGeom prst="rect">
-            <a:avLst/>
-          </a:prstGeom>
-          <a:noFill/>
-          <a:ln>
-            <a:noFill/>
-          </a:ln>
-          <a:effectLst/>
-          <a:extLst>
-            <a:ext uri="{909E8E84-426E-40DD-AFC4-6F175D3DCCD1}">
-              <a14:hiddenFill xmlns:a14="http://schemas.microsoft.com/office/drawing/2010/main">
-                <a:solidFill>
-                  <a:schemeClr val="accent1"/>
-                </a:solidFill>
-              </a14:hiddenFill>
-            </a:ext>
-            <a:ext uri="{91240B29-F687-4F45-9708-019B960494DF}">
-              <a14:hiddenLine xmlns:a14="http://schemas.microsoft.com/office/drawing/2010/main" w="9525">
-                <a:solidFill>
-                  <a:schemeClr val="tx1"/>
-                </a:solidFill>
-                <a:miter lim="800000"/>
-                <a:headEnd/>
-                <a:tailEnd/>
-              </a14:hiddenLine>
-            </a:ext>
-            <a:ext uri="{AF507438-7753-43E0-B8FC-AC1667EBCBE1}">
-              <a14:hiddenEffects xmlns:a14="http://schemas.microsoft.com/office/drawing/2010/main">
-                <a:effectLst>
-                  <a:outerShdw dist="35921" dir="2700000" algn="ctr" rotWithShape="0">
-                    <a:schemeClr val="bg2"/>
-                  </a:outerShdw>
-                </a:effectLst>
-              </a14:hiddenEffects>
-            </a:ext>
-          </a:extLst>
-        </p:spPr>
-      </p:pic>
-      <p:sp>
-        <p:nvSpPr>
-          <p:cNvPr id="24" name="Rounded Rectangle 23"/>
-          <p:cNvSpPr/>
-          <p:nvPr/>
-        </p:nvSpPr>
-        <p:spPr>
-          <a:xfrm>
-            <a:off x="4764024" y="3285208"/>
-            <a:ext cx="1444752" cy="3351971"/>
-          </a:xfrm>
-          <a:prstGeom prst="roundRect">
-            <a:avLst/>
-          </a:prstGeom>
-          <a:noFill/>
-          <a:ln>
-            <a:solidFill>
-              <a:srgbClr val="FFC000"/>
-            </a:solidFill>
-          </a:ln>
-        </p:spPr>
-        <p:style>
-          <a:lnRef idx="2">
-            <a:schemeClr val="accent1">
-              <a:shade val="50000"/>
-            </a:schemeClr>
-          </a:lnRef>
-          <a:fillRef idx="1">
-            <a:schemeClr val="accent1"/>
-          </a:fillRef>
-          <a:effectRef idx="0">
-            <a:schemeClr val="accent1"/>
-          </a:effectRef>
-          <a:fontRef idx="minor">
-            <a:schemeClr val="lt1"/>
-          </a:fontRef>
-        </p:style>
-        <p:txBody>
-          <a:bodyPr rtlCol="0" anchor="ctr"/>
-          <a:lstStyle/>
-          <a:p>
-            <a:pPr algn="ctr"/>
-            <a:endParaRPr lang="en-US"/>
-          </a:p>
-        </p:txBody>
-      </p:sp>
-      <p:pic>
-        <p:nvPicPr>
-          <p:cNvPr id="3074" name="Picture 2"/>
-          <p:cNvPicPr>
-            <a:picLocks noChangeAspect="1" noChangeArrowheads="1"/>
-          </p:cNvPicPr>
-          <p:nvPr/>
-        </p:nvPicPr>
-        <p:blipFill>
-          <a:blip r:embed="rId5">
-            <a:extLst>
-              <a:ext uri="{28A0092B-C50C-407E-A947-70E740481C1C}">
-                <a14:useLocalDpi xmlns:a14="http://schemas.microsoft.com/office/drawing/2010/main" val="0"/>
-              </a:ext>
-            </a:extLst>
-          </a:blip>
-          <a:srcRect/>
-          <a:stretch>
-            <a:fillRect/>
-          </a:stretch>
-        </p:blipFill>
-        <p:spPr bwMode="auto">
-          <a:xfrm>
-            <a:off x="527446" y="3352108"/>
-            <a:ext cx="3663554" cy="1385531"/>
-          </a:xfrm>
-          <a:prstGeom prst="rect">
-            <a:avLst/>
-          </a:prstGeom>
-          <a:noFill/>
-          <a:ln>
-            <a:noFill/>
-          </a:ln>
-          <a:effectLst/>
-          <a:extLst>
-            <a:ext uri="{909E8E84-426E-40DD-AFC4-6F175D3DCCD1}">
-              <a14:hiddenFill xmlns:a14="http://schemas.microsoft.com/office/drawing/2010/main">
-                <a:solidFill>
-                  <a:schemeClr val="accent1"/>
-                </a:solidFill>
-              </a14:hiddenFill>
-            </a:ext>
-            <a:ext uri="{91240B29-F687-4F45-9708-019B960494DF}">
-              <a14:hiddenLine xmlns:a14="http://schemas.microsoft.com/office/drawing/2010/main" w="9525">
-                <a:solidFill>
-                  <a:schemeClr val="tx1"/>
-                </a:solidFill>
-                <a:miter lim="800000"/>
-                <a:headEnd/>
-                <a:tailEnd/>
-              </a14:hiddenLine>
-            </a:ext>
-            <a:ext uri="{AF507438-7753-43E0-B8FC-AC1667EBCBE1}">
-              <a14:hiddenEffects xmlns:a14="http://schemas.microsoft.com/office/drawing/2010/main">
-                <a:effectLst>
-                  <a:outerShdw dist="35921" dir="2700000" algn="ctr" rotWithShape="0">
-                    <a:schemeClr val="bg2"/>
-                  </a:outerShdw>
-                </a:effectLst>
-              </a14:hiddenEffects>
-            </a:ext>
-          </a:extLst>
-        </p:spPr>
-      </p:pic>
-      <p:sp>
-        <p:nvSpPr>
-          <p:cNvPr id="23" name="Rounded Rectangle 22"/>
-          <p:cNvSpPr/>
-          <p:nvPr/>
-        </p:nvSpPr>
-        <p:spPr>
-          <a:xfrm>
-            <a:off x="1828800" y="3200400"/>
-            <a:ext cx="1219200" cy="3419024"/>
-          </a:xfrm>
-          <a:prstGeom prst="roundRect">
-            <a:avLst/>
-          </a:prstGeom>
-          <a:noFill/>
-          <a:ln>
-            <a:solidFill>
-              <a:srgbClr val="FFC000"/>
-            </a:solidFill>
-          </a:ln>
-        </p:spPr>
-        <p:style>
-          <a:lnRef idx="2">
-            <a:schemeClr val="accent1">
-              <a:shade val="50000"/>
-            </a:schemeClr>
-          </a:lnRef>
-          <a:fillRef idx="1">
-            <a:schemeClr val="accent1"/>
-          </a:fillRef>
-          <a:effectRef idx="0">
-            <a:schemeClr val="accent1"/>
-          </a:effectRef>
-          <a:fontRef idx="minor">
-            <a:schemeClr val="lt1"/>
-          </a:fontRef>
-        </p:style>
-        <p:txBody>
-          <a:bodyPr rtlCol="0" anchor="ctr"/>
-          <a:lstStyle/>
-          <a:p>
-            <a:pPr algn="ctr"/>
-            <a:endParaRPr lang="en-US"/>
-          </a:p>
-        </p:txBody>
-      </p:sp>
-      <p:pic>
-        <p:nvPicPr>
-          <p:cNvPr id="3075" name="Picture 3"/>
-          <p:cNvPicPr>
-            <a:picLocks noChangeAspect="1" noChangeArrowheads="1"/>
-          </p:cNvPicPr>
-          <p:nvPr/>
-        </p:nvPicPr>
-        <p:blipFill>
-          <a:blip r:embed="rId6">
-            <a:extLst>
-              <a:ext uri="{28A0092B-C50C-407E-A947-70E740481C1C}">
-                <a14:useLocalDpi xmlns:a14="http://schemas.microsoft.com/office/drawing/2010/main" val="0"/>
-              </a:ext>
-            </a:extLst>
-          </a:blip>
-          <a:srcRect/>
-          <a:stretch>
-            <a:fillRect/>
-          </a:stretch>
-        </p:blipFill>
-        <p:spPr bwMode="auto">
-          <a:xfrm>
-            <a:off x="1867861" y="4909912"/>
-            <a:ext cx="1141078" cy="1480203"/>
-          </a:xfrm>
-          <a:prstGeom prst="rect">
-            <a:avLst/>
-          </a:prstGeom>
-          <a:noFill/>
-          <a:ln>
-            <a:noFill/>
-          </a:ln>
-          <a:effectLst/>
-          <a:extLst>
-            <a:ext uri="{909E8E84-426E-40DD-AFC4-6F175D3DCCD1}">
-              <a14:hiddenFill xmlns:a14="http://schemas.microsoft.com/office/drawing/2010/main">
-                <a:solidFill>
-                  <a:schemeClr val="accent1"/>
-                </a:solidFill>
-              </a14:hiddenFill>
-            </a:ext>
-            <a:ext uri="{91240B29-F687-4F45-9708-019B960494DF}">
-              <a14:hiddenLine xmlns:a14="http://schemas.microsoft.com/office/drawing/2010/main" w="9525">
-                <a:solidFill>
-                  <a:schemeClr val="tx1"/>
-                </a:solidFill>
-                <a:miter lim="800000"/>
-                <a:headEnd/>
-                <a:tailEnd/>
-              </a14:hiddenLine>
-            </a:ext>
-            <a:ext uri="{AF507438-7753-43E0-B8FC-AC1667EBCBE1}">
-              <a14:hiddenEffects xmlns:a14="http://schemas.microsoft.com/office/drawing/2010/main">
-                <a:effectLst>
-                  <a:outerShdw dist="35921" dir="2700000" algn="ctr" rotWithShape="0">
-                    <a:schemeClr val="bg2"/>
-                  </a:outerShdw>
-                </a:effectLst>
-              </a14:hiddenEffects>
-            </a:ext>
-          </a:extLst>
-        </p:spPr>
-      </p:pic>
-      <p:pic>
-        <p:nvPicPr>
-          <p:cNvPr id="3077" name="Picture 5"/>
-          <p:cNvPicPr>
-            <a:picLocks noChangeAspect="1" noChangeArrowheads="1"/>
-          </p:cNvPicPr>
-          <p:nvPr/>
-        </p:nvPicPr>
-        <p:blipFill>
-          <a:blip r:embed="rId7" cstate="print">
-            <a:extLst>
-              <a:ext uri="{28A0092B-C50C-407E-A947-70E740481C1C}">
-                <a14:useLocalDpi xmlns:a14="http://schemas.microsoft.com/office/drawing/2010/main" val="0"/>
-              </a:ext>
-            </a:extLst>
-          </a:blip>
-          <a:srcRect/>
-          <a:stretch>
-            <a:fillRect/>
-          </a:stretch>
-        </p:blipFill>
-        <p:spPr bwMode="auto">
-          <a:xfrm>
-            <a:off x="4894118" y="5562600"/>
-            <a:ext cx="1184564" cy="916108"/>
-          </a:xfrm>
-          <a:prstGeom prst="rect">
-            <a:avLst/>
-          </a:prstGeom>
-          <a:noFill/>
-          <a:ln>
-            <a:noFill/>
-          </a:ln>
-          <a:effectLst/>
-          <a:extLst>
-            <a:ext uri="{909E8E84-426E-40DD-AFC4-6F175D3DCCD1}">
-              <a14:hiddenFill xmlns:a14="http://schemas.microsoft.com/office/drawing/2010/main">
-                <a:solidFill>
-                  <a:schemeClr val="accent1"/>
-                </a:solidFill>
-              </a14:hiddenFill>
-            </a:ext>
-            <a:ext uri="{91240B29-F687-4F45-9708-019B960494DF}">
-              <a14:hiddenLine xmlns:a14="http://schemas.microsoft.com/office/drawing/2010/main" w="9525">
-                <a:solidFill>
-                  <a:schemeClr val="tx1"/>
-                </a:solidFill>
-                <a:miter lim="800000"/>
-                <a:headEnd/>
-                <a:tailEnd/>
-              </a14:hiddenLine>
-            </a:ext>
-            <a:ext uri="{AF507438-7753-43E0-B8FC-AC1667EBCBE1}">
-              <a14:hiddenEffects xmlns:a14="http://schemas.microsoft.com/office/drawing/2010/main">
-                <a:effectLst>
-                  <a:outerShdw dist="35921" dir="2700000" algn="ctr" rotWithShape="0">
-                    <a:schemeClr val="bg2"/>
-                  </a:outerShdw>
-                </a:effectLst>
-              </a14:hiddenEffects>
             </a:ext>
           </a:extLst>
         </p:spPr>
@@ -6570,18 +6244,18 @@
     </p:spTree>
     <p:extLst>
       <p:ext uri="{BB962C8B-B14F-4D97-AF65-F5344CB8AC3E}">
-        <p14:creationId xmlns:p14="http://schemas.microsoft.com/office/powerpoint/2010/main" val="3040059320"/>
+        <p14:creationId xmlns:p14="http://schemas.microsoft.com/office/powerpoint/2010/main" xmlns="" val="3727889921"/>
       </p:ext>
     </p:extLst>
   </p:cSld>
   <p:clrMapOvr>
     <a:masterClrMapping/>
   </p:clrMapOvr>
-  <mc:AlternateContent xmlns:mc="http://schemas.openxmlformats.org/markup-compatibility/2006" xmlns:p14="http://schemas.microsoft.com/office/powerpoint/2010/main">
-    <mc:Choice Requires="p14">
+  <mc:AlternateContent xmlns:mc="http://schemas.openxmlformats.org/markup-compatibility/2006">
+    <mc:Choice xmlns:p14="http://schemas.microsoft.com/office/powerpoint/2010/main" xmlns="" Requires="p14">
       <p:transition spd="slow" p14:dur="2000"/>
     </mc:Choice>
-    <mc:Fallback xmlns="">
+    <mc:Fallback>
       <p:transition spd="slow"/>
     </mc:Fallback>
   </mc:AlternateContent>
@@ -6629,7 +6303,7 @@
           <a:p>
             <a:r>
               <a:rPr lang="en-US" dirty="0" smtClean="0"/>
-              <a:t>Technical Layout</a:t>
+              <a:t>Training Feature Vector</a:t>
             </a:r>
             <a:endParaRPr lang="en-US" dirty="0"/>
           </a:p>
@@ -6638,18 +6312,18 @@
     </p:spTree>
     <p:extLst>
       <p:ext uri="{BB962C8B-B14F-4D97-AF65-F5344CB8AC3E}">
-        <p14:creationId xmlns:p14="http://schemas.microsoft.com/office/powerpoint/2010/main" val="2896325220"/>
+        <p14:creationId xmlns:p14="http://schemas.microsoft.com/office/powerpoint/2010/main" xmlns="" val="3727889921"/>
       </p:ext>
     </p:extLst>
   </p:cSld>
   <p:clrMapOvr>
     <a:masterClrMapping/>
   </p:clrMapOvr>
-  <mc:AlternateContent xmlns:mc="http://schemas.openxmlformats.org/markup-compatibility/2006" xmlns:p14="http://schemas.microsoft.com/office/powerpoint/2010/main">
-    <mc:Choice Requires="p14">
+  <mc:AlternateContent xmlns:mc="http://schemas.openxmlformats.org/markup-compatibility/2006">
+    <mc:Choice xmlns:p14="http://schemas.microsoft.com/office/powerpoint/2010/main" xmlns="" Requires="p14">
       <p:transition spd="slow" p14:dur="2000"/>
     </mc:Choice>
-    <mc:Fallback xmlns="">
+    <mc:Fallback>
       <p:transition spd="slow"/>
     </mc:Fallback>
   </mc:AlternateContent>
@@ -6747,18 +6421,18 @@
     </p:spTree>
     <p:extLst>
       <p:ext uri="{BB962C8B-B14F-4D97-AF65-F5344CB8AC3E}">
-        <p14:creationId xmlns:p14="http://schemas.microsoft.com/office/powerpoint/2010/main" val="2587291606"/>
+        <p14:creationId xmlns:p14="http://schemas.microsoft.com/office/powerpoint/2010/main" xmlns="" val="2587291606"/>
       </p:ext>
     </p:extLst>
   </p:cSld>
   <p:clrMapOvr>
     <a:masterClrMapping/>
   </p:clrMapOvr>
-  <mc:AlternateContent xmlns:mc="http://schemas.openxmlformats.org/markup-compatibility/2006" xmlns:p14="http://schemas.microsoft.com/office/powerpoint/2010/main">
-    <mc:Choice Requires="p14">
+  <mc:AlternateContent xmlns:mc="http://schemas.openxmlformats.org/markup-compatibility/2006">
+    <mc:Choice xmlns:p14="http://schemas.microsoft.com/office/powerpoint/2010/main" xmlns="" Requires="p14">
       <p:transition spd="slow" p14:dur="2000"/>
     </mc:Choice>
-    <mc:Fallback xmlns="">
+    <mc:Fallback>
       <p:transition spd="slow"/>
     </mc:Fallback>
   </mc:AlternateContent>
@@ -6806,7 +6480,7 @@
           <a:p>
             <a:r>
               <a:rPr lang="en-US" dirty="0" smtClean="0"/>
-              <a:t>Technical Layout Pt.1</a:t>
+              <a:t>Sample Run</a:t>
             </a:r>
             <a:endParaRPr lang="en-US" dirty="0"/>
           </a:p>
@@ -6814,20 +6488,14 @@
       </p:sp>
       <p:pic>
         <p:nvPicPr>
-          <p:cNvPr id="2052" name="Picture 4"/>
+          <p:cNvPr id="7170" name="Picture 2"/>
           <p:cNvPicPr>
             <a:picLocks noChangeAspect="1" noChangeArrowheads="1"/>
           </p:cNvPicPr>
           <p:nvPr/>
         </p:nvPicPr>
         <p:blipFill>
-          <a:blip r:embed="rId2">
-            <a:extLst>
-              <a:ext uri="{28A0092B-C50C-407E-A947-70E740481C1C}">
-                <a14:useLocalDpi xmlns:a14="http://schemas.microsoft.com/office/drawing/2010/main" val="0"/>
-              </a:ext>
-            </a:extLst>
-          </a:blip>
+          <a:blip r:embed="rId3" cstate="print"/>
           <a:srcRect/>
           <a:stretch>
             <a:fillRect/>
@@ -6835,292 +6503,36 @@
         </p:blipFill>
         <p:spPr bwMode="auto">
           <a:xfrm>
-            <a:off x="228600" y="1687551"/>
-            <a:ext cx="8764126" cy="4600576"/>
+            <a:off x="381000" y="1600200"/>
+            <a:ext cx="8175570" cy="4443411"/>
           </a:xfrm>
           <a:prstGeom prst="rect">
             <a:avLst/>
           </a:prstGeom>
           <a:noFill/>
-          <a:ln>
+          <a:ln w="9525">
             <a:noFill/>
+            <a:miter lim="800000"/>
+            <a:headEnd/>
+            <a:tailEnd/>
           </a:ln>
-          <a:extLst>
-            <a:ext uri="{909E8E84-426E-40DD-AFC4-6F175D3DCCD1}">
-              <a14:hiddenFill xmlns:a14="http://schemas.microsoft.com/office/drawing/2010/main">
-                <a:solidFill>
-                  <a:schemeClr val="accent1"/>
-                </a:solidFill>
-              </a14:hiddenFill>
-            </a:ext>
-            <a:ext uri="{91240B29-F687-4F45-9708-019B960494DF}">
-              <a14:hiddenLine xmlns:a14="http://schemas.microsoft.com/office/drawing/2010/main" w="9525">
-                <a:solidFill>
-                  <a:schemeClr val="tx1"/>
-                </a:solidFill>
-                <a:miter lim="800000"/>
-                <a:headEnd/>
-                <a:tailEnd/>
-              </a14:hiddenLine>
-            </a:ext>
-          </a:extLst>
         </p:spPr>
       </p:pic>
-      <p:sp>
-        <p:nvSpPr>
-          <p:cNvPr id="10" name="Right Arrow 9"/>
-          <p:cNvSpPr/>
-          <p:nvPr/>
-        </p:nvSpPr>
-        <p:spPr>
-          <a:xfrm>
-            <a:off x="3962400" y="2438400"/>
-            <a:ext cx="762000" cy="754990"/>
-          </a:xfrm>
-          <a:prstGeom prst="rightArrow">
-            <a:avLst/>
-          </a:prstGeom>
-        </p:spPr>
-        <p:style>
-          <a:lnRef idx="2">
-            <a:schemeClr val="accent1">
-              <a:shade val="50000"/>
-            </a:schemeClr>
-          </a:lnRef>
-          <a:fillRef idx="1">
-            <a:schemeClr val="accent1"/>
-          </a:fillRef>
-          <a:effectRef idx="0">
-            <a:schemeClr val="accent1"/>
-          </a:effectRef>
-          <a:fontRef idx="minor">
-            <a:schemeClr val="lt1"/>
-          </a:fontRef>
-        </p:style>
-        <p:txBody>
-          <a:bodyPr rtlCol="0" anchor="ctr"/>
-          <a:lstStyle/>
-          <a:p>
-            <a:pPr algn="ctr"/>
-            <a:endParaRPr lang="en-US"/>
-          </a:p>
-        </p:txBody>
-      </p:sp>
-      <p:sp>
-        <p:nvSpPr>
-          <p:cNvPr id="11" name="Right Arrow 10"/>
-          <p:cNvSpPr/>
-          <p:nvPr/>
-        </p:nvSpPr>
-        <p:spPr>
-          <a:xfrm>
-            <a:off x="2057400" y="2438400"/>
-            <a:ext cx="762000" cy="754990"/>
-          </a:xfrm>
-          <a:prstGeom prst="rightArrow">
-            <a:avLst/>
-          </a:prstGeom>
-        </p:spPr>
-        <p:style>
-          <a:lnRef idx="2">
-            <a:schemeClr val="accent1">
-              <a:shade val="50000"/>
-            </a:schemeClr>
-          </a:lnRef>
-          <a:fillRef idx="1">
-            <a:schemeClr val="accent1"/>
-          </a:fillRef>
-          <a:effectRef idx="0">
-            <a:schemeClr val="accent1"/>
-          </a:effectRef>
-          <a:fontRef idx="minor">
-            <a:schemeClr val="lt1"/>
-          </a:fontRef>
-        </p:style>
-        <p:txBody>
-          <a:bodyPr rtlCol="0" anchor="ctr"/>
-          <a:lstStyle/>
-          <a:p>
-            <a:pPr algn="ctr"/>
-            <a:endParaRPr lang="en-US"/>
-          </a:p>
-        </p:txBody>
-      </p:sp>
-      <p:sp>
-        <p:nvSpPr>
-          <p:cNvPr id="12" name="Right Arrow 11"/>
-          <p:cNvSpPr/>
-          <p:nvPr/>
-        </p:nvSpPr>
-        <p:spPr>
-          <a:xfrm>
-            <a:off x="7010400" y="2438400"/>
-            <a:ext cx="609600" cy="754990"/>
-          </a:xfrm>
-          <a:prstGeom prst="rightArrow">
-            <a:avLst/>
-          </a:prstGeom>
-        </p:spPr>
-        <p:style>
-          <a:lnRef idx="2">
-            <a:schemeClr val="accent1">
-              <a:shade val="50000"/>
-            </a:schemeClr>
-          </a:lnRef>
-          <a:fillRef idx="1">
-            <a:schemeClr val="accent1"/>
-          </a:fillRef>
-          <a:effectRef idx="0">
-            <a:schemeClr val="accent1"/>
-          </a:effectRef>
-          <a:fontRef idx="minor">
-            <a:schemeClr val="lt1"/>
-          </a:fontRef>
-        </p:style>
-        <p:txBody>
-          <a:bodyPr rtlCol="0" anchor="ctr"/>
-          <a:lstStyle/>
-          <a:p>
-            <a:pPr algn="ctr"/>
-            <a:endParaRPr lang="en-US"/>
-          </a:p>
-        </p:txBody>
-      </p:sp>
-      <p:sp>
-        <p:nvSpPr>
-          <p:cNvPr id="13" name="Right Arrow 12"/>
-          <p:cNvSpPr/>
-          <p:nvPr/>
-        </p:nvSpPr>
-        <p:spPr>
-          <a:xfrm>
-            <a:off x="1905000" y="4009610"/>
-            <a:ext cx="685800" cy="754990"/>
-          </a:xfrm>
-          <a:prstGeom prst="rightArrow">
-            <a:avLst/>
-          </a:prstGeom>
-        </p:spPr>
-        <p:style>
-          <a:lnRef idx="2">
-            <a:schemeClr val="accent1">
-              <a:shade val="50000"/>
-            </a:schemeClr>
-          </a:lnRef>
-          <a:fillRef idx="1">
-            <a:schemeClr val="accent1"/>
-          </a:fillRef>
-          <a:effectRef idx="0">
-            <a:schemeClr val="accent1"/>
-          </a:effectRef>
-          <a:fontRef idx="minor">
-            <a:schemeClr val="lt1"/>
-          </a:fontRef>
-        </p:style>
-        <p:txBody>
-          <a:bodyPr rtlCol="0" anchor="ctr"/>
-          <a:lstStyle/>
-          <a:p>
-            <a:pPr algn="ctr"/>
-            <a:endParaRPr lang="en-US"/>
-          </a:p>
-        </p:txBody>
-      </p:sp>
-      <p:sp>
-        <p:nvSpPr>
-          <p:cNvPr id="14" name="Right Arrow 13"/>
-          <p:cNvSpPr/>
-          <p:nvPr/>
-        </p:nvSpPr>
-        <p:spPr>
-          <a:xfrm>
-            <a:off x="4267763" y="4009610"/>
-            <a:ext cx="685800" cy="754990"/>
-          </a:xfrm>
-          <a:prstGeom prst="rightArrow">
-            <a:avLst/>
-          </a:prstGeom>
-        </p:spPr>
-        <p:style>
-          <a:lnRef idx="2">
-            <a:schemeClr val="accent1">
-              <a:shade val="50000"/>
-            </a:schemeClr>
-          </a:lnRef>
-          <a:fillRef idx="1">
-            <a:schemeClr val="accent1"/>
-          </a:fillRef>
-          <a:effectRef idx="0">
-            <a:schemeClr val="accent1"/>
-          </a:effectRef>
-          <a:fontRef idx="minor">
-            <a:schemeClr val="lt1"/>
-          </a:fontRef>
-        </p:style>
-        <p:txBody>
-          <a:bodyPr rtlCol="0" anchor="ctr"/>
-          <a:lstStyle/>
-          <a:p>
-            <a:pPr algn="ctr"/>
-            <a:endParaRPr lang="en-US"/>
-          </a:p>
-        </p:txBody>
-      </p:sp>
-      <p:sp>
-        <p:nvSpPr>
-          <p:cNvPr id="15" name="Right Arrow 14"/>
-          <p:cNvSpPr/>
-          <p:nvPr/>
-        </p:nvSpPr>
-        <p:spPr>
-          <a:xfrm>
-            <a:off x="6629400" y="4038185"/>
-            <a:ext cx="685800" cy="754990"/>
-          </a:xfrm>
-          <a:prstGeom prst="rightArrow">
-            <a:avLst/>
-          </a:prstGeom>
-        </p:spPr>
-        <p:style>
-          <a:lnRef idx="2">
-            <a:schemeClr val="accent1">
-              <a:shade val="50000"/>
-            </a:schemeClr>
-          </a:lnRef>
-          <a:fillRef idx="1">
-            <a:schemeClr val="accent1"/>
-          </a:fillRef>
-          <a:effectRef idx="0">
-            <a:schemeClr val="accent1"/>
-          </a:effectRef>
-          <a:fontRef idx="minor">
-            <a:schemeClr val="lt1"/>
-          </a:fontRef>
-        </p:style>
-        <p:txBody>
-          <a:bodyPr rtlCol="0" anchor="ctr"/>
-          <a:lstStyle/>
-          <a:p>
-            <a:pPr algn="ctr"/>
-            <a:endParaRPr lang="en-US"/>
-          </a:p>
-        </p:txBody>
-      </p:sp>
     </p:spTree>
     <p:extLst>
       <p:ext uri="{BB962C8B-B14F-4D97-AF65-F5344CB8AC3E}">
-        <p14:creationId xmlns:p14="http://schemas.microsoft.com/office/powerpoint/2010/main" val="1283191067"/>
+        <p14:creationId xmlns:p14="http://schemas.microsoft.com/office/powerpoint/2010/main" xmlns="" val="3727889921"/>
       </p:ext>
     </p:extLst>
   </p:cSld>
   <p:clrMapOvr>
     <a:masterClrMapping/>
   </p:clrMapOvr>
-  <mc:AlternateContent xmlns:mc="http://schemas.openxmlformats.org/markup-compatibility/2006" xmlns:p14="http://schemas.microsoft.com/office/powerpoint/2010/main">
-    <mc:Choice Requires="p14">
+  <mc:AlternateContent xmlns:mc="http://schemas.openxmlformats.org/markup-compatibility/2006">
+    <mc:Choice xmlns:p14="http://schemas.microsoft.com/office/powerpoint/2010/main" xmlns="" Requires="p14">
       <p:transition spd="slow" p14:dur="2000"/>
     </mc:Choice>
-    <mc:Fallback xmlns="">
+    <mc:Fallback>
       <p:transition spd="slow"/>
     </mc:Fallback>
   </mc:AlternateContent>
@@ -7151,60 +6563,6 @@
           <a:chExt cx="0" cy="0"/>
         </a:xfrm>
       </p:grpSpPr>
-      <p:pic>
-        <p:nvPicPr>
-          <p:cNvPr id="1028" name="Picture 4"/>
-          <p:cNvPicPr>
-            <a:picLocks noChangeAspect="1" noChangeArrowheads="1"/>
-          </p:cNvPicPr>
-          <p:nvPr/>
-        </p:nvPicPr>
-        <p:blipFill>
-          <a:blip r:embed="rId2">
-            <a:extLst>
-              <a:ext uri="{28A0092B-C50C-407E-A947-70E740481C1C}">
-                <a14:useLocalDpi xmlns:a14="http://schemas.microsoft.com/office/drawing/2010/main" val="0"/>
-              </a:ext>
-            </a:extLst>
-          </a:blip>
-          <a:srcRect/>
-          <a:stretch>
-            <a:fillRect/>
-          </a:stretch>
-        </p:blipFill>
-        <p:spPr bwMode="auto">
-          <a:xfrm>
-            <a:off x="570346" y="1677710"/>
-            <a:ext cx="8001001" cy="4420254"/>
-          </a:xfrm>
-          <a:prstGeom prst="rect">
-            <a:avLst/>
-          </a:prstGeom>
-          <a:noFill/>
-          <a:ln>
-            <a:noFill/>
-          </a:ln>
-          <a:extLst>
-            <a:ext uri="{909E8E84-426E-40DD-AFC4-6F175D3DCCD1}">
-              <a14:hiddenFill xmlns:a14="http://schemas.microsoft.com/office/drawing/2010/main">
-                <a:solidFill>
-                  <a:schemeClr val="accent1"/>
-                </a:solidFill>
-              </a14:hiddenFill>
-            </a:ext>
-            <a:ext uri="{91240B29-F687-4F45-9708-019B960494DF}">
-              <a14:hiddenLine xmlns:a14="http://schemas.microsoft.com/office/drawing/2010/main" w="9525">
-                <a:solidFill>
-                  <a:schemeClr val="tx1"/>
-                </a:solidFill>
-                <a:miter lim="800000"/>
-                <a:headEnd/>
-                <a:tailEnd/>
-              </a14:hiddenLine>
-            </a:ext>
-          </a:extLst>
-        </p:spPr>
-      </p:pic>
       <p:sp>
         <p:nvSpPr>
           <p:cNvPr id="2" name="Title 1"/>
@@ -7221,78 +6579,28 @@
           <a:lstStyle/>
           <a:p>
             <a:r>
-              <a:rPr lang="en-US" dirty="0"/>
-              <a:t>Technical Layout </a:t>
-            </a:r>
-            <a:r>
               <a:rPr lang="en-US" dirty="0" smtClean="0"/>
-              <a:t>Pt.2</a:t>
+              <a:t>Contribution</a:t>
             </a:r>
             <a:endParaRPr lang="en-US" dirty="0"/>
-          </a:p>
-        </p:txBody>
-      </p:sp>
-      <p:sp>
-        <p:nvSpPr>
-          <p:cNvPr id="6" name="Rounded Rectangle 5"/>
-          <p:cNvSpPr/>
-          <p:nvPr/>
-        </p:nvSpPr>
-        <p:spPr>
-          <a:xfrm>
-            <a:off x="533401" y="1600200"/>
-            <a:ext cx="1685924" cy="4495800"/>
-          </a:xfrm>
-          <a:prstGeom prst="roundRect">
-            <a:avLst/>
-          </a:prstGeom>
-          <a:noFill/>
-          <a:ln>
-            <a:solidFill>
-              <a:srgbClr val="FFC000"/>
-            </a:solidFill>
-          </a:ln>
-        </p:spPr>
-        <p:style>
-          <a:lnRef idx="2">
-            <a:schemeClr val="accent1">
-              <a:shade val="50000"/>
-            </a:schemeClr>
-          </a:lnRef>
-          <a:fillRef idx="1">
-            <a:schemeClr val="accent1"/>
-          </a:fillRef>
-          <a:effectRef idx="0">
-            <a:schemeClr val="accent1"/>
-          </a:effectRef>
-          <a:fontRef idx="minor">
-            <a:schemeClr val="lt1"/>
-          </a:fontRef>
-        </p:style>
-        <p:txBody>
-          <a:bodyPr rtlCol="0" anchor="ctr"/>
-          <a:lstStyle/>
-          <a:p>
-            <a:pPr algn="ctr"/>
-            <a:endParaRPr lang="en-US"/>
           </a:p>
         </p:txBody>
       </p:sp>
     </p:spTree>
     <p:extLst>
       <p:ext uri="{BB962C8B-B14F-4D97-AF65-F5344CB8AC3E}">
-        <p14:creationId xmlns:p14="http://schemas.microsoft.com/office/powerpoint/2010/main" val="1189453568"/>
+        <p14:creationId xmlns:p14="http://schemas.microsoft.com/office/powerpoint/2010/main" xmlns="" val="1952718536"/>
       </p:ext>
     </p:extLst>
   </p:cSld>
   <p:clrMapOvr>
     <a:masterClrMapping/>
   </p:clrMapOvr>
-  <mc:AlternateContent xmlns:mc="http://schemas.openxmlformats.org/markup-compatibility/2006" xmlns:p14="http://schemas.microsoft.com/office/powerpoint/2010/main">
-    <mc:Choice Requires="p14">
+  <mc:AlternateContent xmlns:mc="http://schemas.openxmlformats.org/markup-compatibility/2006">
+    <mc:Choice xmlns:p14="http://schemas.microsoft.com/office/powerpoint/2010/main" xmlns="" Requires="p14">
       <p:transition spd="slow" p14:dur="2000"/>
     </mc:Choice>
-    <mc:Fallback xmlns="">
+    <mc:Fallback>
       <p:transition spd="slow"/>
     </mc:Fallback>
   </mc:AlternateContent>
@@ -7340,493 +6648,62 @@
           <a:p>
             <a:r>
               <a:rPr lang="en-US" dirty="0" smtClean="0"/>
-              <a:t>Technical Layout Extended Pt.3/4</a:t>
+              <a:t>Contributions</a:t>
             </a:r>
             <a:endParaRPr lang="en-US" dirty="0"/>
           </a:p>
         </p:txBody>
       </p:sp>
-      <p:pic>
-        <p:nvPicPr>
-          <p:cNvPr id="3074" name="Picture 2"/>
-          <p:cNvPicPr>
-            <a:picLocks noChangeAspect="1" noChangeArrowheads="1"/>
-          </p:cNvPicPr>
-          <p:nvPr/>
-        </p:nvPicPr>
-        <p:blipFill>
-          <a:blip r:embed="rId2">
-            <a:extLst>
-              <a:ext uri="{28A0092B-C50C-407E-A947-70E740481C1C}">
-                <a14:useLocalDpi xmlns:a14="http://schemas.microsoft.com/office/drawing/2010/main" val="0"/>
-              </a:ext>
-            </a:extLst>
-          </a:blip>
-          <a:srcRect/>
-          <a:stretch>
-            <a:fillRect/>
-          </a:stretch>
-        </p:blipFill>
-        <p:spPr bwMode="auto">
-          <a:xfrm>
-            <a:off x="104775" y="1904999"/>
-            <a:ext cx="8886825" cy="4369405"/>
-          </a:xfrm>
-          <a:prstGeom prst="rect">
-            <a:avLst/>
-          </a:prstGeom>
-          <a:noFill/>
-          <a:ln>
-            <a:noFill/>
-          </a:ln>
-          <a:extLst>
-            <a:ext uri="{909E8E84-426E-40DD-AFC4-6F175D3DCCD1}">
-              <a14:hiddenFill xmlns:a14="http://schemas.microsoft.com/office/drawing/2010/main">
-                <a:solidFill>
-                  <a:schemeClr val="accent1"/>
-                </a:solidFill>
-              </a14:hiddenFill>
-            </a:ext>
-            <a:ext uri="{91240B29-F687-4F45-9708-019B960494DF}">
-              <a14:hiddenLine xmlns:a14="http://schemas.microsoft.com/office/drawing/2010/main" w="9525">
-                <a:solidFill>
-                  <a:schemeClr val="tx1"/>
-                </a:solidFill>
-                <a:miter lim="800000"/>
-                <a:headEnd/>
-                <a:tailEnd/>
-              </a14:hiddenLine>
-            </a:ext>
-          </a:extLst>
-        </p:spPr>
-      </p:pic>
-      <p:sp>
-        <p:nvSpPr>
-          <p:cNvPr id="5" name="Right Arrow 4"/>
-          <p:cNvSpPr/>
-          <p:nvPr/>
-        </p:nvSpPr>
-        <p:spPr>
-          <a:xfrm>
-            <a:off x="1524000" y="4419600"/>
-            <a:ext cx="381000" cy="421200"/>
-          </a:xfrm>
-          <a:prstGeom prst="rightArrow">
-            <a:avLst/>
-          </a:prstGeom>
-        </p:spPr>
-        <p:style>
-          <a:lnRef idx="2">
-            <a:schemeClr val="accent1">
-              <a:shade val="50000"/>
-            </a:schemeClr>
-          </a:lnRef>
-          <a:fillRef idx="1">
-            <a:schemeClr val="accent1"/>
-          </a:fillRef>
-          <a:effectRef idx="0">
-            <a:schemeClr val="accent1"/>
-          </a:effectRef>
-          <a:fontRef idx="minor">
-            <a:schemeClr val="lt1"/>
-          </a:fontRef>
-        </p:style>
-        <p:txBody>
-          <a:bodyPr rtlCol="0" anchor="ctr"/>
-          <a:lstStyle/>
-          <a:p>
-            <a:pPr algn="ctr"/>
-            <a:endParaRPr lang="en-US"/>
-          </a:p>
-        </p:txBody>
-      </p:sp>
-      <p:sp>
-        <p:nvSpPr>
-          <p:cNvPr id="6" name="Right Arrow 5"/>
-          <p:cNvSpPr/>
-          <p:nvPr/>
-        </p:nvSpPr>
-        <p:spPr>
-          <a:xfrm>
-            <a:off x="3276600" y="4402650"/>
-            <a:ext cx="609600" cy="421200"/>
-          </a:xfrm>
-          <a:prstGeom prst="rightArrow">
-            <a:avLst/>
-          </a:prstGeom>
-        </p:spPr>
-        <p:style>
-          <a:lnRef idx="2">
-            <a:schemeClr val="accent1">
-              <a:shade val="50000"/>
-            </a:schemeClr>
-          </a:lnRef>
-          <a:fillRef idx="1">
-            <a:schemeClr val="accent1"/>
-          </a:fillRef>
-          <a:effectRef idx="0">
-            <a:schemeClr val="accent1"/>
-          </a:effectRef>
-          <a:fontRef idx="minor">
-            <a:schemeClr val="lt1"/>
-          </a:fontRef>
-        </p:style>
-        <p:txBody>
-          <a:bodyPr rtlCol="0" anchor="ctr"/>
-          <a:lstStyle/>
-          <a:p>
-            <a:pPr algn="ctr"/>
-            <a:endParaRPr lang="en-US"/>
-          </a:p>
-        </p:txBody>
-      </p:sp>
-      <p:sp>
-        <p:nvSpPr>
-          <p:cNvPr id="7" name="Right Arrow 6"/>
-          <p:cNvSpPr/>
-          <p:nvPr/>
-        </p:nvSpPr>
-        <p:spPr>
-          <a:xfrm>
-            <a:off x="5257800" y="4402650"/>
-            <a:ext cx="533400" cy="421200"/>
-          </a:xfrm>
-          <a:prstGeom prst="rightArrow">
-            <a:avLst/>
-          </a:prstGeom>
-        </p:spPr>
-        <p:style>
-          <a:lnRef idx="2">
-            <a:schemeClr val="accent1">
-              <a:shade val="50000"/>
-            </a:schemeClr>
-          </a:lnRef>
-          <a:fillRef idx="1">
-            <a:schemeClr val="accent1"/>
-          </a:fillRef>
-          <a:effectRef idx="0">
-            <a:schemeClr val="accent1"/>
-          </a:effectRef>
-          <a:fontRef idx="minor">
-            <a:schemeClr val="lt1"/>
-          </a:fontRef>
-        </p:style>
-        <p:txBody>
-          <a:bodyPr rtlCol="0" anchor="ctr"/>
-          <a:lstStyle/>
-          <a:p>
-            <a:pPr algn="ctr"/>
-            <a:endParaRPr lang="en-US"/>
-          </a:p>
-        </p:txBody>
-      </p:sp>
-      <p:sp>
-        <p:nvSpPr>
-          <p:cNvPr id="8" name="Right Arrow 7"/>
-          <p:cNvSpPr/>
-          <p:nvPr/>
-        </p:nvSpPr>
-        <p:spPr>
-          <a:xfrm>
-            <a:off x="7162802" y="4214288"/>
-            <a:ext cx="380997" cy="376724"/>
-          </a:xfrm>
-          <a:prstGeom prst="rightArrow">
-            <a:avLst/>
-          </a:prstGeom>
-        </p:spPr>
-        <p:style>
-          <a:lnRef idx="2">
-            <a:schemeClr val="accent1">
-              <a:shade val="50000"/>
-            </a:schemeClr>
-          </a:lnRef>
-          <a:fillRef idx="1">
-            <a:schemeClr val="accent1"/>
-          </a:fillRef>
-          <a:effectRef idx="0">
-            <a:schemeClr val="accent1"/>
-          </a:effectRef>
-          <a:fontRef idx="minor">
-            <a:schemeClr val="lt1"/>
-          </a:fontRef>
-        </p:style>
-        <p:txBody>
-          <a:bodyPr rtlCol="0" anchor="ctr"/>
-          <a:lstStyle/>
-          <a:p>
-            <a:pPr algn="ctr"/>
-            <a:endParaRPr lang="en-US"/>
-          </a:p>
-        </p:txBody>
-      </p:sp>
-      <p:sp>
-        <p:nvSpPr>
-          <p:cNvPr id="9" name="Right Arrow 8"/>
-          <p:cNvSpPr/>
-          <p:nvPr/>
-        </p:nvSpPr>
-        <p:spPr>
-          <a:xfrm rot="10800000">
-            <a:off x="7162800" y="4726463"/>
-            <a:ext cx="380997" cy="376724"/>
-          </a:xfrm>
-          <a:prstGeom prst="rightArrow">
-            <a:avLst/>
-          </a:prstGeom>
-        </p:spPr>
-        <p:style>
-          <a:lnRef idx="2">
-            <a:schemeClr val="accent1">
-              <a:shade val="50000"/>
-            </a:schemeClr>
-          </a:lnRef>
-          <a:fillRef idx="1">
-            <a:schemeClr val="accent1"/>
-          </a:fillRef>
-          <a:effectRef idx="0">
-            <a:schemeClr val="accent1"/>
-          </a:effectRef>
-          <a:fontRef idx="minor">
-            <a:schemeClr val="lt1"/>
-          </a:fontRef>
-        </p:style>
-        <p:txBody>
-          <a:bodyPr rtlCol="0" anchor="ctr"/>
-          <a:lstStyle/>
-          <a:p>
-            <a:pPr algn="ctr"/>
-            <a:endParaRPr lang="en-US"/>
-          </a:p>
-        </p:txBody>
-      </p:sp>
-      <p:sp>
-        <p:nvSpPr>
-          <p:cNvPr id="10" name="Right Arrow 9"/>
-          <p:cNvSpPr/>
-          <p:nvPr/>
-        </p:nvSpPr>
-        <p:spPr>
-          <a:xfrm>
-            <a:off x="1600200" y="2895600"/>
-            <a:ext cx="381000" cy="421200"/>
-          </a:xfrm>
-          <a:prstGeom prst="rightArrow">
-            <a:avLst/>
-          </a:prstGeom>
-        </p:spPr>
-        <p:style>
-          <a:lnRef idx="2">
-            <a:schemeClr val="accent1">
-              <a:shade val="50000"/>
-            </a:schemeClr>
-          </a:lnRef>
-          <a:fillRef idx="1">
-            <a:schemeClr val="accent1"/>
-          </a:fillRef>
-          <a:effectRef idx="0">
-            <a:schemeClr val="accent1"/>
-          </a:effectRef>
-          <a:fontRef idx="minor">
-            <a:schemeClr val="lt1"/>
-          </a:fontRef>
-        </p:style>
-        <p:txBody>
-          <a:bodyPr rtlCol="0" anchor="ctr"/>
-          <a:lstStyle/>
-          <a:p>
-            <a:pPr algn="ctr"/>
-            <a:endParaRPr lang="en-US"/>
-          </a:p>
-        </p:txBody>
-      </p:sp>
-      <p:sp>
-        <p:nvSpPr>
-          <p:cNvPr id="11" name="Right Arrow 10"/>
-          <p:cNvSpPr/>
-          <p:nvPr/>
-        </p:nvSpPr>
-        <p:spPr>
-          <a:xfrm>
-            <a:off x="2971800" y="2895600"/>
-            <a:ext cx="609600" cy="421200"/>
-          </a:xfrm>
-          <a:prstGeom prst="rightArrow">
-            <a:avLst/>
-          </a:prstGeom>
-        </p:spPr>
-        <p:style>
-          <a:lnRef idx="2">
-            <a:schemeClr val="accent1">
-              <a:shade val="50000"/>
-            </a:schemeClr>
-          </a:lnRef>
-          <a:fillRef idx="1">
-            <a:schemeClr val="accent1"/>
-          </a:fillRef>
-          <a:effectRef idx="0">
-            <a:schemeClr val="accent1"/>
-          </a:effectRef>
-          <a:fontRef idx="minor">
-            <a:schemeClr val="lt1"/>
-          </a:fontRef>
-        </p:style>
-        <p:txBody>
-          <a:bodyPr rtlCol="0" anchor="ctr"/>
-          <a:lstStyle/>
-          <a:p>
-            <a:pPr algn="ctr"/>
-            <a:endParaRPr lang="en-US"/>
-          </a:p>
-        </p:txBody>
-      </p:sp>
-      <p:sp>
-        <p:nvSpPr>
-          <p:cNvPr id="12" name="Right Arrow 11"/>
-          <p:cNvSpPr/>
-          <p:nvPr/>
-        </p:nvSpPr>
-        <p:spPr>
-          <a:xfrm>
-            <a:off x="5562600" y="2895600"/>
-            <a:ext cx="495300" cy="421200"/>
-          </a:xfrm>
-          <a:prstGeom prst="rightArrow">
-            <a:avLst/>
-          </a:prstGeom>
-        </p:spPr>
-        <p:style>
-          <a:lnRef idx="2">
-            <a:schemeClr val="accent1">
-              <a:shade val="50000"/>
-            </a:schemeClr>
-          </a:lnRef>
-          <a:fillRef idx="1">
-            <a:schemeClr val="accent1"/>
-          </a:fillRef>
-          <a:effectRef idx="0">
-            <a:schemeClr val="accent1"/>
-          </a:effectRef>
-          <a:fontRef idx="minor">
-            <a:schemeClr val="lt1"/>
-          </a:fontRef>
-        </p:style>
-        <p:txBody>
-          <a:bodyPr rtlCol="0" anchor="ctr"/>
-          <a:lstStyle/>
-          <a:p>
-            <a:pPr algn="ctr"/>
-            <a:endParaRPr lang="en-US"/>
-          </a:p>
-        </p:txBody>
-      </p:sp>
-      <p:sp>
-        <p:nvSpPr>
-          <p:cNvPr id="4" name="Rounded Rectangle 3"/>
-          <p:cNvSpPr/>
-          <p:nvPr/>
-        </p:nvSpPr>
-        <p:spPr>
-          <a:xfrm>
-            <a:off x="66675" y="1904999"/>
-            <a:ext cx="1609725" cy="4369405"/>
-          </a:xfrm>
-          <a:prstGeom prst="roundRect">
-            <a:avLst/>
-          </a:prstGeom>
-          <a:noFill/>
-          <a:ln>
-            <a:solidFill>
-              <a:srgbClr val="FFC000"/>
-            </a:solidFill>
-          </a:ln>
-        </p:spPr>
-        <p:style>
-          <a:lnRef idx="2">
-            <a:schemeClr val="accent1">
-              <a:shade val="50000"/>
-            </a:schemeClr>
-          </a:lnRef>
-          <a:fillRef idx="1">
-            <a:schemeClr val="accent1"/>
-          </a:fillRef>
-          <a:effectRef idx="0">
-            <a:schemeClr val="accent1"/>
-          </a:effectRef>
-          <a:fontRef idx="minor">
-            <a:schemeClr val="lt1"/>
-          </a:fontRef>
-        </p:style>
-        <p:txBody>
-          <a:bodyPr rtlCol="0" anchor="ctr"/>
-          <a:lstStyle/>
-          <a:p>
-            <a:pPr algn="ctr"/>
-            <a:endParaRPr lang="en-US"/>
-          </a:p>
-        </p:txBody>
-      </p:sp>
-      <p:sp>
-        <p:nvSpPr>
-          <p:cNvPr id="16" name="Rounded Rectangle 15"/>
-          <p:cNvSpPr/>
-          <p:nvPr/>
-        </p:nvSpPr>
-        <p:spPr>
-          <a:xfrm>
-            <a:off x="7353298" y="1752600"/>
-            <a:ext cx="1638302" cy="4521804"/>
-          </a:xfrm>
-          <a:prstGeom prst="roundRect">
-            <a:avLst/>
-          </a:prstGeom>
-          <a:noFill/>
-          <a:ln>
-            <a:solidFill>
-              <a:srgbClr val="FFC000"/>
-            </a:solidFill>
-          </a:ln>
-        </p:spPr>
-        <p:style>
-          <a:lnRef idx="2">
-            <a:schemeClr val="accent1">
-              <a:shade val="50000"/>
-            </a:schemeClr>
-          </a:lnRef>
-          <a:fillRef idx="1">
-            <a:schemeClr val="accent1"/>
-          </a:fillRef>
-          <a:effectRef idx="0">
-            <a:schemeClr val="accent1"/>
-          </a:effectRef>
-          <a:fontRef idx="minor">
-            <a:schemeClr val="lt1"/>
-          </a:fontRef>
-        </p:style>
-        <p:txBody>
-          <a:bodyPr rtlCol="0" anchor="ctr"/>
-          <a:lstStyle/>
-          <a:p>
-            <a:pPr algn="ctr"/>
-            <a:endParaRPr lang="en-US"/>
+      <p:sp>
+        <p:nvSpPr>
+          <p:cNvPr id="3" name="Content Placeholder 2"/>
+          <p:cNvSpPr>
+            <a:spLocks noGrp="1"/>
+          </p:cNvSpPr>
+          <p:nvPr>
+            <p:ph idx="1"/>
+          </p:nvPr>
+        </p:nvSpPr>
+        <p:spPr/>
+        <p:txBody>
+          <a:bodyPr/>
+          <a:lstStyle/>
+          <a:p>
+            <a:r>
+              <a:rPr lang="en-US" dirty="0" smtClean="0"/>
+              <a:t>Process improve using key combination of sign descriptors.</a:t>
+            </a:r>
+          </a:p>
+          <a:p>
+            <a:r>
+              <a:rPr lang="en-US" dirty="0" smtClean="0"/>
+              <a:t>Derivation of condensed Fourier representation of sign image.</a:t>
+            </a:r>
+          </a:p>
+          <a:p>
+            <a:r>
+              <a:rPr lang="en-US" dirty="0" smtClean="0"/>
+              <a:t>Performance? Clustering?</a:t>
+            </a:r>
+            <a:endParaRPr lang="en-US" dirty="0" smtClean="0"/>
           </a:p>
         </p:txBody>
       </p:sp>
     </p:spTree>
     <p:extLst>
       <p:ext uri="{BB962C8B-B14F-4D97-AF65-F5344CB8AC3E}">
-        <p14:creationId xmlns:p14="http://schemas.microsoft.com/office/powerpoint/2010/main" val="3313528818"/>
+        <p14:creationId xmlns:p14="http://schemas.microsoft.com/office/powerpoint/2010/main" xmlns="" val="1331944257"/>
       </p:ext>
     </p:extLst>
   </p:cSld>
   <p:clrMapOvr>
     <a:masterClrMapping/>
   </p:clrMapOvr>
-  <mc:AlternateContent xmlns:mc="http://schemas.openxmlformats.org/markup-compatibility/2006" xmlns:p14="http://schemas.microsoft.com/office/powerpoint/2010/main">
-    <mc:Choice Requires="p14">
+  <mc:AlternateContent xmlns:mc="http://schemas.openxmlformats.org/markup-compatibility/2006">
+    <mc:Choice xmlns:p14="http://schemas.microsoft.com/office/powerpoint/2010/main" xmlns="" Requires="p14">
       <p:transition spd="slow" p14:dur="2000"/>
     </mc:Choice>
-    <mc:Fallback xmlns="">
+    <mc:Fallback>
       <p:transition spd="slow"/>
     </mc:Fallback>
   </mc:AlternateContent>
@@ -7864,65 +6741,17 @@
             <a:spLocks noGrp="1"/>
           </p:cNvSpPr>
           <p:nvPr>
-            <p:ph type="ctrTitle"/>
-          </p:nvPr>
-        </p:nvSpPr>
-        <p:spPr>
-          <a:xfrm>
-            <a:off x="685800" y="609601"/>
-            <a:ext cx="7772400" cy="2971799"/>
-          </a:xfrm>
-        </p:spPr>
+            <p:ph type="title"/>
+          </p:nvPr>
+        </p:nvSpPr>
+        <p:spPr/>
         <p:txBody>
           <a:bodyPr/>
           <a:lstStyle/>
           <a:p>
             <a:r>
               <a:rPr lang="en-US" dirty="0" smtClean="0"/>
-              <a:t>Conclusion</a:t>
-            </a:r>
-            <a:endParaRPr lang="en-US" dirty="0"/>
-          </a:p>
-        </p:txBody>
-      </p:sp>
-      <p:sp>
-        <p:nvSpPr>
-          <p:cNvPr id="3" name="Subtitle 2"/>
-          <p:cNvSpPr>
-            <a:spLocks noGrp="1"/>
-          </p:cNvSpPr>
-          <p:nvPr>
-            <p:ph type="subTitle" idx="1"/>
-          </p:nvPr>
-        </p:nvSpPr>
-        <p:spPr>
-          <a:xfrm>
-            <a:off x="1371600" y="3886200"/>
-            <a:ext cx="6400800" cy="1219200"/>
-          </a:xfrm>
-        </p:spPr>
-        <p:txBody>
-          <a:bodyPr/>
-          <a:lstStyle/>
-          <a:p>
-            <a:r>
-              <a:rPr lang="en-US" dirty="0" err="1" smtClean="0"/>
-              <a:t>Princessosse</a:t>
-            </a:r>
-            <a:r>
-              <a:rPr lang="en-US" dirty="0" smtClean="0"/>
-              <a:t> </a:t>
-            </a:r>
-            <a:r>
-              <a:rPr lang="en-US" dirty="0" err="1" smtClean="0"/>
-              <a:t>Irabor</a:t>
-            </a:r>
-            <a:endParaRPr lang="en-US" dirty="0" smtClean="0"/>
-          </a:p>
-          <a:p>
-            <a:r>
-              <a:rPr lang="en-US" dirty="0" smtClean="0"/>
-              <a:t>Benjamin Sullins</a:t>
+              <a:t>Extra Slides</a:t>
             </a:r>
             <a:endParaRPr lang="en-US" dirty="0"/>
           </a:p>
@@ -7931,18 +6760,18 @@
     </p:spTree>
     <p:extLst>
       <p:ext uri="{BB962C8B-B14F-4D97-AF65-F5344CB8AC3E}">
-        <p14:creationId xmlns:p14="http://schemas.microsoft.com/office/powerpoint/2010/main" val="3463877328"/>
+        <p14:creationId xmlns:p14="http://schemas.microsoft.com/office/powerpoint/2010/main" xmlns="" val="522861995"/>
       </p:ext>
     </p:extLst>
   </p:cSld>
   <p:clrMapOvr>
     <a:masterClrMapping/>
   </p:clrMapOvr>
-  <mc:AlternateContent xmlns:mc="http://schemas.openxmlformats.org/markup-compatibility/2006" xmlns:p14="http://schemas.microsoft.com/office/powerpoint/2010/main">
-    <mc:Choice Requires="p14">
+  <mc:AlternateContent xmlns:mc="http://schemas.openxmlformats.org/markup-compatibility/2006">
+    <mc:Choice xmlns:p14="http://schemas.microsoft.com/office/powerpoint/2010/main" xmlns="" Requires="p14">
       <p:transition spd="slow" p14:dur="2000"/>
     </mc:Choice>
-    <mc:Fallback xmlns="">
+    <mc:Fallback>
       <p:transition spd="slow"/>
     </mc:Fallback>
   </mc:AlternateContent>
@@ -7990,27 +6819,327 @@
           <a:p>
             <a:r>
               <a:rPr lang="en-US" dirty="0" smtClean="0"/>
-              <a:t>Additional Slides</a:t>
+              <a:t>Technical Game Plan</a:t>
             </a:r>
             <a:endParaRPr lang="en-US" dirty="0"/>
+          </a:p>
+        </p:txBody>
+      </p:sp>
+      <p:sp>
+        <p:nvSpPr>
+          <p:cNvPr id="3" name="Content Placeholder 2"/>
+          <p:cNvSpPr>
+            <a:spLocks noGrp="1"/>
+          </p:cNvSpPr>
+          <p:nvPr>
+            <p:ph sz="half" idx="2"/>
+          </p:nvPr>
+        </p:nvSpPr>
+        <p:spPr>
+          <a:xfrm>
+            <a:off x="4648200" y="1600201"/>
+            <a:ext cx="4038600" cy="1828800"/>
+          </a:xfrm>
+        </p:spPr>
+        <p:txBody>
+          <a:bodyPr/>
+          <a:lstStyle/>
+          <a:p>
+            <a:r>
+              <a:rPr lang="en-US" u="sng" dirty="0" smtClean="0"/>
+              <a:t>Part 2</a:t>
+            </a:r>
+          </a:p>
+          <a:p>
+            <a:r>
+              <a:rPr lang="en-US" dirty="0" smtClean="0"/>
+              <a:t>Real Image Inputs</a:t>
+            </a:r>
+          </a:p>
+          <a:p>
+            <a:r>
+              <a:rPr lang="en-US" dirty="0" smtClean="0"/>
+              <a:t>Modified (Extended) Algorithms</a:t>
+            </a:r>
+            <a:endParaRPr lang="en-US" dirty="0"/>
+          </a:p>
+        </p:txBody>
+      </p:sp>
+      <p:sp>
+        <p:nvSpPr>
+          <p:cNvPr id="4" name="Content Placeholder 3"/>
+          <p:cNvSpPr>
+            <a:spLocks noGrp="1"/>
+          </p:cNvSpPr>
+          <p:nvPr>
+            <p:ph sz="quarter" idx="13"/>
+          </p:nvPr>
+        </p:nvSpPr>
+        <p:spPr>
+          <a:xfrm>
+            <a:off x="365760" y="1600200"/>
+            <a:ext cx="4041648" cy="1905000"/>
+          </a:xfrm>
+        </p:spPr>
+        <p:txBody>
+          <a:bodyPr/>
+          <a:lstStyle/>
+          <a:p>
+            <a:r>
+              <a:rPr lang="en-US" u="sng" dirty="0" smtClean="0"/>
+              <a:t>Part 1</a:t>
+            </a:r>
+          </a:p>
+          <a:p>
+            <a:r>
+              <a:rPr lang="en-US" dirty="0" smtClean="0"/>
+              <a:t>Computer Generated Inputs</a:t>
+            </a:r>
+          </a:p>
+          <a:p>
+            <a:r>
+              <a:rPr lang="en-US" dirty="0" smtClean="0"/>
+              <a:t>Initial Algorithm Testing</a:t>
+            </a:r>
+            <a:endParaRPr lang="en-US" dirty="0"/>
+          </a:p>
+        </p:txBody>
+      </p:sp>
+      <p:pic>
+        <p:nvPicPr>
+          <p:cNvPr id="2053" name="Picture 5"/>
+          <p:cNvPicPr>
+            <a:picLocks noChangeAspect="1" noChangeArrowheads="1"/>
+          </p:cNvPicPr>
+          <p:nvPr/>
+        </p:nvPicPr>
+        <p:blipFill>
+          <a:blip r:embed="rId3" cstate="print">
+            <a:extLst>
+              <a:ext uri="{28A0092B-C50C-407E-A947-70E740481C1C}">
+                <a14:useLocalDpi xmlns:a14="http://schemas.microsoft.com/office/drawing/2010/main" xmlns="" val="0"/>
+              </a:ext>
+            </a:extLst>
+          </a:blip>
+          <a:srcRect/>
+          <a:stretch>
+            <a:fillRect/>
+          </a:stretch>
+        </p:blipFill>
+        <p:spPr bwMode="auto">
+          <a:xfrm>
+            <a:off x="533400" y="3369863"/>
+            <a:ext cx="3614738" cy="1372300"/>
+          </a:xfrm>
+          <a:prstGeom prst="rect">
+            <a:avLst/>
+          </a:prstGeom>
+          <a:noFill/>
+          <a:ln>
+            <a:noFill/>
+          </a:ln>
+          <a:effectLst/>
+          <a:extLst>
+            <a:ext uri="{909E8E84-426E-40DD-AFC4-6F175D3DCCD1}">
+              <a14:hiddenFill xmlns:a14="http://schemas.microsoft.com/office/drawing/2010/main" xmlns="">
+                <a:solidFill>
+                  <a:schemeClr val="accent1"/>
+                </a:solidFill>
+              </a14:hiddenFill>
+            </a:ext>
+            <a:ext uri="{91240B29-F687-4F45-9708-019B960494DF}">
+              <a14:hiddenLine xmlns:a14="http://schemas.microsoft.com/office/drawing/2010/main" xmlns="" w="9525">
+                <a:solidFill>
+                  <a:schemeClr val="tx1"/>
+                </a:solidFill>
+                <a:miter lim="800000"/>
+                <a:headEnd/>
+                <a:tailEnd/>
+              </a14:hiddenLine>
+            </a:ext>
+            <a:ext uri="{AF507438-7753-43E0-B8FC-AC1667EBCBE1}">
+              <a14:hiddenEffects xmlns:a14="http://schemas.microsoft.com/office/drawing/2010/main" xmlns="">
+                <a:effectLst>
+                  <a:outerShdw dist="35921" dir="2700000" algn="ctr" rotWithShape="0">
+                    <a:schemeClr val="bg2"/>
+                  </a:outerShdw>
+                </a:effectLst>
+              </a14:hiddenEffects>
+            </a:ext>
+          </a:extLst>
+        </p:spPr>
+      </p:pic>
+      <p:pic>
+        <p:nvPicPr>
+          <p:cNvPr id="2054" name="Picture 6"/>
+          <p:cNvPicPr>
+            <a:picLocks noChangeAspect="1" noChangeArrowheads="1"/>
+          </p:cNvPicPr>
+          <p:nvPr/>
+        </p:nvPicPr>
+        <p:blipFill>
+          <a:blip r:embed="rId4" cstate="print">
+            <a:extLst>
+              <a:ext uri="{28A0092B-C50C-407E-A947-70E740481C1C}">
+                <a14:useLocalDpi xmlns:a14="http://schemas.microsoft.com/office/drawing/2010/main" xmlns="" val="0"/>
+              </a:ext>
+            </a:extLst>
+          </a:blip>
+          <a:srcRect/>
+          <a:stretch>
+            <a:fillRect/>
+          </a:stretch>
+        </p:blipFill>
+        <p:spPr bwMode="auto">
+          <a:xfrm>
+            <a:off x="4800600" y="3369863"/>
+            <a:ext cx="3657600" cy="1380909"/>
+          </a:xfrm>
+          <a:prstGeom prst="rect">
+            <a:avLst/>
+          </a:prstGeom>
+          <a:noFill/>
+          <a:ln>
+            <a:noFill/>
+          </a:ln>
+          <a:effectLst/>
+          <a:extLst>
+            <a:ext uri="{909E8E84-426E-40DD-AFC4-6F175D3DCCD1}">
+              <a14:hiddenFill xmlns:a14="http://schemas.microsoft.com/office/drawing/2010/main" xmlns="">
+                <a:solidFill>
+                  <a:schemeClr val="accent1"/>
+                </a:solidFill>
+              </a14:hiddenFill>
+            </a:ext>
+            <a:ext uri="{91240B29-F687-4F45-9708-019B960494DF}">
+              <a14:hiddenLine xmlns:a14="http://schemas.microsoft.com/office/drawing/2010/main" xmlns="" w="9525">
+                <a:solidFill>
+                  <a:schemeClr val="tx1"/>
+                </a:solidFill>
+                <a:miter lim="800000"/>
+                <a:headEnd/>
+                <a:tailEnd/>
+              </a14:hiddenLine>
+            </a:ext>
+            <a:ext uri="{AF507438-7753-43E0-B8FC-AC1667EBCBE1}">
+              <a14:hiddenEffects xmlns:a14="http://schemas.microsoft.com/office/drawing/2010/main" xmlns="">
+                <a:effectLst>
+                  <a:outerShdw dist="35921" dir="2700000" algn="ctr" rotWithShape="0">
+                    <a:schemeClr val="bg2"/>
+                  </a:outerShdw>
+                </a:effectLst>
+              </a14:hiddenEffects>
+            </a:ext>
+          </a:extLst>
+        </p:spPr>
+      </p:pic>
+      <p:sp>
+        <p:nvSpPr>
+          <p:cNvPr id="23" name="Rounded Rectangle 22"/>
+          <p:cNvSpPr/>
+          <p:nvPr/>
+        </p:nvSpPr>
+        <p:spPr>
+          <a:xfrm>
+            <a:off x="533400" y="3276599"/>
+            <a:ext cx="1219200" cy="1465563"/>
+          </a:xfrm>
+          <a:prstGeom prst="roundRect">
+            <a:avLst/>
+          </a:prstGeom>
+          <a:noFill/>
+          <a:ln>
+            <a:solidFill>
+              <a:srgbClr val="FFC000"/>
+            </a:solidFill>
+          </a:ln>
+        </p:spPr>
+        <p:style>
+          <a:lnRef idx="2">
+            <a:schemeClr val="accent1">
+              <a:shade val="50000"/>
+            </a:schemeClr>
+          </a:lnRef>
+          <a:fillRef idx="1">
+            <a:schemeClr val="accent1"/>
+          </a:fillRef>
+          <a:effectRef idx="0">
+            <a:schemeClr val="accent1"/>
+          </a:effectRef>
+          <a:fontRef idx="minor">
+            <a:schemeClr val="lt1"/>
+          </a:fontRef>
+        </p:style>
+        <p:txBody>
+          <a:bodyPr rtlCol="0" anchor="ctr"/>
+          <a:lstStyle/>
+          <a:p>
+            <a:pPr algn="ctr"/>
+            <a:endParaRPr lang="en-US"/>
+          </a:p>
+        </p:txBody>
+      </p:sp>
+      <p:sp>
+        <p:nvSpPr>
+          <p:cNvPr id="24" name="Rounded Rectangle 23"/>
+          <p:cNvSpPr/>
+          <p:nvPr/>
+        </p:nvSpPr>
+        <p:spPr>
+          <a:xfrm>
+            <a:off x="4764024" y="3285209"/>
+            <a:ext cx="1408176" cy="1465563"/>
+          </a:xfrm>
+          <a:prstGeom prst="roundRect">
+            <a:avLst/>
+          </a:prstGeom>
+          <a:noFill/>
+          <a:ln>
+            <a:solidFill>
+              <a:srgbClr val="FFC000"/>
+            </a:solidFill>
+          </a:ln>
+        </p:spPr>
+        <p:style>
+          <a:lnRef idx="2">
+            <a:schemeClr val="accent1">
+              <a:shade val="50000"/>
+            </a:schemeClr>
+          </a:lnRef>
+          <a:fillRef idx="1">
+            <a:schemeClr val="accent1"/>
+          </a:fillRef>
+          <a:effectRef idx="0">
+            <a:schemeClr val="accent1"/>
+          </a:effectRef>
+          <a:fontRef idx="minor">
+            <a:schemeClr val="lt1"/>
+          </a:fontRef>
+        </p:style>
+        <p:txBody>
+          <a:bodyPr rtlCol="0" anchor="ctr"/>
+          <a:lstStyle/>
+          <a:p>
+            <a:pPr algn="ctr"/>
+            <a:endParaRPr lang="en-US"/>
           </a:p>
         </p:txBody>
       </p:sp>
     </p:spTree>
     <p:extLst>
       <p:ext uri="{BB962C8B-B14F-4D97-AF65-F5344CB8AC3E}">
-        <p14:creationId xmlns:p14="http://schemas.microsoft.com/office/powerpoint/2010/main" val="1952718536"/>
+        <p14:creationId xmlns:p14="http://schemas.microsoft.com/office/powerpoint/2010/main" xmlns="" val="3787792675"/>
       </p:ext>
     </p:extLst>
   </p:cSld>
   <p:clrMapOvr>
     <a:masterClrMapping/>
   </p:clrMapOvr>
-  <mc:AlternateContent xmlns:mc="http://schemas.openxmlformats.org/markup-compatibility/2006" xmlns:p14="http://schemas.microsoft.com/office/powerpoint/2010/main">
-    <mc:Choice Requires="p14">
+  <mc:AlternateContent xmlns:mc="http://schemas.openxmlformats.org/markup-compatibility/2006">
+    <mc:Choice xmlns:p14="http://schemas.microsoft.com/office/powerpoint/2010/main" xmlns="" Requires="p14">
       <p:transition spd="slow" p14:dur="2000"/>
     </mc:Choice>
-    <mc:Fallback xmlns="">
+    <mc:Fallback>
       <p:transition spd="slow"/>
     </mc:Fallback>
   </mc:AlternateContent>
@@ -8058,25 +7187,64 @@
           <a:p>
             <a:r>
               <a:rPr lang="en-US" dirty="0" smtClean="0"/>
-              <a:t>Image Enhancement</a:t>
+              <a:t>Technical Game Plan</a:t>
             </a:r>
             <a:endParaRPr lang="en-US" dirty="0"/>
+          </a:p>
+        </p:txBody>
+      </p:sp>
+      <p:sp>
+        <p:nvSpPr>
+          <p:cNvPr id="3" name="Content Placeholder 2"/>
+          <p:cNvSpPr>
+            <a:spLocks noGrp="1"/>
+          </p:cNvSpPr>
+          <p:nvPr>
+            <p:ph sz="half" idx="2"/>
+          </p:nvPr>
+        </p:nvSpPr>
+        <p:spPr>
+          <a:xfrm>
+            <a:off x="4648200" y="1600201"/>
+            <a:ext cx="4038600" cy="1828800"/>
+          </a:xfrm>
+        </p:spPr>
+        <p:txBody>
+          <a:bodyPr/>
+          <a:lstStyle/>
+          <a:p>
+            <a:r>
+              <a:rPr lang="en-US" u="sng" dirty="0" smtClean="0"/>
+              <a:t>Part 4 (Extra)</a:t>
+            </a:r>
+          </a:p>
+          <a:p>
+            <a:r>
+              <a:rPr lang="en-US" dirty="0" smtClean="0"/>
+              <a:t>Expand Allowable Inputs </a:t>
+            </a:r>
+          </a:p>
+          <a:p>
+            <a:r>
+              <a:rPr lang="en-US" dirty="0" smtClean="0"/>
+              <a:t>Example: Words</a:t>
+            </a:r>
           </a:p>
         </p:txBody>
       </p:sp>
       <p:pic>
         <p:nvPicPr>
-          <p:cNvPr id="4099" name="Picture 3"/>
+          <p:cNvPr id="3076" name="Picture 4"/>
           <p:cNvPicPr>
             <a:picLocks noChangeAspect="1" noChangeArrowheads="1"/>
           </p:cNvPicPr>
           <p:nvPr/>
         </p:nvPicPr>
         <p:blipFill>
-          <a:blip r:embed="rId2">
+          <a:blip r:embed="rId3" cstate="print">
             <a:extLst>
               <a:ext uri="{28A0092B-C50C-407E-A947-70E740481C1C}">
-                <a14:useLocalDpi xmlns:a14="http://schemas.microsoft.com/office/drawing/2010/main" val="0"/>
+                <a14:useLocalDpi xmlns:a14="http://schemas.microsoft.com/office/drawing/2010/main" xmlns="" val="0"/>
               </a:ext>
             </a:extLst>
           </a:blip>
@@ -8087,8 +7255,8 @@
         </p:blipFill>
         <p:spPr bwMode="auto">
           <a:xfrm>
-            <a:off x="228600" y="1828800"/>
-            <a:ext cx="8686800" cy="4229789"/>
+            <a:off x="4877169" y="4724400"/>
+            <a:ext cx="1218831" cy="936827"/>
           </a:xfrm>
           <a:prstGeom prst="rect">
             <a:avLst/>
@@ -8099,14 +7267,14 @@
           </a:ln>
           <a:extLst>
             <a:ext uri="{909E8E84-426E-40DD-AFC4-6F175D3DCCD1}">
-              <a14:hiddenFill xmlns:a14="http://schemas.microsoft.com/office/drawing/2010/main">
+              <a14:hiddenFill xmlns:a14="http://schemas.microsoft.com/office/drawing/2010/main" xmlns="">
                 <a:solidFill>
                   <a:schemeClr val="accent1"/>
                 </a:solidFill>
               </a14:hiddenFill>
             </a:ext>
             <a:ext uri="{91240B29-F687-4F45-9708-019B960494DF}">
-              <a14:hiddenLine xmlns:a14="http://schemas.microsoft.com/office/drawing/2010/main" w="9525">
+              <a14:hiddenLine xmlns:a14="http://schemas.microsoft.com/office/drawing/2010/main" xmlns="" w="9525">
                 <a:solidFill>
                   <a:schemeClr val="tx1"/>
                 </a:solidFill>
@@ -8118,21 +7286,406 @@
           </a:extLst>
         </p:spPr>
       </p:pic>
+      <p:sp>
+        <p:nvSpPr>
+          <p:cNvPr id="4" name="Content Placeholder 3"/>
+          <p:cNvSpPr>
+            <a:spLocks noGrp="1"/>
+          </p:cNvSpPr>
+          <p:nvPr>
+            <p:ph sz="quarter" idx="13"/>
+          </p:nvPr>
+        </p:nvSpPr>
+        <p:spPr>
+          <a:xfrm>
+            <a:off x="365760" y="1600200"/>
+            <a:ext cx="4041648" cy="1905000"/>
+          </a:xfrm>
+        </p:spPr>
+        <p:txBody>
+          <a:bodyPr/>
+          <a:lstStyle/>
+          <a:p>
+            <a:r>
+              <a:rPr lang="en-US" u="sng" dirty="0" smtClean="0"/>
+              <a:t>Part 3 (Extra)</a:t>
+            </a:r>
+          </a:p>
+          <a:p>
+            <a:r>
+              <a:rPr lang="en-US" dirty="0" smtClean="0"/>
+              <a:t>Heuristic Learning Algorith</a:t>
+            </a:r>
+            <a:r>
+              <a:rPr lang="en-US" dirty="0"/>
+              <a:t>m</a:t>
+            </a:r>
+          </a:p>
+        </p:txBody>
+      </p:sp>
+      <p:pic>
+        <p:nvPicPr>
+          <p:cNvPr id="2054" name="Picture 6"/>
+          <p:cNvPicPr>
+            <a:picLocks noChangeAspect="1" noChangeArrowheads="1"/>
+          </p:cNvPicPr>
+          <p:nvPr/>
+        </p:nvPicPr>
+        <p:blipFill>
+          <a:blip r:embed="rId4" cstate="print">
+            <a:extLst>
+              <a:ext uri="{28A0092B-C50C-407E-A947-70E740481C1C}">
+                <a14:useLocalDpi xmlns:a14="http://schemas.microsoft.com/office/drawing/2010/main" xmlns="" val="0"/>
+              </a:ext>
+            </a:extLst>
+          </a:blip>
+          <a:srcRect/>
+          <a:stretch>
+            <a:fillRect/>
+          </a:stretch>
+        </p:blipFill>
+        <p:spPr bwMode="auto">
+          <a:xfrm>
+            <a:off x="4800600" y="3369863"/>
+            <a:ext cx="3657600" cy="1380909"/>
+          </a:xfrm>
+          <a:prstGeom prst="rect">
+            <a:avLst/>
+          </a:prstGeom>
+          <a:noFill/>
+          <a:ln>
+            <a:noFill/>
+          </a:ln>
+          <a:effectLst/>
+          <a:extLst>
+            <a:ext uri="{909E8E84-426E-40DD-AFC4-6F175D3DCCD1}">
+              <a14:hiddenFill xmlns:a14="http://schemas.microsoft.com/office/drawing/2010/main" xmlns="">
+                <a:solidFill>
+                  <a:schemeClr val="accent1"/>
+                </a:solidFill>
+              </a14:hiddenFill>
+            </a:ext>
+            <a:ext uri="{91240B29-F687-4F45-9708-019B960494DF}">
+              <a14:hiddenLine xmlns:a14="http://schemas.microsoft.com/office/drawing/2010/main" xmlns="" w="9525">
+                <a:solidFill>
+                  <a:schemeClr val="tx1"/>
+                </a:solidFill>
+                <a:miter lim="800000"/>
+                <a:headEnd/>
+                <a:tailEnd/>
+              </a14:hiddenLine>
+            </a:ext>
+            <a:ext uri="{AF507438-7753-43E0-B8FC-AC1667EBCBE1}">
+              <a14:hiddenEffects xmlns:a14="http://schemas.microsoft.com/office/drawing/2010/main" xmlns="">
+                <a:effectLst>
+                  <a:outerShdw dist="35921" dir="2700000" algn="ctr" rotWithShape="0">
+                    <a:schemeClr val="bg2"/>
+                  </a:outerShdw>
+                </a:effectLst>
+              </a14:hiddenEffects>
+            </a:ext>
+          </a:extLst>
+        </p:spPr>
+      </p:pic>
+      <p:sp>
+        <p:nvSpPr>
+          <p:cNvPr id="24" name="Rounded Rectangle 23"/>
+          <p:cNvSpPr/>
+          <p:nvPr/>
+        </p:nvSpPr>
+        <p:spPr>
+          <a:xfrm>
+            <a:off x="4764024" y="3285208"/>
+            <a:ext cx="1444752" cy="3351971"/>
+          </a:xfrm>
+          <a:prstGeom prst="roundRect">
+            <a:avLst/>
+          </a:prstGeom>
+          <a:noFill/>
+          <a:ln>
+            <a:solidFill>
+              <a:srgbClr val="FFC000"/>
+            </a:solidFill>
+          </a:ln>
+        </p:spPr>
+        <p:style>
+          <a:lnRef idx="2">
+            <a:schemeClr val="accent1">
+              <a:shade val="50000"/>
+            </a:schemeClr>
+          </a:lnRef>
+          <a:fillRef idx="1">
+            <a:schemeClr val="accent1"/>
+          </a:fillRef>
+          <a:effectRef idx="0">
+            <a:schemeClr val="accent1"/>
+          </a:effectRef>
+          <a:fontRef idx="minor">
+            <a:schemeClr val="lt1"/>
+          </a:fontRef>
+        </p:style>
+        <p:txBody>
+          <a:bodyPr rtlCol="0" anchor="ctr"/>
+          <a:lstStyle/>
+          <a:p>
+            <a:pPr algn="ctr"/>
+            <a:endParaRPr lang="en-US"/>
+          </a:p>
+        </p:txBody>
+      </p:sp>
+      <p:pic>
+        <p:nvPicPr>
+          <p:cNvPr id="3074" name="Picture 2"/>
+          <p:cNvPicPr>
+            <a:picLocks noChangeAspect="1" noChangeArrowheads="1"/>
+          </p:cNvPicPr>
+          <p:nvPr/>
+        </p:nvPicPr>
+        <p:blipFill>
+          <a:blip r:embed="rId5" cstate="print">
+            <a:extLst>
+              <a:ext uri="{28A0092B-C50C-407E-A947-70E740481C1C}">
+                <a14:useLocalDpi xmlns:a14="http://schemas.microsoft.com/office/drawing/2010/main" xmlns="" val="0"/>
+              </a:ext>
+            </a:extLst>
+          </a:blip>
+          <a:srcRect/>
+          <a:stretch>
+            <a:fillRect/>
+          </a:stretch>
+        </p:blipFill>
+        <p:spPr bwMode="auto">
+          <a:xfrm>
+            <a:off x="527446" y="3352108"/>
+            <a:ext cx="3663554" cy="1385531"/>
+          </a:xfrm>
+          <a:prstGeom prst="rect">
+            <a:avLst/>
+          </a:prstGeom>
+          <a:noFill/>
+          <a:ln>
+            <a:noFill/>
+          </a:ln>
+          <a:effectLst/>
+          <a:extLst>
+            <a:ext uri="{909E8E84-426E-40DD-AFC4-6F175D3DCCD1}">
+              <a14:hiddenFill xmlns:a14="http://schemas.microsoft.com/office/drawing/2010/main" xmlns="">
+                <a:solidFill>
+                  <a:schemeClr val="accent1"/>
+                </a:solidFill>
+              </a14:hiddenFill>
+            </a:ext>
+            <a:ext uri="{91240B29-F687-4F45-9708-019B960494DF}">
+              <a14:hiddenLine xmlns:a14="http://schemas.microsoft.com/office/drawing/2010/main" xmlns="" w="9525">
+                <a:solidFill>
+                  <a:schemeClr val="tx1"/>
+                </a:solidFill>
+                <a:miter lim="800000"/>
+                <a:headEnd/>
+                <a:tailEnd/>
+              </a14:hiddenLine>
+            </a:ext>
+            <a:ext uri="{AF507438-7753-43E0-B8FC-AC1667EBCBE1}">
+              <a14:hiddenEffects xmlns:a14="http://schemas.microsoft.com/office/drawing/2010/main" xmlns="">
+                <a:effectLst>
+                  <a:outerShdw dist="35921" dir="2700000" algn="ctr" rotWithShape="0">
+                    <a:schemeClr val="bg2"/>
+                  </a:outerShdw>
+                </a:effectLst>
+              </a14:hiddenEffects>
+            </a:ext>
+          </a:extLst>
+        </p:spPr>
+      </p:pic>
+      <p:sp>
+        <p:nvSpPr>
+          <p:cNvPr id="23" name="Rounded Rectangle 22"/>
+          <p:cNvSpPr/>
+          <p:nvPr/>
+        </p:nvSpPr>
+        <p:spPr>
+          <a:xfrm>
+            <a:off x="1828800" y="3200400"/>
+            <a:ext cx="1219200" cy="3419024"/>
+          </a:xfrm>
+          <a:prstGeom prst="roundRect">
+            <a:avLst/>
+          </a:prstGeom>
+          <a:noFill/>
+          <a:ln>
+            <a:solidFill>
+              <a:srgbClr val="FFC000"/>
+            </a:solidFill>
+          </a:ln>
+        </p:spPr>
+        <p:style>
+          <a:lnRef idx="2">
+            <a:schemeClr val="accent1">
+              <a:shade val="50000"/>
+            </a:schemeClr>
+          </a:lnRef>
+          <a:fillRef idx="1">
+            <a:schemeClr val="accent1"/>
+          </a:fillRef>
+          <a:effectRef idx="0">
+            <a:schemeClr val="accent1"/>
+          </a:effectRef>
+          <a:fontRef idx="minor">
+            <a:schemeClr val="lt1"/>
+          </a:fontRef>
+        </p:style>
+        <p:txBody>
+          <a:bodyPr rtlCol="0" anchor="ctr"/>
+          <a:lstStyle/>
+          <a:p>
+            <a:pPr algn="ctr"/>
+            <a:endParaRPr lang="en-US"/>
+          </a:p>
+        </p:txBody>
+      </p:sp>
+      <p:pic>
+        <p:nvPicPr>
+          <p:cNvPr id="3075" name="Picture 3"/>
+          <p:cNvPicPr>
+            <a:picLocks noChangeAspect="1" noChangeArrowheads="1"/>
+          </p:cNvPicPr>
+          <p:nvPr/>
+        </p:nvPicPr>
+        <p:blipFill>
+          <a:blip r:embed="rId6" cstate="print">
+            <a:extLst>
+              <a:ext uri="{28A0092B-C50C-407E-A947-70E740481C1C}">
+                <a14:useLocalDpi xmlns:a14="http://schemas.microsoft.com/office/drawing/2010/main" xmlns="" val="0"/>
+              </a:ext>
+            </a:extLst>
+          </a:blip>
+          <a:srcRect/>
+          <a:stretch>
+            <a:fillRect/>
+          </a:stretch>
+        </p:blipFill>
+        <p:spPr bwMode="auto">
+          <a:xfrm>
+            <a:off x="1867861" y="4909912"/>
+            <a:ext cx="1141078" cy="1480203"/>
+          </a:xfrm>
+          <a:prstGeom prst="rect">
+            <a:avLst/>
+          </a:prstGeom>
+          <a:noFill/>
+          <a:ln>
+            <a:noFill/>
+          </a:ln>
+          <a:effectLst/>
+          <a:extLst>
+            <a:ext uri="{909E8E84-426E-40DD-AFC4-6F175D3DCCD1}">
+              <a14:hiddenFill xmlns:a14="http://schemas.microsoft.com/office/drawing/2010/main" xmlns="">
+                <a:solidFill>
+                  <a:schemeClr val="accent1"/>
+                </a:solidFill>
+              </a14:hiddenFill>
+            </a:ext>
+            <a:ext uri="{91240B29-F687-4F45-9708-019B960494DF}">
+              <a14:hiddenLine xmlns:a14="http://schemas.microsoft.com/office/drawing/2010/main" xmlns="" w="9525">
+                <a:solidFill>
+                  <a:schemeClr val="tx1"/>
+                </a:solidFill>
+                <a:miter lim="800000"/>
+                <a:headEnd/>
+                <a:tailEnd/>
+              </a14:hiddenLine>
+            </a:ext>
+            <a:ext uri="{AF507438-7753-43E0-B8FC-AC1667EBCBE1}">
+              <a14:hiddenEffects xmlns:a14="http://schemas.microsoft.com/office/drawing/2010/main" xmlns="">
+                <a:effectLst>
+                  <a:outerShdw dist="35921" dir="2700000" algn="ctr" rotWithShape="0">
+                    <a:schemeClr val="bg2"/>
+                  </a:outerShdw>
+                </a:effectLst>
+              </a14:hiddenEffects>
+            </a:ext>
+          </a:extLst>
+        </p:spPr>
+      </p:pic>
+      <p:pic>
+        <p:nvPicPr>
+          <p:cNvPr id="3077" name="Picture 5"/>
+          <p:cNvPicPr>
+            <a:picLocks noChangeAspect="1" noChangeArrowheads="1"/>
+          </p:cNvPicPr>
+          <p:nvPr/>
+        </p:nvPicPr>
+        <p:blipFill>
+          <a:blip r:embed="rId7" cstate="print">
+            <a:extLst>
+              <a:ext uri="{28A0092B-C50C-407E-A947-70E740481C1C}">
+                <a14:useLocalDpi xmlns:a14="http://schemas.microsoft.com/office/drawing/2010/main" xmlns="" val="0"/>
+              </a:ext>
+            </a:extLst>
+          </a:blip>
+          <a:srcRect/>
+          <a:stretch>
+            <a:fillRect/>
+          </a:stretch>
+        </p:blipFill>
+        <p:spPr bwMode="auto">
+          <a:xfrm>
+            <a:off x="4894118" y="5562600"/>
+            <a:ext cx="1184564" cy="916108"/>
+          </a:xfrm>
+          <a:prstGeom prst="rect">
+            <a:avLst/>
+          </a:prstGeom>
+          <a:noFill/>
+          <a:ln>
+            <a:noFill/>
+          </a:ln>
+          <a:effectLst/>
+          <a:extLst>
+            <a:ext uri="{909E8E84-426E-40DD-AFC4-6F175D3DCCD1}">
+              <a14:hiddenFill xmlns:a14="http://schemas.microsoft.com/office/drawing/2010/main" xmlns="">
+                <a:solidFill>
+                  <a:schemeClr val="accent1"/>
+                </a:solidFill>
+              </a14:hiddenFill>
+            </a:ext>
+            <a:ext uri="{91240B29-F687-4F45-9708-019B960494DF}">
+              <a14:hiddenLine xmlns:a14="http://schemas.microsoft.com/office/drawing/2010/main" xmlns="" w="9525">
+                <a:solidFill>
+                  <a:schemeClr val="tx1"/>
+                </a:solidFill>
+                <a:miter lim="800000"/>
+                <a:headEnd/>
+                <a:tailEnd/>
+              </a14:hiddenLine>
+            </a:ext>
+            <a:ext uri="{AF507438-7753-43E0-B8FC-AC1667EBCBE1}">
+              <a14:hiddenEffects xmlns:a14="http://schemas.microsoft.com/office/drawing/2010/main" xmlns="">
+                <a:effectLst>
+                  <a:outerShdw dist="35921" dir="2700000" algn="ctr" rotWithShape="0">
+                    <a:schemeClr val="bg2"/>
+                  </a:outerShdw>
+                </a:effectLst>
+              </a14:hiddenEffects>
+            </a:ext>
+          </a:extLst>
+        </p:spPr>
+      </p:pic>
     </p:spTree>
     <p:extLst>
       <p:ext uri="{BB962C8B-B14F-4D97-AF65-F5344CB8AC3E}">
-        <p14:creationId xmlns:p14="http://schemas.microsoft.com/office/powerpoint/2010/main" val="93974313"/>
+        <p14:creationId xmlns:p14="http://schemas.microsoft.com/office/powerpoint/2010/main" xmlns="" val="3040059320"/>
       </p:ext>
     </p:extLst>
   </p:cSld>
   <p:clrMapOvr>
     <a:masterClrMapping/>
   </p:clrMapOvr>
-  <mc:AlternateContent xmlns:mc="http://schemas.openxmlformats.org/markup-compatibility/2006" xmlns:p14="http://schemas.microsoft.com/office/powerpoint/2010/main">
-    <mc:Choice Requires="p14">
+  <mc:AlternateContent xmlns:mc="http://schemas.openxmlformats.org/markup-compatibility/2006">
+    <mc:Choice xmlns:p14="http://schemas.microsoft.com/office/powerpoint/2010/main" xmlns="" Requires="p14">
       <p:transition spd="slow" p14:dur="2000"/>
     </mc:Choice>
-    <mc:Fallback xmlns="">
+    <mc:Fallback>
       <p:transition spd="slow"/>
     </mc:Fallback>
   </mc:AlternateContent>
@@ -8180,309 +7733,27 @@
           <a:p>
             <a:r>
               <a:rPr lang="en-US" dirty="0" smtClean="0"/>
-              <a:t>Correlation &amp; Dissemination</a:t>
+              <a:t>Technical Layout</a:t>
             </a:r>
             <a:endParaRPr lang="en-US" dirty="0"/>
           </a:p>
         </p:txBody>
       </p:sp>
-      <p:sp>
-        <p:nvSpPr>
-          <p:cNvPr id="3" name="Content Placeholder 2"/>
-          <p:cNvSpPr>
-            <a:spLocks noGrp="1"/>
-          </p:cNvSpPr>
-          <p:nvPr>
-            <p:ph sz="half" idx="2"/>
-          </p:nvPr>
-        </p:nvSpPr>
-        <p:spPr/>
-        <p:txBody>
-          <a:bodyPr/>
-          <a:lstStyle/>
-          <a:p>
-            <a:r>
-              <a:rPr lang="en-US" dirty="0"/>
-              <a:t>Outlier Removal</a:t>
-            </a:r>
-          </a:p>
-          <a:p>
-            <a:r>
-              <a:rPr lang="en-US" dirty="0"/>
-              <a:t>Final Character Selection</a:t>
-            </a:r>
-          </a:p>
-          <a:p>
-            <a:endParaRPr lang="en-US" dirty="0"/>
-          </a:p>
-        </p:txBody>
-      </p:sp>
-      <p:sp>
-        <p:nvSpPr>
-          <p:cNvPr id="4" name="Content Placeholder 3"/>
-          <p:cNvSpPr>
-            <a:spLocks noGrp="1"/>
-          </p:cNvSpPr>
-          <p:nvPr>
-            <p:ph sz="quarter" idx="13"/>
-          </p:nvPr>
-        </p:nvSpPr>
-        <p:spPr/>
-        <p:txBody>
-          <a:bodyPr/>
-          <a:lstStyle/>
-          <a:p>
-            <a:r>
-              <a:rPr lang="en-US" dirty="0" smtClean="0"/>
-              <a:t>Fast </a:t>
-            </a:r>
-            <a:r>
-              <a:rPr lang="en-US" dirty="0"/>
-              <a:t>Cross-Correlation Algorithm Implementation</a:t>
-            </a:r>
-          </a:p>
-          <a:p>
-            <a:r>
-              <a:rPr lang="en-US" dirty="0"/>
-              <a:t>Multiple Input</a:t>
-            </a:r>
-          </a:p>
-          <a:p>
-            <a:endParaRPr lang="en-US" dirty="0"/>
-          </a:p>
-        </p:txBody>
-      </p:sp>
-      <p:pic>
-        <p:nvPicPr>
-          <p:cNvPr id="5123" name="Picture 3"/>
-          <p:cNvPicPr>
-            <a:picLocks noChangeAspect="1" noChangeArrowheads="1"/>
-          </p:cNvPicPr>
-          <p:nvPr/>
-        </p:nvPicPr>
-        <p:blipFill>
-          <a:blip r:embed="rId2">
-            <a:extLst>
-              <a:ext uri="{28A0092B-C50C-407E-A947-70E740481C1C}">
-                <a14:useLocalDpi xmlns:a14="http://schemas.microsoft.com/office/drawing/2010/main" val="0"/>
-              </a:ext>
-            </a:extLst>
-          </a:blip>
-          <a:srcRect/>
-          <a:stretch>
-            <a:fillRect/>
-          </a:stretch>
-        </p:blipFill>
-        <p:spPr bwMode="auto">
-          <a:xfrm>
-            <a:off x="609600" y="3876675"/>
-            <a:ext cx="1980690" cy="1609725"/>
-          </a:xfrm>
-          <a:prstGeom prst="rect">
-            <a:avLst/>
-          </a:prstGeom>
-          <a:noFill/>
-          <a:ln>
-            <a:noFill/>
-          </a:ln>
-          <a:extLst>
-            <a:ext uri="{909E8E84-426E-40DD-AFC4-6F175D3DCCD1}">
-              <a14:hiddenFill xmlns:a14="http://schemas.microsoft.com/office/drawing/2010/main">
-                <a:solidFill>
-                  <a:schemeClr val="accent1"/>
-                </a:solidFill>
-              </a14:hiddenFill>
-            </a:ext>
-            <a:ext uri="{91240B29-F687-4F45-9708-019B960494DF}">
-              <a14:hiddenLine xmlns:a14="http://schemas.microsoft.com/office/drawing/2010/main" w="9525">
-                <a:solidFill>
-                  <a:schemeClr val="tx1"/>
-                </a:solidFill>
-                <a:miter lim="800000"/>
-                <a:headEnd/>
-                <a:tailEnd/>
-              </a14:hiddenLine>
-            </a:ext>
-          </a:extLst>
-        </p:spPr>
-      </p:pic>
-      <p:pic>
-        <p:nvPicPr>
-          <p:cNvPr id="5124" name="Picture 4"/>
-          <p:cNvPicPr>
-            <a:picLocks noChangeAspect="1" noChangeArrowheads="1"/>
-          </p:cNvPicPr>
-          <p:nvPr/>
-        </p:nvPicPr>
-        <p:blipFill>
-          <a:blip r:embed="rId3">
-            <a:extLst>
-              <a:ext uri="{28A0092B-C50C-407E-A947-70E740481C1C}">
-                <a14:useLocalDpi xmlns:a14="http://schemas.microsoft.com/office/drawing/2010/main" val="0"/>
-              </a:ext>
-            </a:extLst>
-          </a:blip>
-          <a:srcRect/>
-          <a:stretch>
-            <a:fillRect/>
-          </a:stretch>
-        </p:blipFill>
-        <p:spPr bwMode="auto">
-          <a:xfrm>
-            <a:off x="2971800" y="3886200"/>
-            <a:ext cx="1546411" cy="2219326"/>
-          </a:xfrm>
-          <a:prstGeom prst="rect">
-            <a:avLst/>
-          </a:prstGeom>
-          <a:noFill/>
-          <a:ln>
-            <a:noFill/>
-          </a:ln>
-          <a:extLst>
-            <a:ext uri="{909E8E84-426E-40DD-AFC4-6F175D3DCCD1}">
-              <a14:hiddenFill xmlns:a14="http://schemas.microsoft.com/office/drawing/2010/main">
-                <a:solidFill>
-                  <a:schemeClr val="accent1"/>
-                </a:solidFill>
-              </a14:hiddenFill>
-            </a:ext>
-            <a:ext uri="{91240B29-F687-4F45-9708-019B960494DF}">
-              <a14:hiddenLine xmlns:a14="http://schemas.microsoft.com/office/drawing/2010/main" w="9525">
-                <a:solidFill>
-                  <a:schemeClr val="tx1"/>
-                </a:solidFill>
-                <a:miter lim="800000"/>
-                <a:headEnd/>
-                <a:tailEnd/>
-              </a14:hiddenLine>
-            </a:ext>
-          </a:extLst>
-        </p:spPr>
-      </p:pic>
-      <p:pic>
-        <p:nvPicPr>
-          <p:cNvPr id="5125" name="Picture 5"/>
-          <p:cNvPicPr>
-            <a:picLocks noChangeAspect="1" noChangeArrowheads="1"/>
-          </p:cNvPicPr>
-          <p:nvPr/>
-        </p:nvPicPr>
-        <p:blipFill>
-          <a:blip r:embed="rId4">
-            <a:extLst>
-              <a:ext uri="{28A0092B-C50C-407E-A947-70E740481C1C}">
-                <a14:useLocalDpi xmlns:a14="http://schemas.microsoft.com/office/drawing/2010/main" val="0"/>
-              </a:ext>
-            </a:extLst>
-          </a:blip>
-          <a:srcRect/>
-          <a:stretch>
-            <a:fillRect/>
-          </a:stretch>
-        </p:blipFill>
-        <p:spPr bwMode="auto">
-          <a:xfrm>
-            <a:off x="6781800" y="3746601"/>
-            <a:ext cx="1659244" cy="2358925"/>
-          </a:xfrm>
-          <a:prstGeom prst="rect">
-            <a:avLst/>
-          </a:prstGeom>
-          <a:noFill/>
-          <a:ln>
-            <a:noFill/>
-          </a:ln>
-          <a:extLst>
-            <a:ext uri="{909E8E84-426E-40DD-AFC4-6F175D3DCCD1}">
-              <a14:hiddenFill xmlns:a14="http://schemas.microsoft.com/office/drawing/2010/main">
-                <a:solidFill>
-                  <a:schemeClr val="accent1"/>
-                </a:solidFill>
-              </a14:hiddenFill>
-            </a:ext>
-            <a:ext uri="{91240B29-F687-4F45-9708-019B960494DF}">
-              <a14:hiddenLine xmlns:a14="http://schemas.microsoft.com/office/drawing/2010/main" w="9525">
-                <a:solidFill>
-                  <a:schemeClr val="tx1"/>
-                </a:solidFill>
-                <a:miter lim="800000"/>
-                <a:headEnd/>
-                <a:tailEnd/>
-              </a14:hiddenLine>
-            </a:ext>
-          </a:extLst>
-        </p:spPr>
-      </p:pic>
-      <p:pic>
-        <p:nvPicPr>
-          <p:cNvPr id="5126" name="Picture 6"/>
-          <p:cNvPicPr>
-            <a:picLocks noChangeAspect="1" noChangeArrowheads="1"/>
-          </p:cNvPicPr>
-          <p:nvPr/>
-        </p:nvPicPr>
-        <p:blipFill>
-          <a:blip r:embed="rId5">
-            <a:extLst>
-              <a:ext uri="{28A0092B-C50C-407E-A947-70E740481C1C}">
-                <a14:useLocalDpi xmlns:a14="http://schemas.microsoft.com/office/drawing/2010/main" val="0"/>
-              </a:ext>
-            </a:extLst>
-          </a:blip>
-          <a:srcRect/>
-          <a:stretch>
-            <a:fillRect/>
-          </a:stretch>
-        </p:blipFill>
-        <p:spPr bwMode="auto">
-          <a:xfrm>
-            <a:off x="5029200" y="4081462"/>
-            <a:ext cx="1266825" cy="600075"/>
-          </a:xfrm>
-          <a:prstGeom prst="rect">
-            <a:avLst/>
-          </a:prstGeom>
-          <a:noFill/>
-          <a:ln>
-            <a:noFill/>
-          </a:ln>
-          <a:extLst>
-            <a:ext uri="{909E8E84-426E-40DD-AFC4-6F175D3DCCD1}">
-              <a14:hiddenFill xmlns:a14="http://schemas.microsoft.com/office/drawing/2010/main">
-                <a:solidFill>
-                  <a:schemeClr val="accent1"/>
-                </a:solidFill>
-              </a14:hiddenFill>
-            </a:ext>
-            <a:ext uri="{91240B29-F687-4F45-9708-019B960494DF}">
-              <a14:hiddenLine xmlns:a14="http://schemas.microsoft.com/office/drawing/2010/main" w="9525">
-                <a:solidFill>
-                  <a:schemeClr val="tx1"/>
-                </a:solidFill>
-                <a:miter lim="800000"/>
-                <a:headEnd/>
-                <a:tailEnd/>
-              </a14:hiddenLine>
-            </a:ext>
-          </a:extLst>
-        </p:spPr>
-      </p:pic>
     </p:spTree>
     <p:extLst>
       <p:ext uri="{BB962C8B-B14F-4D97-AF65-F5344CB8AC3E}">
-        <p14:creationId xmlns:p14="http://schemas.microsoft.com/office/powerpoint/2010/main" val="1656711655"/>
+        <p14:creationId xmlns:p14="http://schemas.microsoft.com/office/powerpoint/2010/main" xmlns="" val="2896325220"/>
       </p:ext>
     </p:extLst>
   </p:cSld>
   <p:clrMapOvr>
     <a:masterClrMapping/>
   </p:clrMapOvr>
-  <mc:AlternateContent xmlns:mc="http://schemas.openxmlformats.org/markup-compatibility/2006" xmlns:p14="http://schemas.microsoft.com/office/powerpoint/2010/main">
-    <mc:Choice Requires="p14">
+  <mc:AlternateContent xmlns:mc="http://schemas.openxmlformats.org/markup-compatibility/2006">
+    <mc:Choice xmlns:p14="http://schemas.microsoft.com/office/powerpoint/2010/main" xmlns="" Requires="p14">
       <p:transition spd="slow" p14:dur="2000"/>
     </mc:Choice>
-    <mc:Fallback xmlns="">
+    <mc:Fallback>
       <p:transition spd="slow"/>
     </mc:Fallback>
   </mc:AlternateContent>
@@ -8530,36 +7801,7 @@
           <a:p>
             <a:r>
               <a:rPr lang="en-US" dirty="0" smtClean="0"/>
-              <a:t>Extra: Learning Algorithm</a:t>
-            </a:r>
-            <a:endParaRPr lang="en-US" dirty="0"/>
-          </a:p>
-        </p:txBody>
-      </p:sp>
-      <p:sp>
-        <p:nvSpPr>
-          <p:cNvPr id="3" name="Content Placeholder 2"/>
-          <p:cNvSpPr>
-            <a:spLocks noGrp="1"/>
-          </p:cNvSpPr>
-          <p:nvPr>
-            <p:ph idx="1"/>
-          </p:nvPr>
-        </p:nvSpPr>
-        <p:spPr/>
-        <p:txBody>
-          <a:bodyPr/>
-          <a:lstStyle/>
-          <a:p>
-            <a:r>
-              <a:rPr lang="en-US" dirty="0" smtClean="0"/>
-              <a:t>Heuristic  Algorithm</a:t>
-            </a:r>
-          </a:p>
-          <a:p>
-            <a:r>
-              <a:rPr lang="en-US" dirty="0" smtClean="0"/>
-              <a:t>Iterative Based</a:t>
+              <a:t>Technical Layout Pt.1</a:t>
             </a:r>
             <a:endParaRPr lang="en-US" dirty="0"/>
           </a:p>
@@ -8567,17 +7809,17 @@
       </p:sp>
       <p:pic>
         <p:nvPicPr>
-          <p:cNvPr id="7172" name="Picture 4"/>
+          <p:cNvPr id="2052" name="Picture 4"/>
           <p:cNvPicPr>
             <a:picLocks noChangeAspect="1" noChangeArrowheads="1"/>
           </p:cNvPicPr>
           <p:nvPr/>
         </p:nvPicPr>
         <p:blipFill>
-          <a:blip r:embed="rId2">
+          <a:blip r:embed="rId2" cstate="print">
             <a:extLst>
               <a:ext uri="{28A0092B-C50C-407E-A947-70E740481C1C}">
-                <a14:useLocalDpi xmlns:a14="http://schemas.microsoft.com/office/drawing/2010/main" val="0"/>
+                <a14:useLocalDpi xmlns:a14="http://schemas.microsoft.com/office/drawing/2010/main" xmlns="" val="0"/>
               </a:ext>
             </a:extLst>
           </a:blip>
@@ -8588,8 +7830,8 @@
         </p:blipFill>
         <p:spPr bwMode="auto">
           <a:xfrm>
-            <a:off x="4495800" y="3019425"/>
-            <a:ext cx="2343150" cy="3162300"/>
+            <a:off x="228600" y="1687551"/>
+            <a:ext cx="8764126" cy="4600576"/>
           </a:xfrm>
           <a:prstGeom prst="rect">
             <a:avLst/>
@@ -8600,14 +7842,14 @@
           </a:ln>
           <a:extLst>
             <a:ext uri="{909E8E84-426E-40DD-AFC4-6F175D3DCCD1}">
-              <a14:hiddenFill xmlns:a14="http://schemas.microsoft.com/office/drawing/2010/main">
+              <a14:hiddenFill xmlns:a14="http://schemas.microsoft.com/office/drawing/2010/main" xmlns="">
                 <a:solidFill>
                   <a:schemeClr val="accent1"/>
                 </a:solidFill>
               </a14:hiddenFill>
             </a:ext>
             <a:ext uri="{91240B29-F687-4F45-9708-019B960494DF}">
-              <a14:hiddenLine xmlns:a14="http://schemas.microsoft.com/office/drawing/2010/main" w="9525">
+              <a14:hiddenLine xmlns:a14="http://schemas.microsoft.com/office/drawing/2010/main" xmlns="" w="9525">
                 <a:solidFill>
                   <a:schemeClr val="tx1"/>
                 </a:solidFill>
@@ -8619,19 +7861,304 @@
           </a:extLst>
         </p:spPr>
       </p:pic>
+      <p:sp>
+        <p:nvSpPr>
+          <p:cNvPr id="10" name="Right Arrow 9"/>
+          <p:cNvSpPr/>
+          <p:nvPr/>
+        </p:nvSpPr>
+        <p:spPr>
+          <a:xfrm>
+            <a:off x="3962400" y="2438400"/>
+            <a:ext cx="762000" cy="754990"/>
+          </a:xfrm>
+          <a:prstGeom prst="rightArrow">
+            <a:avLst/>
+          </a:prstGeom>
+        </p:spPr>
+        <p:style>
+          <a:lnRef idx="2">
+            <a:schemeClr val="accent1">
+              <a:shade val="50000"/>
+            </a:schemeClr>
+          </a:lnRef>
+          <a:fillRef idx="1">
+            <a:schemeClr val="accent1"/>
+          </a:fillRef>
+          <a:effectRef idx="0">
+            <a:schemeClr val="accent1"/>
+          </a:effectRef>
+          <a:fontRef idx="minor">
+            <a:schemeClr val="lt1"/>
+          </a:fontRef>
+        </p:style>
+        <p:txBody>
+          <a:bodyPr rtlCol="0" anchor="ctr"/>
+          <a:lstStyle/>
+          <a:p>
+            <a:pPr algn="ctr"/>
+            <a:endParaRPr lang="en-US"/>
+          </a:p>
+        </p:txBody>
+      </p:sp>
+      <p:sp>
+        <p:nvSpPr>
+          <p:cNvPr id="11" name="Right Arrow 10"/>
+          <p:cNvSpPr/>
+          <p:nvPr/>
+        </p:nvSpPr>
+        <p:spPr>
+          <a:xfrm>
+            <a:off x="2057400" y="2438400"/>
+            <a:ext cx="762000" cy="754990"/>
+          </a:xfrm>
+          <a:prstGeom prst="rightArrow">
+            <a:avLst/>
+          </a:prstGeom>
+        </p:spPr>
+        <p:style>
+          <a:lnRef idx="2">
+            <a:schemeClr val="accent1">
+              <a:shade val="50000"/>
+            </a:schemeClr>
+          </a:lnRef>
+          <a:fillRef idx="1">
+            <a:schemeClr val="accent1"/>
+          </a:fillRef>
+          <a:effectRef idx="0">
+            <a:schemeClr val="accent1"/>
+          </a:effectRef>
+          <a:fontRef idx="minor">
+            <a:schemeClr val="lt1"/>
+          </a:fontRef>
+        </p:style>
+        <p:txBody>
+          <a:bodyPr rtlCol="0" anchor="ctr"/>
+          <a:lstStyle/>
+          <a:p>
+            <a:pPr algn="ctr"/>
+            <a:endParaRPr lang="en-US"/>
+          </a:p>
+        </p:txBody>
+      </p:sp>
+      <p:sp>
+        <p:nvSpPr>
+          <p:cNvPr id="12" name="Right Arrow 11"/>
+          <p:cNvSpPr/>
+          <p:nvPr/>
+        </p:nvSpPr>
+        <p:spPr>
+          <a:xfrm>
+            <a:off x="7010400" y="2438400"/>
+            <a:ext cx="609600" cy="754990"/>
+          </a:xfrm>
+          <a:prstGeom prst="rightArrow">
+            <a:avLst/>
+          </a:prstGeom>
+        </p:spPr>
+        <p:style>
+          <a:lnRef idx="2">
+            <a:schemeClr val="accent1">
+              <a:shade val="50000"/>
+            </a:schemeClr>
+          </a:lnRef>
+          <a:fillRef idx="1">
+            <a:schemeClr val="accent1"/>
+          </a:fillRef>
+          <a:effectRef idx="0">
+            <a:schemeClr val="accent1"/>
+          </a:effectRef>
+          <a:fontRef idx="minor">
+            <a:schemeClr val="lt1"/>
+          </a:fontRef>
+        </p:style>
+        <p:txBody>
+          <a:bodyPr rtlCol="0" anchor="ctr"/>
+          <a:lstStyle/>
+          <a:p>
+            <a:pPr algn="ctr"/>
+            <a:endParaRPr lang="en-US"/>
+          </a:p>
+        </p:txBody>
+      </p:sp>
+      <p:sp>
+        <p:nvSpPr>
+          <p:cNvPr id="13" name="Right Arrow 12"/>
+          <p:cNvSpPr/>
+          <p:nvPr/>
+        </p:nvSpPr>
+        <p:spPr>
+          <a:xfrm>
+            <a:off x="1905000" y="4009610"/>
+            <a:ext cx="685800" cy="754990"/>
+          </a:xfrm>
+          <a:prstGeom prst="rightArrow">
+            <a:avLst/>
+          </a:prstGeom>
+        </p:spPr>
+        <p:style>
+          <a:lnRef idx="2">
+            <a:schemeClr val="accent1">
+              <a:shade val="50000"/>
+            </a:schemeClr>
+          </a:lnRef>
+          <a:fillRef idx="1">
+            <a:schemeClr val="accent1"/>
+          </a:fillRef>
+          <a:effectRef idx="0">
+            <a:schemeClr val="accent1"/>
+          </a:effectRef>
+          <a:fontRef idx="minor">
+            <a:schemeClr val="lt1"/>
+          </a:fontRef>
+        </p:style>
+        <p:txBody>
+          <a:bodyPr rtlCol="0" anchor="ctr"/>
+          <a:lstStyle/>
+          <a:p>
+            <a:pPr algn="ctr"/>
+            <a:endParaRPr lang="en-US"/>
+          </a:p>
+        </p:txBody>
+      </p:sp>
+      <p:sp>
+        <p:nvSpPr>
+          <p:cNvPr id="14" name="Right Arrow 13"/>
+          <p:cNvSpPr/>
+          <p:nvPr/>
+        </p:nvSpPr>
+        <p:spPr>
+          <a:xfrm>
+            <a:off x="4267763" y="4009610"/>
+            <a:ext cx="685800" cy="754990"/>
+          </a:xfrm>
+          <a:prstGeom prst="rightArrow">
+            <a:avLst/>
+          </a:prstGeom>
+        </p:spPr>
+        <p:style>
+          <a:lnRef idx="2">
+            <a:schemeClr val="accent1">
+              <a:shade val="50000"/>
+            </a:schemeClr>
+          </a:lnRef>
+          <a:fillRef idx="1">
+            <a:schemeClr val="accent1"/>
+          </a:fillRef>
+          <a:effectRef idx="0">
+            <a:schemeClr val="accent1"/>
+          </a:effectRef>
+          <a:fontRef idx="minor">
+            <a:schemeClr val="lt1"/>
+          </a:fontRef>
+        </p:style>
+        <p:txBody>
+          <a:bodyPr rtlCol="0" anchor="ctr"/>
+          <a:lstStyle/>
+          <a:p>
+            <a:pPr algn="ctr"/>
+            <a:endParaRPr lang="en-US"/>
+          </a:p>
+        </p:txBody>
+      </p:sp>
+      <p:sp>
+        <p:nvSpPr>
+          <p:cNvPr id="15" name="Right Arrow 14"/>
+          <p:cNvSpPr/>
+          <p:nvPr/>
+        </p:nvSpPr>
+        <p:spPr>
+          <a:xfrm>
+            <a:off x="6629400" y="4038185"/>
+            <a:ext cx="685800" cy="754990"/>
+          </a:xfrm>
+          <a:prstGeom prst="rightArrow">
+            <a:avLst/>
+          </a:prstGeom>
+        </p:spPr>
+        <p:style>
+          <a:lnRef idx="2">
+            <a:schemeClr val="accent1">
+              <a:shade val="50000"/>
+            </a:schemeClr>
+          </a:lnRef>
+          <a:fillRef idx="1">
+            <a:schemeClr val="accent1"/>
+          </a:fillRef>
+          <a:effectRef idx="0">
+            <a:schemeClr val="accent1"/>
+          </a:effectRef>
+          <a:fontRef idx="minor">
+            <a:schemeClr val="lt1"/>
+          </a:fontRef>
+        </p:style>
+        <p:txBody>
+          <a:bodyPr rtlCol="0" anchor="ctr"/>
+          <a:lstStyle/>
+          <a:p>
+            <a:pPr algn="ctr"/>
+            <a:endParaRPr lang="en-US"/>
+          </a:p>
+        </p:txBody>
+      </p:sp>
+    </p:spTree>
+    <p:extLst>
+      <p:ext uri="{BB962C8B-B14F-4D97-AF65-F5344CB8AC3E}">
+        <p14:creationId xmlns:p14="http://schemas.microsoft.com/office/powerpoint/2010/main" xmlns="" val="1283191067"/>
+      </p:ext>
+    </p:extLst>
+  </p:cSld>
+  <p:clrMapOvr>
+    <a:masterClrMapping/>
+  </p:clrMapOvr>
+  <mc:AlternateContent xmlns:mc="http://schemas.openxmlformats.org/markup-compatibility/2006">
+    <mc:Choice xmlns:p14="http://schemas.microsoft.com/office/powerpoint/2010/main" xmlns="" Requires="p14">
+      <p:transition spd="slow" p14:dur="2000"/>
+    </mc:Choice>
+    <mc:Fallback>
+      <p:transition spd="slow"/>
+    </mc:Fallback>
+  </mc:AlternateContent>
+  <p:timing>
+    <p:tnLst>
+      <p:par>
+        <p:cTn id="1" dur="indefinite" restart="never" nodeType="tmRoot"/>
+      </p:par>
+    </p:tnLst>
+  </p:timing>
+</p:sld>
+</file>
+
+<file path=ppt/slides/slide28.xml><?xml version="1.0" encoding="utf-8"?>
+<p:sld xmlns:a="http://schemas.openxmlformats.org/drawingml/2006/main" xmlns:r="http://schemas.openxmlformats.org/officeDocument/2006/relationships" xmlns:p="http://schemas.openxmlformats.org/presentationml/2006/main">
+  <p:cSld>
+    <p:spTree>
+      <p:nvGrpSpPr>
+        <p:cNvPr id="1" name=""/>
+        <p:cNvGrpSpPr/>
+        <p:nvPr/>
+      </p:nvGrpSpPr>
+      <p:grpSpPr>
+        <a:xfrm>
+          <a:off x="0" y="0"/>
+          <a:ext cx="0" cy="0"/>
+          <a:chOff x="0" y="0"/>
+          <a:chExt cx="0" cy="0"/>
+        </a:xfrm>
+      </p:grpSpPr>
       <p:pic>
         <p:nvPicPr>
-          <p:cNvPr id="7173" name="Picture 5"/>
+          <p:cNvPr id="1028" name="Picture 4"/>
           <p:cNvPicPr>
             <a:picLocks noChangeAspect="1" noChangeArrowheads="1"/>
           </p:cNvPicPr>
           <p:nvPr/>
         </p:nvPicPr>
         <p:blipFill>
-          <a:blip r:embed="rId3">
+          <a:blip r:embed="rId2" cstate="print">
             <a:extLst>
               <a:ext uri="{28A0092B-C50C-407E-A947-70E740481C1C}">
-                <a14:useLocalDpi xmlns:a14="http://schemas.microsoft.com/office/drawing/2010/main" val="0"/>
+                <a14:useLocalDpi xmlns:a14="http://schemas.microsoft.com/office/drawing/2010/main" xmlns="" val="0"/>
               </a:ext>
             </a:extLst>
           </a:blip>
@@ -8642,8 +8169,8 @@
         </p:blipFill>
         <p:spPr bwMode="auto">
           <a:xfrm>
-            <a:off x="1219200" y="2905125"/>
-            <a:ext cx="2514600" cy="3276600"/>
+            <a:off x="570346" y="1677710"/>
+            <a:ext cx="8001001" cy="4420254"/>
           </a:xfrm>
           <a:prstGeom prst="rect">
             <a:avLst/>
@@ -8654,14 +8181,14 @@
           </a:ln>
           <a:extLst>
             <a:ext uri="{909E8E84-426E-40DD-AFC4-6F175D3DCCD1}">
-              <a14:hiddenFill xmlns:a14="http://schemas.microsoft.com/office/drawing/2010/main">
+              <a14:hiddenFill xmlns:a14="http://schemas.microsoft.com/office/drawing/2010/main" xmlns="">
                 <a:solidFill>
                   <a:schemeClr val="accent1"/>
                 </a:solidFill>
               </a14:hiddenFill>
             </a:ext>
             <a:ext uri="{91240B29-F687-4F45-9708-019B960494DF}">
-              <a14:hiddenLine xmlns:a14="http://schemas.microsoft.com/office/drawing/2010/main" w="9525">
+              <a14:hiddenLine xmlns:a14="http://schemas.microsoft.com/office/drawing/2010/main" xmlns="" w="9525">
                 <a:solidFill>
                   <a:schemeClr val="tx1"/>
                 </a:solidFill>
@@ -8673,21 +8200,628 @@
           </a:extLst>
         </p:spPr>
       </p:pic>
+      <p:sp>
+        <p:nvSpPr>
+          <p:cNvPr id="2" name="Title 1"/>
+          <p:cNvSpPr>
+            <a:spLocks noGrp="1"/>
+          </p:cNvSpPr>
+          <p:nvPr>
+            <p:ph type="title"/>
+          </p:nvPr>
+        </p:nvSpPr>
+        <p:spPr/>
+        <p:txBody>
+          <a:bodyPr/>
+          <a:lstStyle/>
+          <a:p>
+            <a:r>
+              <a:rPr lang="en-US" dirty="0"/>
+              <a:t>Technical Layout </a:t>
+            </a:r>
+            <a:r>
+              <a:rPr lang="en-US" dirty="0" smtClean="0"/>
+              <a:t>Pt.2</a:t>
+            </a:r>
+            <a:endParaRPr lang="en-US" dirty="0"/>
+          </a:p>
+        </p:txBody>
+      </p:sp>
+      <p:sp>
+        <p:nvSpPr>
+          <p:cNvPr id="6" name="Rounded Rectangle 5"/>
+          <p:cNvSpPr/>
+          <p:nvPr/>
+        </p:nvSpPr>
+        <p:spPr>
+          <a:xfrm>
+            <a:off x="533401" y="1600200"/>
+            <a:ext cx="1685924" cy="4495800"/>
+          </a:xfrm>
+          <a:prstGeom prst="roundRect">
+            <a:avLst/>
+          </a:prstGeom>
+          <a:noFill/>
+          <a:ln>
+            <a:solidFill>
+              <a:srgbClr val="FFC000"/>
+            </a:solidFill>
+          </a:ln>
+        </p:spPr>
+        <p:style>
+          <a:lnRef idx="2">
+            <a:schemeClr val="accent1">
+              <a:shade val="50000"/>
+            </a:schemeClr>
+          </a:lnRef>
+          <a:fillRef idx="1">
+            <a:schemeClr val="accent1"/>
+          </a:fillRef>
+          <a:effectRef idx="0">
+            <a:schemeClr val="accent1"/>
+          </a:effectRef>
+          <a:fontRef idx="minor">
+            <a:schemeClr val="lt1"/>
+          </a:fontRef>
+        </p:style>
+        <p:txBody>
+          <a:bodyPr rtlCol="0" anchor="ctr"/>
+          <a:lstStyle/>
+          <a:p>
+            <a:pPr algn="ctr"/>
+            <a:endParaRPr lang="en-US"/>
+          </a:p>
+        </p:txBody>
+      </p:sp>
     </p:spTree>
     <p:extLst>
       <p:ext uri="{BB962C8B-B14F-4D97-AF65-F5344CB8AC3E}">
-        <p14:creationId xmlns:p14="http://schemas.microsoft.com/office/powerpoint/2010/main" val="1487930894"/>
+        <p14:creationId xmlns:p14="http://schemas.microsoft.com/office/powerpoint/2010/main" xmlns="" val="1189453568"/>
       </p:ext>
     </p:extLst>
   </p:cSld>
   <p:clrMapOvr>
     <a:masterClrMapping/>
   </p:clrMapOvr>
-  <mc:AlternateContent xmlns:mc="http://schemas.openxmlformats.org/markup-compatibility/2006" xmlns:p14="http://schemas.microsoft.com/office/powerpoint/2010/main">
-    <mc:Choice Requires="p14">
+  <mc:AlternateContent xmlns:mc="http://schemas.openxmlformats.org/markup-compatibility/2006">
+    <mc:Choice xmlns:p14="http://schemas.microsoft.com/office/powerpoint/2010/main" xmlns="" Requires="p14">
       <p:transition spd="slow" p14:dur="2000"/>
     </mc:Choice>
-    <mc:Fallback xmlns="">
+    <mc:Fallback>
+      <p:transition spd="slow"/>
+    </mc:Fallback>
+  </mc:AlternateContent>
+  <p:timing>
+    <p:tnLst>
+      <p:par>
+        <p:cTn id="1" dur="indefinite" restart="never" nodeType="tmRoot"/>
+      </p:par>
+    </p:tnLst>
+  </p:timing>
+</p:sld>
+</file>
+
+<file path=ppt/slides/slide29.xml><?xml version="1.0" encoding="utf-8"?>
+<p:sld xmlns:a="http://schemas.openxmlformats.org/drawingml/2006/main" xmlns:r="http://schemas.openxmlformats.org/officeDocument/2006/relationships" xmlns:p="http://schemas.openxmlformats.org/presentationml/2006/main">
+  <p:cSld>
+    <p:spTree>
+      <p:nvGrpSpPr>
+        <p:cNvPr id="1" name=""/>
+        <p:cNvGrpSpPr/>
+        <p:nvPr/>
+      </p:nvGrpSpPr>
+      <p:grpSpPr>
+        <a:xfrm>
+          <a:off x="0" y="0"/>
+          <a:ext cx="0" cy="0"/>
+          <a:chOff x="0" y="0"/>
+          <a:chExt cx="0" cy="0"/>
+        </a:xfrm>
+      </p:grpSpPr>
+      <p:sp>
+        <p:nvSpPr>
+          <p:cNvPr id="2" name="Title 1"/>
+          <p:cNvSpPr>
+            <a:spLocks noGrp="1"/>
+          </p:cNvSpPr>
+          <p:nvPr>
+            <p:ph type="title"/>
+          </p:nvPr>
+        </p:nvSpPr>
+        <p:spPr/>
+        <p:txBody>
+          <a:bodyPr/>
+          <a:lstStyle/>
+          <a:p>
+            <a:r>
+              <a:rPr lang="en-US" dirty="0" smtClean="0"/>
+              <a:t>Technical Layout Extended Pt.3/4</a:t>
+            </a:r>
+            <a:endParaRPr lang="en-US" dirty="0"/>
+          </a:p>
+        </p:txBody>
+      </p:sp>
+      <p:pic>
+        <p:nvPicPr>
+          <p:cNvPr id="3074" name="Picture 2"/>
+          <p:cNvPicPr>
+            <a:picLocks noChangeAspect="1" noChangeArrowheads="1"/>
+          </p:cNvPicPr>
+          <p:nvPr/>
+        </p:nvPicPr>
+        <p:blipFill>
+          <a:blip r:embed="rId2" cstate="print">
+            <a:extLst>
+              <a:ext uri="{28A0092B-C50C-407E-A947-70E740481C1C}">
+                <a14:useLocalDpi xmlns:a14="http://schemas.microsoft.com/office/drawing/2010/main" xmlns="" val="0"/>
+              </a:ext>
+            </a:extLst>
+          </a:blip>
+          <a:srcRect/>
+          <a:stretch>
+            <a:fillRect/>
+          </a:stretch>
+        </p:blipFill>
+        <p:spPr bwMode="auto">
+          <a:xfrm>
+            <a:off x="104775" y="1904999"/>
+            <a:ext cx="8886825" cy="4369405"/>
+          </a:xfrm>
+          <a:prstGeom prst="rect">
+            <a:avLst/>
+          </a:prstGeom>
+          <a:noFill/>
+          <a:ln>
+            <a:noFill/>
+          </a:ln>
+          <a:extLst>
+            <a:ext uri="{909E8E84-426E-40DD-AFC4-6F175D3DCCD1}">
+              <a14:hiddenFill xmlns:a14="http://schemas.microsoft.com/office/drawing/2010/main" xmlns="">
+                <a:solidFill>
+                  <a:schemeClr val="accent1"/>
+                </a:solidFill>
+              </a14:hiddenFill>
+            </a:ext>
+            <a:ext uri="{91240B29-F687-4F45-9708-019B960494DF}">
+              <a14:hiddenLine xmlns:a14="http://schemas.microsoft.com/office/drawing/2010/main" xmlns="" w="9525">
+                <a:solidFill>
+                  <a:schemeClr val="tx1"/>
+                </a:solidFill>
+                <a:miter lim="800000"/>
+                <a:headEnd/>
+                <a:tailEnd/>
+              </a14:hiddenLine>
+            </a:ext>
+          </a:extLst>
+        </p:spPr>
+      </p:pic>
+      <p:sp>
+        <p:nvSpPr>
+          <p:cNvPr id="5" name="Right Arrow 4"/>
+          <p:cNvSpPr/>
+          <p:nvPr/>
+        </p:nvSpPr>
+        <p:spPr>
+          <a:xfrm>
+            <a:off x="1524000" y="4419600"/>
+            <a:ext cx="381000" cy="421200"/>
+          </a:xfrm>
+          <a:prstGeom prst="rightArrow">
+            <a:avLst/>
+          </a:prstGeom>
+        </p:spPr>
+        <p:style>
+          <a:lnRef idx="2">
+            <a:schemeClr val="accent1">
+              <a:shade val="50000"/>
+            </a:schemeClr>
+          </a:lnRef>
+          <a:fillRef idx="1">
+            <a:schemeClr val="accent1"/>
+          </a:fillRef>
+          <a:effectRef idx="0">
+            <a:schemeClr val="accent1"/>
+          </a:effectRef>
+          <a:fontRef idx="minor">
+            <a:schemeClr val="lt1"/>
+          </a:fontRef>
+        </p:style>
+        <p:txBody>
+          <a:bodyPr rtlCol="0" anchor="ctr"/>
+          <a:lstStyle/>
+          <a:p>
+            <a:pPr algn="ctr"/>
+            <a:endParaRPr lang="en-US"/>
+          </a:p>
+        </p:txBody>
+      </p:sp>
+      <p:sp>
+        <p:nvSpPr>
+          <p:cNvPr id="6" name="Right Arrow 5"/>
+          <p:cNvSpPr/>
+          <p:nvPr/>
+        </p:nvSpPr>
+        <p:spPr>
+          <a:xfrm>
+            <a:off x="3276600" y="4402650"/>
+            <a:ext cx="609600" cy="421200"/>
+          </a:xfrm>
+          <a:prstGeom prst="rightArrow">
+            <a:avLst/>
+          </a:prstGeom>
+        </p:spPr>
+        <p:style>
+          <a:lnRef idx="2">
+            <a:schemeClr val="accent1">
+              <a:shade val="50000"/>
+            </a:schemeClr>
+          </a:lnRef>
+          <a:fillRef idx="1">
+            <a:schemeClr val="accent1"/>
+          </a:fillRef>
+          <a:effectRef idx="0">
+            <a:schemeClr val="accent1"/>
+          </a:effectRef>
+          <a:fontRef idx="minor">
+            <a:schemeClr val="lt1"/>
+          </a:fontRef>
+        </p:style>
+        <p:txBody>
+          <a:bodyPr rtlCol="0" anchor="ctr"/>
+          <a:lstStyle/>
+          <a:p>
+            <a:pPr algn="ctr"/>
+            <a:endParaRPr lang="en-US"/>
+          </a:p>
+        </p:txBody>
+      </p:sp>
+      <p:sp>
+        <p:nvSpPr>
+          <p:cNvPr id="7" name="Right Arrow 6"/>
+          <p:cNvSpPr/>
+          <p:nvPr/>
+        </p:nvSpPr>
+        <p:spPr>
+          <a:xfrm>
+            <a:off x="5257800" y="4402650"/>
+            <a:ext cx="533400" cy="421200"/>
+          </a:xfrm>
+          <a:prstGeom prst="rightArrow">
+            <a:avLst/>
+          </a:prstGeom>
+        </p:spPr>
+        <p:style>
+          <a:lnRef idx="2">
+            <a:schemeClr val="accent1">
+              <a:shade val="50000"/>
+            </a:schemeClr>
+          </a:lnRef>
+          <a:fillRef idx="1">
+            <a:schemeClr val="accent1"/>
+          </a:fillRef>
+          <a:effectRef idx="0">
+            <a:schemeClr val="accent1"/>
+          </a:effectRef>
+          <a:fontRef idx="minor">
+            <a:schemeClr val="lt1"/>
+          </a:fontRef>
+        </p:style>
+        <p:txBody>
+          <a:bodyPr rtlCol="0" anchor="ctr"/>
+          <a:lstStyle/>
+          <a:p>
+            <a:pPr algn="ctr"/>
+            <a:endParaRPr lang="en-US"/>
+          </a:p>
+        </p:txBody>
+      </p:sp>
+      <p:sp>
+        <p:nvSpPr>
+          <p:cNvPr id="8" name="Right Arrow 7"/>
+          <p:cNvSpPr/>
+          <p:nvPr/>
+        </p:nvSpPr>
+        <p:spPr>
+          <a:xfrm>
+            <a:off x="7162802" y="4214288"/>
+            <a:ext cx="380997" cy="376724"/>
+          </a:xfrm>
+          <a:prstGeom prst="rightArrow">
+            <a:avLst/>
+          </a:prstGeom>
+        </p:spPr>
+        <p:style>
+          <a:lnRef idx="2">
+            <a:schemeClr val="accent1">
+              <a:shade val="50000"/>
+            </a:schemeClr>
+          </a:lnRef>
+          <a:fillRef idx="1">
+            <a:schemeClr val="accent1"/>
+          </a:fillRef>
+          <a:effectRef idx="0">
+            <a:schemeClr val="accent1"/>
+          </a:effectRef>
+          <a:fontRef idx="minor">
+            <a:schemeClr val="lt1"/>
+          </a:fontRef>
+        </p:style>
+        <p:txBody>
+          <a:bodyPr rtlCol="0" anchor="ctr"/>
+          <a:lstStyle/>
+          <a:p>
+            <a:pPr algn="ctr"/>
+            <a:endParaRPr lang="en-US"/>
+          </a:p>
+        </p:txBody>
+      </p:sp>
+      <p:sp>
+        <p:nvSpPr>
+          <p:cNvPr id="9" name="Right Arrow 8"/>
+          <p:cNvSpPr/>
+          <p:nvPr/>
+        </p:nvSpPr>
+        <p:spPr>
+          <a:xfrm rot="10800000">
+            <a:off x="7162800" y="4726463"/>
+            <a:ext cx="380997" cy="376724"/>
+          </a:xfrm>
+          <a:prstGeom prst="rightArrow">
+            <a:avLst/>
+          </a:prstGeom>
+        </p:spPr>
+        <p:style>
+          <a:lnRef idx="2">
+            <a:schemeClr val="accent1">
+              <a:shade val="50000"/>
+            </a:schemeClr>
+          </a:lnRef>
+          <a:fillRef idx="1">
+            <a:schemeClr val="accent1"/>
+          </a:fillRef>
+          <a:effectRef idx="0">
+            <a:schemeClr val="accent1"/>
+          </a:effectRef>
+          <a:fontRef idx="minor">
+            <a:schemeClr val="lt1"/>
+          </a:fontRef>
+        </p:style>
+        <p:txBody>
+          <a:bodyPr rtlCol="0" anchor="ctr"/>
+          <a:lstStyle/>
+          <a:p>
+            <a:pPr algn="ctr"/>
+            <a:endParaRPr lang="en-US"/>
+          </a:p>
+        </p:txBody>
+      </p:sp>
+      <p:sp>
+        <p:nvSpPr>
+          <p:cNvPr id="10" name="Right Arrow 9"/>
+          <p:cNvSpPr/>
+          <p:nvPr/>
+        </p:nvSpPr>
+        <p:spPr>
+          <a:xfrm>
+            <a:off x="1600200" y="2895600"/>
+            <a:ext cx="381000" cy="421200"/>
+          </a:xfrm>
+          <a:prstGeom prst="rightArrow">
+            <a:avLst/>
+          </a:prstGeom>
+        </p:spPr>
+        <p:style>
+          <a:lnRef idx="2">
+            <a:schemeClr val="accent1">
+              <a:shade val="50000"/>
+            </a:schemeClr>
+          </a:lnRef>
+          <a:fillRef idx="1">
+            <a:schemeClr val="accent1"/>
+          </a:fillRef>
+          <a:effectRef idx="0">
+            <a:schemeClr val="accent1"/>
+          </a:effectRef>
+          <a:fontRef idx="minor">
+            <a:schemeClr val="lt1"/>
+          </a:fontRef>
+        </p:style>
+        <p:txBody>
+          <a:bodyPr rtlCol="0" anchor="ctr"/>
+          <a:lstStyle/>
+          <a:p>
+            <a:pPr algn="ctr"/>
+            <a:endParaRPr lang="en-US"/>
+          </a:p>
+        </p:txBody>
+      </p:sp>
+      <p:sp>
+        <p:nvSpPr>
+          <p:cNvPr id="11" name="Right Arrow 10"/>
+          <p:cNvSpPr/>
+          <p:nvPr/>
+        </p:nvSpPr>
+        <p:spPr>
+          <a:xfrm>
+            <a:off x="2971800" y="2895600"/>
+            <a:ext cx="609600" cy="421200"/>
+          </a:xfrm>
+          <a:prstGeom prst="rightArrow">
+            <a:avLst/>
+          </a:prstGeom>
+        </p:spPr>
+        <p:style>
+          <a:lnRef idx="2">
+            <a:schemeClr val="accent1">
+              <a:shade val="50000"/>
+            </a:schemeClr>
+          </a:lnRef>
+          <a:fillRef idx="1">
+            <a:schemeClr val="accent1"/>
+          </a:fillRef>
+          <a:effectRef idx="0">
+            <a:schemeClr val="accent1"/>
+          </a:effectRef>
+          <a:fontRef idx="minor">
+            <a:schemeClr val="lt1"/>
+          </a:fontRef>
+        </p:style>
+        <p:txBody>
+          <a:bodyPr rtlCol="0" anchor="ctr"/>
+          <a:lstStyle/>
+          <a:p>
+            <a:pPr algn="ctr"/>
+            <a:endParaRPr lang="en-US"/>
+          </a:p>
+        </p:txBody>
+      </p:sp>
+      <p:sp>
+        <p:nvSpPr>
+          <p:cNvPr id="12" name="Right Arrow 11"/>
+          <p:cNvSpPr/>
+          <p:nvPr/>
+        </p:nvSpPr>
+        <p:spPr>
+          <a:xfrm>
+            <a:off x="5562600" y="2895600"/>
+            <a:ext cx="495300" cy="421200"/>
+          </a:xfrm>
+          <a:prstGeom prst="rightArrow">
+            <a:avLst/>
+          </a:prstGeom>
+        </p:spPr>
+        <p:style>
+          <a:lnRef idx="2">
+            <a:schemeClr val="accent1">
+              <a:shade val="50000"/>
+            </a:schemeClr>
+          </a:lnRef>
+          <a:fillRef idx="1">
+            <a:schemeClr val="accent1"/>
+          </a:fillRef>
+          <a:effectRef idx="0">
+            <a:schemeClr val="accent1"/>
+          </a:effectRef>
+          <a:fontRef idx="minor">
+            <a:schemeClr val="lt1"/>
+          </a:fontRef>
+        </p:style>
+        <p:txBody>
+          <a:bodyPr rtlCol="0" anchor="ctr"/>
+          <a:lstStyle/>
+          <a:p>
+            <a:pPr algn="ctr"/>
+            <a:endParaRPr lang="en-US"/>
+          </a:p>
+        </p:txBody>
+      </p:sp>
+      <p:sp>
+        <p:nvSpPr>
+          <p:cNvPr id="4" name="Rounded Rectangle 3"/>
+          <p:cNvSpPr/>
+          <p:nvPr/>
+        </p:nvSpPr>
+        <p:spPr>
+          <a:xfrm>
+            <a:off x="66675" y="1904999"/>
+            <a:ext cx="1609725" cy="4369405"/>
+          </a:xfrm>
+          <a:prstGeom prst="roundRect">
+            <a:avLst/>
+          </a:prstGeom>
+          <a:noFill/>
+          <a:ln>
+            <a:solidFill>
+              <a:srgbClr val="FFC000"/>
+            </a:solidFill>
+          </a:ln>
+        </p:spPr>
+        <p:style>
+          <a:lnRef idx="2">
+            <a:schemeClr val="accent1">
+              <a:shade val="50000"/>
+            </a:schemeClr>
+          </a:lnRef>
+          <a:fillRef idx="1">
+            <a:schemeClr val="accent1"/>
+          </a:fillRef>
+          <a:effectRef idx="0">
+            <a:schemeClr val="accent1"/>
+          </a:effectRef>
+          <a:fontRef idx="minor">
+            <a:schemeClr val="lt1"/>
+          </a:fontRef>
+        </p:style>
+        <p:txBody>
+          <a:bodyPr rtlCol="0" anchor="ctr"/>
+          <a:lstStyle/>
+          <a:p>
+            <a:pPr algn="ctr"/>
+            <a:endParaRPr lang="en-US"/>
+          </a:p>
+        </p:txBody>
+      </p:sp>
+      <p:sp>
+        <p:nvSpPr>
+          <p:cNvPr id="16" name="Rounded Rectangle 15"/>
+          <p:cNvSpPr/>
+          <p:nvPr/>
+        </p:nvSpPr>
+        <p:spPr>
+          <a:xfrm>
+            <a:off x="7353298" y="1752600"/>
+            <a:ext cx="1638302" cy="4521804"/>
+          </a:xfrm>
+          <a:prstGeom prst="roundRect">
+            <a:avLst/>
+          </a:prstGeom>
+          <a:noFill/>
+          <a:ln>
+            <a:solidFill>
+              <a:srgbClr val="FFC000"/>
+            </a:solidFill>
+          </a:ln>
+        </p:spPr>
+        <p:style>
+          <a:lnRef idx="2">
+            <a:schemeClr val="accent1">
+              <a:shade val="50000"/>
+            </a:schemeClr>
+          </a:lnRef>
+          <a:fillRef idx="1">
+            <a:schemeClr val="accent1"/>
+          </a:fillRef>
+          <a:effectRef idx="0">
+            <a:schemeClr val="accent1"/>
+          </a:effectRef>
+          <a:fontRef idx="minor">
+            <a:schemeClr val="lt1"/>
+          </a:fontRef>
+        </p:style>
+        <p:txBody>
+          <a:bodyPr rtlCol="0" anchor="ctr"/>
+          <a:lstStyle/>
+          <a:p>
+            <a:pPr algn="ctr"/>
+            <a:endParaRPr lang="en-US"/>
+          </a:p>
+        </p:txBody>
+      </p:sp>
+    </p:spTree>
+    <p:extLst>
+      <p:ext uri="{BB962C8B-B14F-4D97-AF65-F5344CB8AC3E}">
+        <p14:creationId xmlns:p14="http://schemas.microsoft.com/office/powerpoint/2010/main" xmlns="" val="3313528818"/>
+      </p:ext>
+    </p:extLst>
+  </p:cSld>
+  <p:clrMapOvr>
+    <a:masterClrMapping/>
+  </p:clrMapOvr>
+  <mc:AlternateContent xmlns:mc="http://schemas.openxmlformats.org/markup-compatibility/2006">
+    <mc:Choice xmlns:p14="http://schemas.microsoft.com/office/powerpoint/2010/main" xmlns="" Requires="p14">
+      <p:transition spd="slow" p14:dur="2000"/>
+    </mc:Choice>
+    <mc:Fallback>
       <p:transition spd="slow"/>
     </mc:Fallback>
   </mc:AlternateContent>
@@ -8744,18 +8878,879 @@
     </p:spTree>
     <p:extLst>
       <p:ext uri="{BB962C8B-B14F-4D97-AF65-F5344CB8AC3E}">
-        <p14:creationId xmlns:p14="http://schemas.microsoft.com/office/powerpoint/2010/main" val="1326382218"/>
+        <p14:creationId xmlns:p14="http://schemas.microsoft.com/office/powerpoint/2010/main" xmlns="" val="1326382218"/>
       </p:ext>
     </p:extLst>
   </p:cSld>
   <p:clrMapOvr>
     <a:masterClrMapping/>
   </p:clrMapOvr>
-  <mc:AlternateContent xmlns:mc="http://schemas.openxmlformats.org/markup-compatibility/2006" xmlns:p14="http://schemas.microsoft.com/office/powerpoint/2010/main">
-    <mc:Choice Requires="p14">
+  <mc:AlternateContent xmlns:mc="http://schemas.openxmlformats.org/markup-compatibility/2006">
+    <mc:Choice xmlns:p14="http://schemas.microsoft.com/office/powerpoint/2010/main" xmlns="" Requires="p14">
       <p:transition spd="slow" p14:dur="2000"/>
     </mc:Choice>
-    <mc:Fallback xmlns="">
+    <mc:Fallback>
+      <p:transition spd="slow"/>
+    </mc:Fallback>
+  </mc:AlternateContent>
+  <p:timing>
+    <p:tnLst>
+      <p:par>
+        <p:cTn id="1" dur="indefinite" restart="never" nodeType="tmRoot"/>
+      </p:par>
+    </p:tnLst>
+  </p:timing>
+</p:sld>
+</file>
+
+<file path=ppt/slides/slide30.xml><?xml version="1.0" encoding="utf-8"?>
+<p:sld xmlns:a="http://schemas.openxmlformats.org/drawingml/2006/main" xmlns:r="http://schemas.openxmlformats.org/officeDocument/2006/relationships" xmlns:p="http://schemas.openxmlformats.org/presentationml/2006/main">
+  <p:cSld>
+    <p:spTree>
+      <p:nvGrpSpPr>
+        <p:cNvPr id="1" name=""/>
+        <p:cNvGrpSpPr/>
+        <p:nvPr/>
+      </p:nvGrpSpPr>
+      <p:grpSpPr>
+        <a:xfrm>
+          <a:off x="0" y="0"/>
+          <a:ext cx="0" cy="0"/>
+          <a:chOff x="0" y="0"/>
+          <a:chExt cx="0" cy="0"/>
+        </a:xfrm>
+      </p:grpSpPr>
+      <p:sp>
+        <p:nvSpPr>
+          <p:cNvPr id="2" name="Title 1"/>
+          <p:cNvSpPr>
+            <a:spLocks noGrp="1"/>
+          </p:cNvSpPr>
+          <p:nvPr>
+            <p:ph type="ctrTitle"/>
+          </p:nvPr>
+        </p:nvSpPr>
+        <p:spPr>
+          <a:xfrm>
+            <a:off x="685800" y="609601"/>
+            <a:ext cx="7772400" cy="2971799"/>
+          </a:xfrm>
+        </p:spPr>
+        <p:txBody>
+          <a:bodyPr/>
+          <a:lstStyle/>
+          <a:p>
+            <a:r>
+              <a:rPr lang="en-US" dirty="0" smtClean="0"/>
+              <a:t>Conclusion</a:t>
+            </a:r>
+            <a:endParaRPr lang="en-US" dirty="0"/>
+          </a:p>
+        </p:txBody>
+      </p:sp>
+      <p:sp>
+        <p:nvSpPr>
+          <p:cNvPr id="3" name="Subtitle 2"/>
+          <p:cNvSpPr>
+            <a:spLocks noGrp="1"/>
+          </p:cNvSpPr>
+          <p:nvPr>
+            <p:ph type="subTitle" idx="1"/>
+          </p:nvPr>
+        </p:nvSpPr>
+        <p:spPr>
+          <a:xfrm>
+            <a:off x="1371600" y="3886200"/>
+            <a:ext cx="6400800" cy="1219200"/>
+          </a:xfrm>
+        </p:spPr>
+        <p:txBody>
+          <a:bodyPr/>
+          <a:lstStyle/>
+          <a:p>
+            <a:r>
+              <a:rPr lang="en-US" dirty="0" err="1" smtClean="0"/>
+              <a:t>Princessosse</a:t>
+            </a:r>
+            <a:r>
+              <a:rPr lang="en-US" dirty="0" smtClean="0"/>
+              <a:t> </a:t>
+            </a:r>
+            <a:r>
+              <a:rPr lang="en-US" dirty="0" err="1" smtClean="0"/>
+              <a:t>Irabor</a:t>
+            </a:r>
+            <a:endParaRPr lang="en-US" dirty="0" smtClean="0"/>
+          </a:p>
+          <a:p>
+            <a:r>
+              <a:rPr lang="en-US" dirty="0" smtClean="0"/>
+              <a:t>Benjamin Sullins</a:t>
+            </a:r>
+            <a:endParaRPr lang="en-US" dirty="0"/>
+          </a:p>
+        </p:txBody>
+      </p:sp>
+    </p:spTree>
+    <p:extLst>
+      <p:ext uri="{BB962C8B-B14F-4D97-AF65-F5344CB8AC3E}">
+        <p14:creationId xmlns:p14="http://schemas.microsoft.com/office/powerpoint/2010/main" xmlns="" val="3463877328"/>
+      </p:ext>
+    </p:extLst>
+  </p:cSld>
+  <p:clrMapOvr>
+    <a:masterClrMapping/>
+  </p:clrMapOvr>
+  <mc:AlternateContent xmlns:mc="http://schemas.openxmlformats.org/markup-compatibility/2006">
+    <mc:Choice xmlns:p14="http://schemas.microsoft.com/office/powerpoint/2010/main" xmlns="" Requires="p14">
+      <p:transition spd="slow" p14:dur="2000"/>
+    </mc:Choice>
+    <mc:Fallback>
+      <p:transition spd="slow"/>
+    </mc:Fallback>
+  </mc:AlternateContent>
+  <p:timing>
+    <p:tnLst>
+      <p:par>
+        <p:cTn id="1" dur="indefinite" restart="never" nodeType="tmRoot"/>
+      </p:par>
+    </p:tnLst>
+  </p:timing>
+</p:sld>
+</file>
+
+<file path=ppt/slides/slide31.xml><?xml version="1.0" encoding="utf-8"?>
+<p:sld xmlns:a="http://schemas.openxmlformats.org/drawingml/2006/main" xmlns:r="http://schemas.openxmlformats.org/officeDocument/2006/relationships" xmlns:p="http://schemas.openxmlformats.org/presentationml/2006/main">
+  <p:cSld>
+    <p:spTree>
+      <p:nvGrpSpPr>
+        <p:cNvPr id="1" name=""/>
+        <p:cNvGrpSpPr/>
+        <p:nvPr/>
+      </p:nvGrpSpPr>
+      <p:grpSpPr>
+        <a:xfrm>
+          <a:off x="0" y="0"/>
+          <a:ext cx="0" cy="0"/>
+          <a:chOff x="0" y="0"/>
+          <a:chExt cx="0" cy="0"/>
+        </a:xfrm>
+      </p:grpSpPr>
+      <p:sp>
+        <p:nvSpPr>
+          <p:cNvPr id="2" name="Title 1"/>
+          <p:cNvSpPr>
+            <a:spLocks noGrp="1"/>
+          </p:cNvSpPr>
+          <p:nvPr>
+            <p:ph type="title"/>
+          </p:nvPr>
+        </p:nvSpPr>
+        <p:spPr/>
+        <p:txBody>
+          <a:bodyPr/>
+          <a:lstStyle/>
+          <a:p>
+            <a:r>
+              <a:rPr lang="en-US" dirty="0" smtClean="0"/>
+              <a:t>Additional Slides</a:t>
+            </a:r>
+            <a:endParaRPr lang="en-US" dirty="0"/>
+          </a:p>
+        </p:txBody>
+      </p:sp>
+    </p:spTree>
+    <p:extLst>
+      <p:ext uri="{BB962C8B-B14F-4D97-AF65-F5344CB8AC3E}">
+        <p14:creationId xmlns:p14="http://schemas.microsoft.com/office/powerpoint/2010/main" xmlns="" val="1952718536"/>
+      </p:ext>
+    </p:extLst>
+  </p:cSld>
+  <p:clrMapOvr>
+    <a:masterClrMapping/>
+  </p:clrMapOvr>
+  <mc:AlternateContent xmlns:mc="http://schemas.openxmlformats.org/markup-compatibility/2006">
+    <mc:Choice xmlns:p14="http://schemas.microsoft.com/office/powerpoint/2010/main" xmlns="" Requires="p14">
+      <p:transition spd="slow" p14:dur="2000"/>
+    </mc:Choice>
+    <mc:Fallback>
+      <p:transition spd="slow"/>
+    </mc:Fallback>
+  </mc:AlternateContent>
+  <p:timing>
+    <p:tnLst>
+      <p:par>
+        <p:cTn id="1" dur="indefinite" restart="never" nodeType="tmRoot"/>
+      </p:par>
+    </p:tnLst>
+  </p:timing>
+</p:sld>
+</file>
+
+<file path=ppt/slides/slide32.xml><?xml version="1.0" encoding="utf-8"?>
+<p:sld xmlns:a="http://schemas.openxmlformats.org/drawingml/2006/main" xmlns:r="http://schemas.openxmlformats.org/officeDocument/2006/relationships" xmlns:p="http://schemas.openxmlformats.org/presentationml/2006/main">
+  <p:cSld>
+    <p:spTree>
+      <p:nvGrpSpPr>
+        <p:cNvPr id="1" name=""/>
+        <p:cNvGrpSpPr/>
+        <p:nvPr/>
+      </p:nvGrpSpPr>
+      <p:grpSpPr>
+        <a:xfrm>
+          <a:off x="0" y="0"/>
+          <a:ext cx="0" cy="0"/>
+          <a:chOff x="0" y="0"/>
+          <a:chExt cx="0" cy="0"/>
+        </a:xfrm>
+      </p:grpSpPr>
+      <p:sp>
+        <p:nvSpPr>
+          <p:cNvPr id="2" name="Title 1"/>
+          <p:cNvSpPr>
+            <a:spLocks noGrp="1"/>
+          </p:cNvSpPr>
+          <p:nvPr>
+            <p:ph type="title"/>
+          </p:nvPr>
+        </p:nvSpPr>
+        <p:spPr/>
+        <p:txBody>
+          <a:bodyPr/>
+          <a:lstStyle/>
+          <a:p>
+            <a:r>
+              <a:rPr lang="en-US" dirty="0" smtClean="0"/>
+              <a:t>Image Enhancement</a:t>
+            </a:r>
+            <a:endParaRPr lang="en-US" dirty="0"/>
+          </a:p>
+        </p:txBody>
+      </p:sp>
+      <p:pic>
+        <p:nvPicPr>
+          <p:cNvPr id="4099" name="Picture 3"/>
+          <p:cNvPicPr>
+            <a:picLocks noChangeAspect="1" noChangeArrowheads="1"/>
+          </p:cNvPicPr>
+          <p:nvPr/>
+        </p:nvPicPr>
+        <p:blipFill>
+          <a:blip r:embed="rId2" cstate="print">
+            <a:extLst>
+              <a:ext uri="{28A0092B-C50C-407E-A947-70E740481C1C}">
+                <a14:useLocalDpi xmlns:a14="http://schemas.microsoft.com/office/drawing/2010/main" xmlns="" val="0"/>
+              </a:ext>
+            </a:extLst>
+          </a:blip>
+          <a:srcRect/>
+          <a:stretch>
+            <a:fillRect/>
+          </a:stretch>
+        </p:blipFill>
+        <p:spPr bwMode="auto">
+          <a:xfrm>
+            <a:off x="228600" y="1828800"/>
+            <a:ext cx="8686800" cy="4229789"/>
+          </a:xfrm>
+          <a:prstGeom prst="rect">
+            <a:avLst/>
+          </a:prstGeom>
+          <a:noFill/>
+          <a:ln>
+            <a:noFill/>
+          </a:ln>
+          <a:extLst>
+            <a:ext uri="{909E8E84-426E-40DD-AFC4-6F175D3DCCD1}">
+              <a14:hiddenFill xmlns:a14="http://schemas.microsoft.com/office/drawing/2010/main" xmlns="">
+                <a:solidFill>
+                  <a:schemeClr val="accent1"/>
+                </a:solidFill>
+              </a14:hiddenFill>
+            </a:ext>
+            <a:ext uri="{91240B29-F687-4F45-9708-019B960494DF}">
+              <a14:hiddenLine xmlns:a14="http://schemas.microsoft.com/office/drawing/2010/main" xmlns="" w="9525">
+                <a:solidFill>
+                  <a:schemeClr val="tx1"/>
+                </a:solidFill>
+                <a:miter lim="800000"/>
+                <a:headEnd/>
+                <a:tailEnd/>
+              </a14:hiddenLine>
+            </a:ext>
+          </a:extLst>
+        </p:spPr>
+      </p:pic>
+    </p:spTree>
+    <p:extLst>
+      <p:ext uri="{BB962C8B-B14F-4D97-AF65-F5344CB8AC3E}">
+        <p14:creationId xmlns:p14="http://schemas.microsoft.com/office/powerpoint/2010/main" xmlns="" val="93974313"/>
+      </p:ext>
+    </p:extLst>
+  </p:cSld>
+  <p:clrMapOvr>
+    <a:masterClrMapping/>
+  </p:clrMapOvr>
+  <mc:AlternateContent xmlns:mc="http://schemas.openxmlformats.org/markup-compatibility/2006">
+    <mc:Choice xmlns:p14="http://schemas.microsoft.com/office/powerpoint/2010/main" xmlns="" Requires="p14">
+      <p:transition spd="slow" p14:dur="2000"/>
+    </mc:Choice>
+    <mc:Fallback>
+      <p:transition spd="slow"/>
+    </mc:Fallback>
+  </mc:AlternateContent>
+  <p:timing>
+    <p:tnLst>
+      <p:par>
+        <p:cTn id="1" dur="indefinite" restart="never" nodeType="tmRoot"/>
+      </p:par>
+    </p:tnLst>
+  </p:timing>
+</p:sld>
+</file>
+
+<file path=ppt/slides/slide33.xml><?xml version="1.0" encoding="utf-8"?>
+<p:sld xmlns:a="http://schemas.openxmlformats.org/drawingml/2006/main" xmlns:r="http://schemas.openxmlformats.org/officeDocument/2006/relationships" xmlns:p="http://schemas.openxmlformats.org/presentationml/2006/main">
+  <p:cSld>
+    <p:spTree>
+      <p:nvGrpSpPr>
+        <p:cNvPr id="1" name=""/>
+        <p:cNvGrpSpPr/>
+        <p:nvPr/>
+      </p:nvGrpSpPr>
+      <p:grpSpPr>
+        <a:xfrm>
+          <a:off x="0" y="0"/>
+          <a:ext cx="0" cy="0"/>
+          <a:chOff x="0" y="0"/>
+          <a:chExt cx="0" cy="0"/>
+        </a:xfrm>
+      </p:grpSpPr>
+      <p:sp>
+        <p:nvSpPr>
+          <p:cNvPr id="2" name="Title 1"/>
+          <p:cNvSpPr>
+            <a:spLocks noGrp="1"/>
+          </p:cNvSpPr>
+          <p:nvPr>
+            <p:ph type="title"/>
+          </p:nvPr>
+        </p:nvSpPr>
+        <p:spPr/>
+        <p:txBody>
+          <a:bodyPr/>
+          <a:lstStyle/>
+          <a:p>
+            <a:r>
+              <a:rPr lang="en-US" dirty="0" smtClean="0"/>
+              <a:t>Correlation &amp; Dissemination</a:t>
+            </a:r>
+            <a:endParaRPr lang="en-US" dirty="0"/>
+          </a:p>
+        </p:txBody>
+      </p:sp>
+      <p:sp>
+        <p:nvSpPr>
+          <p:cNvPr id="3" name="Content Placeholder 2"/>
+          <p:cNvSpPr>
+            <a:spLocks noGrp="1"/>
+          </p:cNvSpPr>
+          <p:nvPr>
+            <p:ph sz="half" idx="2"/>
+          </p:nvPr>
+        </p:nvSpPr>
+        <p:spPr/>
+        <p:txBody>
+          <a:bodyPr/>
+          <a:lstStyle/>
+          <a:p>
+            <a:r>
+              <a:rPr lang="en-US" dirty="0"/>
+              <a:t>Outlier Removal</a:t>
+            </a:r>
+          </a:p>
+          <a:p>
+            <a:r>
+              <a:rPr lang="en-US" dirty="0"/>
+              <a:t>Final Character Selection</a:t>
+            </a:r>
+          </a:p>
+          <a:p>
+            <a:endParaRPr lang="en-US" dirty="0"/>
+          </a:p>
+        </p:txBody>
+      </p:sp>
+      <p:sp>
+        <p:nvSpPr>
+          <p:cNvPr id="4" name="Content Placeholder 3"/>
+          <p:cNvSpPr>
+            <a:spLocks noGrp="1"/>
+          </p:cNvSpPr>
+          <p:nvPr>
+            <p:ph sz="quarter" idx="13"/>
+          </p:nvPr>
+        </p:nvSpPr>
+        <p:spPr/>
+        <p:txBody>
+          <a:bodyPr/>
+          <a:lstStyle/>
+          <a:p>
+            <a:r>
+              <a:rPr lang="en-US" dirty="0" smtClean="0"/>
+              <a:t>Fast </a:t>
+            </a:r>
+            <a:r>
+              <a:rPr lang="en-US" dirty="0"/>
+              <a:t>Cross-Correlation Algorithm Implementation</a:t>
+            </a:r>
+          </a:p>
+          <a:p>
+            <a:r>
+              <a:rPr lang="en-US" dirty="0"/>
+              <a:t>Multiple Input</a:t>
+            </a:r>
+          </a:p>
+          <a:p>
+            <a:endParaRPr lang="en-US" dirty="0"/>
+          </a:p>
+        </p:txBody>
+      </p:sp>
+      <p:pic>
+        <p:nvPicPr>
+          <p:cNvPr id="5123" name="Picture 3"/>
+          <p:cNvPicPr>
+            <a:picLocks noChangeAspect="1" noChangeArrowheads="1"/>
+          </p:cNvPicPr>
+          <p:nvPr/>
+        </p:nvPicPr>
+        <p:blipFill>
+          <a:blip r:embed="rId2" cstate="print">
+            <a:extLst>
+              <a:ext uri="{28A0092B-C50C-407E-A947-70E740481C1C}">
+                <a14:useLocalDpi xmlns:a14="http://schemas.microsoft.com/office/drawing/2010/main" xmlns="" val="0"/>
+              </a:ext>
+            </a:extLst>
+          </a:blip>
+          <a:srcRect/>
+          <a:stretch>
+            <a:fillRect/>
+          </a:stretch>
+        </p:blipFill>
+        <p:spPr bwMode="auto">
+          <a:xfrm>
+            <a:off x="609600" y="3876675"/>
+            <a:ext cx="1980690" cy="1609725"/>
+          </a:xfrm>
+          <a:prstGeom prst="rect">
+            <a:avLst/>
+          </a:prstGeom>
+          <a:noFill/>
+          <a:ln>
+            <a:noFill/>
+          </a:ln>
+          <a:extLst>
+            <a:ext uri="{909E8E84-426E-40DD-AFC4-6F175D3DCCD1}">
+              <a14:hiddenFill xmlns:a14="http://schemas.microsoft.com/office/drawing/2010/main" xmlns="">
+                <a:solidFill>
+                  <a:schemeClr val="accent1"/>
+                </a:solidFill>
+              </a14:hiddenFill>
+            </a:ext>
+            <a:ext uri="{91240B29-F687-4F45-9708-019B960494DF}">
+              <a14:hiddenLine xmlns:a14="http://schemas.microsoft.com/office/drawing/2010/main" xmlns="" w="9525">
+                <a:solidFill>
+                  <a:schemeClr val="tx1"/>
+                </a:solidFill>
+                <a:miter lim="800000"/>
+                <a:headEnd/>
+                <a:tailEnd/>
+              </a14:hiddenLine>
+            </a:ext>
+          </a:extLst>
+        </p:spPr>
+      </p:pic>
+      <p:pic>
+        <p:nvPicPr>
+          <p:cNvPr id="5124" name="Picture 4"/>
+          <p:cNvPicPr>
+            <a:picLocks noChangeAspect="1" noChangeArrowheads="1"/>
+          </p:cNvPicPr>
+          <p:nvPr/>
+        </p:nvPicPr>
+        <p:blipFill>
+          <a:blip r:embed="rId3" cstate="print">
+            <a:extLst>
+              <a:ext uri="{28A0092B-C50C-407E-A947-70E740481C1C}">
+                <a14:useLocalDpi xmlns:a14="http://schemas.microsoft.com/office/drawing/2010/main" xmlns="" val="0"/>
+              </a:ext>
+            </a:extLst>
+          </a:blip>
+          <a:srcRect/>
+          <a:stretch>
+            <a:fillRect/>
+          </a:stretch>
+        </p:blipFill>
+        <p:spPr bwMode="auto">
+          <a:xfrm>
+            <a:off x="2971800" y="3886200"/>
+            <a:ext cx="1546411" cy="2219326"/>
+          </a:xfrm>
+          <a:prstGeom prst="rect">
+            <a:avLst/>
+          </a:prstGeom>
+          <a:noFill/>
+          <a:ln>
+            <a:noFill/>
+          </a:ln>
+          <a:extLst>
+            <a:ext uri="{909E8E84-426E-40DD-AFC4-6F175D3DCCD1}">
+              <a14:hiddenFill xmlns:a14="http://schemas.microsoft.com/office/drawing/2010/main" xmlns="">
+                <a:solidFill>
+                  <a:schemeClr val="accent1"/>
+                </a:solidFill>
+              </a14:hiddenFill>
+            </a:ext>
+            <a:ext uri="{91240B29-F687-4F45-9708-019B960494DF}">
+              <a14:hiddenLine xmlns:a14="http://schemas.microsoft.com/office/drawing/2010/main" xmlns="" w="9525">
+                <a:solidFill>
+                  <a:schemeClr val="tx1"/>
+                </a:solidFill>
+                <a:miter lim="800000"/>
+                <a:headEnd/>
+                <a:tailEnd/>
+              </a14:hiddenLine>
+            </a:ext>
+          </a:extLst>
+        </p:spPr>
+      </p:pic>
+      <p:pic>
+        <p:nvPicPr>
+          <p:cNvPr id="5125" name="Picture 5"/>
+          <p:cNvPicPr>
+            <a:picLocks noChangeAspect="1" noChangeArrowheads="1"/>
+          </p:cNvPicPr>
+          <p:nvPr/>
+        </p:nvPicPr>
+        <p:blipFill>
+          <a:blip r:embed="rId4" cstate="print">
+            <a:extLst>
+              <a:ext uri="{28A0092B-C50C-407E-A947-70E740481C1C}">
+                <a14:useLocalDpi xmlns:a14="http://schemas.microsoft.com/office/drawing/2010/main" xmlns="" val="0"/>
+              </a:ext>
+            </a:extLst>
+          </a:blip>
+          <a:srcRect/>
+          <a:stretch>
+            <a:fillRect/>
+          </a:stretch>
+        </p:blipFill>
+        <p:spPr bwMode="auto">
+          <a:xfrm>
+            <a:off x="6781800" y="3746601"/>
+            <a:ext cx="1659244" cy="2358925"/>
+          </a:xfrm>
+          <a:prstGeom prst="rect">
+            <a:avLst/>
+          </a:prstGeom>
+          <a:noFill/>
+          <a:ln>
+            <a:noFill/>
+          </a:ln>
+          <a:extLst>
+            <a:ext uri="{909E8E84-426E-40DD-AFC4-6F175D3DCCD1}">
+              <a14:hiddenFill xmlns:a14="http://schemas.microsoft.com/office/drawing/2010/main" xmlns="">
+                <a:solidFill>
+                  <a:schemeClr val="accent1"/>
+                </a:solidFill>
+              </a14:hiddenFill>
+            </a:ext>
+            <a:ext uri="{91240B29-F687-4F45-9708-019B960494DF}">
+              <a14:hiddenLine xmlns:a14="http://schemas.microsoft.com/office/drawing/2010/main" xmlns="" w="9525">
+                <a:solidFill>
+                  <a:schemeClr val="tx1"/>
+                </a:solidFill>
+                <a:miter lim="800000"/>
+                <a:headEnd/>
+                <a:tailEnd/>
+              </a14:hiddenLine>
+            </a:ext>
+          </a:extLst>
+        </p:spPr>
+      </p:pic>
+      <p:pic>
+        <p:nvPicPr>
+          <p:cNvPr id="5126" name="Picture 6"/>
+          <p:cNvPicPr>
+            <a:picLocks noChangeAspect="1" noChangeArrowheads="1"/>
+          </p:cNvPicPr>
+          <p:nvPr/>
+        </p:nvPicPr>
+        <p:blipFill>
+          <a:blip r:embed="rId5" cstate="print">
+            <a:extLst>
+              <a:ext uri="{28A0092B-C50C-407E-A947-70E740481C1C}">
+                <a14:useLocalDpi xmlns:a14="http://schemas.microsoft.com/office/drawing/2010/main" xmlns="" val="0"/>
+              </a:ext>
+            </a:extLst>
+          </a:blip>
+          <a:srcRect/>
+          <a:stretch>
+            <a:fillRect/>
+          </a:stretch>
+        </p:blipFill>
+        <p:spPr bwMode="auto">
+          <a:xfrm>
+            <a:off x="5029200" y="4081462"/>
+            <a:ext cx="1266825" cy="600075"/>
+          </a:xfrm>
+          <a:prstGeom prst="rect">
+            <a:avLst/>
+          </a:prstGeom>
+          <a:noFill/>
+          <a:ln>
+            <a:noFill/>
+          </a:ln>
+          <a:extLst>
+            <a:ext uri="{909E8E84-426E-40DD-AFC4-6F175D3DCCD1}">
+              <a14:hiddenFill xmlns:a14="http://schemas.microsoft.com/office/drawing/2010/main" xmlns="">
+                <a:solidFill>
+                  <a:schemeClr val="accent1"/>
+                </a:solidFill>
+              </a14:hiddenFill>
+            </a:ext>
+            <a:ext uri="{91240B29-F687-4F45-9708-019B960494DF}">
+              <a14:hiddenLine xmlns:a14="http://schemas.microsoft.com/office/drawing/2010/main" xmlns="" w="9525">
+                <a:solidFill>
+                  <a:schemeClr val="tx1"/>
+                </a:solidFill>
+                <a:miter lim="800000"/>
+                <a:headEnd/>
+                <a:tailEnd/>
+              </a14:hiddenLine>
+            </a:ext>
+          </a:extLst>
+        </p:spPr>
+      </p:pic>
+    </p:spTree>
+    <p:extLst>
+      <p:ext uri="{BB962C8B-B14F-4D97-AF65-F5344CB8AC3E}">
+        <p14:creationId xmlns:p14="http://schemas.microsoft.com/office/powerpoint/2010/main" xmlns="" val="1656711655"/>
+      </p:ext>
+    </p:extLst>
+  </p:cSld>
+  <p:clrMapOvr>
+    <a:masterClrMapping/>
+  </p:clrMapOvr>
+  <mc:AlternateContent xmlns:mc="http://schemas.openxmlformats.org/markup-compatibility/2006">
+    <mc:Choice xmlns:p14="http://schemas.microsoft.com/office/powerpoint/2010/main" xmlns="" Requires="p14">
+      <p:transition spd="slow" p14:dur="2000"/>
+    </mc:Choice>
+    <mc:Fallback>
+      <p:transition spd="slow"/>
+    </mc:Fallback>
+  </mc:AlternateContent>
+  <p:timing>
+    <p:tnLst>
+      <p:par>
+        <p:cTn id="1" dur="indefinite" restart="never" nodeType="tmRoot"/>
+      </p:par>
+    </p:tnLst>
+  </p:timing>
+</p:sld>
+</file>
+
+<file path=ppt/slides/slide34.xml><?xml version="1.0" encoding="utf-8"?>
+<p:sld xmlns:a="http://schemas.openxmlformats.org/drawingml/2006/main" xmlns:r="http://schemas.openxmlformats.org/officeDocument/2006/relationships" xmlns:p="http://schemas.openxmlformats.org/presentationml/2006/main">
+  <p:cSld>
+    <p:spTree>
+      <p:nvGrpSpPr>
+        <p:cNvPr id="1" name=""/>
+        <p:cNvGrpSpPr/>
+        <p:nvPr/>
+      </p:nvGrpSpPr>
+      <p:grpSpPr>
+        <a:xfrm>
+          <a:off x="0" y="0"/>
+          <a:ext cx="0" cy="0"/>
+          <a:chOff x="0" y="0"/>
+          <a:chExt cx="0" cy="0"/>
+        </a:xfrm>
+      </p:grpSpPr>
+      <p:sp>
+        <p:nvSpPr>
+          <p:cNvPr id="2" name="Title 1"/>
+          <p:cNvSpPr>
+            <a:spLocks noGrp="1"/>
+          </p:cNvSpPr>
+          <p:nvPr>
+            <p:ph type="title"/>
+          </p:nvPr>
+        </p:nvSpPr>
+        <p:spPr/>
+        <p:txBody>
+          <a:bodyPr/>
+          <a:lstStyle/>
+          <a:p>
+            <a:r>
+              <a:rPr lang="en-US" dirty="0" smtClean="0"/>
+              <a:t>Extra: Learning Algorithm</a:t>
+            </a:r>
+            <a:endParaRPr lang="en-US" dirty="0"/>
+          </a:p>
+        </p:txBody>
+      </p:sp>
+      <p:sp>
+        <p:nvSpPr>
+          <p:cNvPr id="3" name="Content Placeholder 2"/>
+          <p:cNvSpPr>
+            <a:spLocks noGrp="1"/>
+          </p:cNvSpPr>
+          <p:nvPr>
+            <p:ph idx="1"/>
+          </p:nvPr>
+        </p:nvSpPr>
+        <p:spPr/>
+        <p:txBody>
+          <a:bodyPr/>
+          <a:lstStyle/>
+          <a:p>
+            <a:r>
+              <a:rPr lang="en-US" dirty="0" smtClean="0"/>
+              <a:t>Heuristic  Algorithm</a:t>
+            </a:r>
+          </a:p>
+          <a:p>
+            <a:r>
+              <a:rPr lang="en-US" dirty="0" smtClean="0"/>
+              <a:t>Iterative Based</a:t>
+            </a:r>
+            <a:endParaRPr lang="en-US" dirty="0"/>
+          </a:p>
+        </p:txBody>
+      </p:sp>
+      <p:pic>
+        <p:nvPicPr>
+          <p:cNvPr id="7172" name="Picture 4"/>
+          <p:cNvPicPr>
+            <a:picLocks noChangeAspect="1" noChangeArrowheads="1"/>
+          </p:cNvPicPr>
+          <p:nvPr/>
+        </p:nvPicPr>
+        <p:blipFill>
+          <a:blip r:embed="rId2" cstate="print">
+            <a:extLst>
+              <a:ext uri="{28A0092B-C50C-407E-A947-70E740481C1C}">
+                <a14:useLocalDpi xmlns:a14="http://schemas.microsoft.com/office/drawing/2010/main" xmlns="" val="0"/>
+              </a:ext>
+            </a:extLst>
+          </a:blip>
+          <a:srcRect/>
+          <a:stretch>
+            <a:fillRect/>
+          </a:stretch>
+        </p:blipFill>
+        <p:spPr bwMode="auto">
+          <a:xfrm>
+            <a:off x="4495800" y="3019425"/>
+            <a:ext cx="2343150" cy="3162300"/>
+          </a:xfrm>
+          <a:prstGeom prst="rect">
+            <a:avLst/>
+          </a:prstGeom>
+          <a:noFill/>
+          <a:ln>
+            <a:noFill/>
+          </a:ln>
+          <a:extLst>
+            <a:ext uri="{909E8E84-426E-40DD-AFC4-6F175D3DCCD1}">
+              <a14:hiddenFill xmlns:a14="http://schemas.microsoft.com/office/drawing/2010/main" xmlns="">
+                <a:solidFill>
+                  <a:schemeClr val="accent1"/>
+                </a:solidFill>
+              </a14:hiddenFill>
+            </a:ext>
+            <a:ext uri="{91240B29-F687-4F45-9708-019B960494DF}">
+              <a14:hiddenLine xmlns:a14="http://schemas.microsoft.com/office/drawing/2010/main" xmlns="" w="9525">
+                <a:solidFill>
+                  <a:schemeClr val="tx1"/>
+                </a:solidFill>
+                <a:miter lim="800000"/>
+                <a:headEnd/>
+                <a:tailEnd/>
+              </a14:hiddenLine>
+            </a:ext>
+          </a:extLst>
+        </p:spPr>
+      </p:pic>
+      <p:pic>
+        <p:nvPicPr>
+          <p:cNvPr id="7173" name="Picture 5"/>
+          <p:cNvPicPr>
+            <a:picLocks noChangeAspect="1" noChangeArrowheads="1"/>
+          </p:cNvPicPr>
+          <p:nvPr/>
+        </p:nvPicPr>
+        <p:blipFill>
+          <a:blip r:embed="rId3" cstate="print">
+            <a:extLst>
+              <a:ext uri="{28A0092B-C50C-407E-A947-70E740481C1C}">
+                <a14:useLocalDpi xmlns:a14="http://schemas.microsoft.com/office/drawing/2010/main" xmlns="" val="0"/>
+              </a:ext>
+            </a:extLst>
+          </a:blip>
+          <a:srcRect/>
+          <a:stretch>
+            <a:fillRect/>
+          </a:stretch>
+        </p:blipFill>
+        <p:spPr bwMode="auto">
+          <a:xfrm>
+            <a:off x="1219200" y="2905125"/>
+            <a:ext cx="2514600" cy="3276600"/>
+          </a:xfrm>
+          <a:prstGeom prst="rect">
+            <a:avLst/>
+          </a:prstGeom>
+          <a:noFill/>
+          <a:ln>
+            <a:noFill/>
+          </a:ln>
+          <a:extLst>
+            <a:ext uri="{909E8E84-426E-40DD-AFC4-6F175D3DCCD1}">
+              <a14:hiddenFill xmlns:a14="http://schemas.microsoft.com/office/drawing/2010/main" xmlns="">
+                <a:solidFill>
+                  <a:schemeClr val="accent1"/>
+                </a:solidFill>
+              </a14:hiddenFill>
+            </a:ext>
+            <a:ext uri="{91240B29-F687-4F45-9708-019B960494DF}">
+              <a14:hiddenLine xmlns:a14="http://schemas.microsoft.com/office/drawing/2010/main" xmlns="" w="9525">
+                <a:solidFill>
+                  <a:schemeClr val="tx1"/>
+                </a:solidFill>
+                <a:miter lim="800000"/>
+                <a:headEnd/>
+                <a:tailEnd/>
+              </a14:hiddenLine>
+            </a:ext>
+          </a:extLst>
+        </p:spPr>
+      </p:pic>
+    </p:spTree>
+    <p:extLst>
+      <p:ext uri="{BB962C8B-B14F-4D97-AF65-F5344CB8AC3E}">
+        <p14:creationId xmlns:p14="http://schemas.microsoft.com/office/powerpoint/2010/main" xmlns="" val="1487930894"/>
+      </p:ext>
+    </p:extLst>
+  </p:cSld>
+  <p:clrMapOvr>
+    <a:masterClrMapping/>
+  </p:clrMapOvr>
+  <mc:AlternateContent xmlns:mc="http://schemas.openxmlformats.org/markup-compatibility/2006">
+    <mc:Choice xmlns:p14="http://schemas.microsoft.com/office/powerpoint/2010/main" xmlns="" Requires="p14">
+      <p:transition spd="slow" p14:dur="2000"/>
+    </mc:Choice>
+    <mc:Fallback>
       <p:transition spd="slow"/>
     </mc:Fallback>
   </mc:AlternateContent>
@@ -8834,7 +9829,6 @@
               <a:rPr lang="en-US" dirty="0" smtClean="0"/>
               <a:t>Becoming fluent could span 2-3 years</a:t>
             </a:r>
-            <a:endParaRPr lang="en-US" dirty="0" smtClean="0"/>
           </a:p>
         </p:txBody>
       </p:sp>
@@ -8861,10 +9855,10 @@
             <p:nvPr/>
           </p:nvPicPr>
           <p:blipFill>
-            <a:blip r:embed="rId3">
+            <a:blip r:embed="rId3" cstate="print">
               <a:extLst>
                 <a:ext uri="{BEBA8EAE-BF5A-486C-A8C5-ECC9F3942E4B}">
-                  <a14:imgProps xmlns:a14="http://schemas.microsoft.com/office/drawing/2010/main">
+                  <a14:imgProps xmlns:a14="http://schemas.microsoft.com/office/drawing/2010/main" xmlns="">
                     <a14:imgLayer r:embed="rId4">
                       <a14:imgEffect>
                         <a14:backgroundRemoval t="0" b="100000" l="0" r="100000">
@@ -8875,7 +9869,7 @@
                   </a14:imgProps>
                 </a:ext>
                 <a:ext uri="{28A0092B-C50C-407E-A947-70E740481C1C}">
-                  <a14:useLocalDpi xmlns:a14="http://schemas.microsoft.com/office/drawing/2010/main" val="0"/>
+                  <a14:useLocalDpi xmlns:a14="http://schemas.microsoft.com/office/drawing/2010/main" xmlns="" val="0"/>
                 </a:ext>
               </a:extLst>
             </a:blip>
@@ -8898,14 +9892,14 @@
             </a:ln>
             <a:extLst>
               <a:ext uri="{909E8E84-426E-40DD-AFC4-6F175D3DCCD1}">
-                <a14:hiddenFill xmlns:a14="http://schemas.microsoft.com/office/drawing/2010/main">
+                <a14:hiddenFill xmlns:a14="http://schemas.microsoft.com/office/drawing/2010/main" xmlns="">
                   <a:solidFill>
                     <a:schemeClr val="accent1"/>
                   </a:solidFill>
                 </a14:hiddenFill>
               </a:ext>
               <a:ext uri="{91240B29-F687-4F45-9708-019B960494DF}">
-                <a14:hiddenLine xmlns:a14="http://schemas.microsoft.com/office/drawing/2010/main" w="9525">
+                <a14:hiddenLine xmlns:a14="http://schemas.microsoft.com/office/drawing/2010/main" xmlns="" w="9525">
                   <a:solidFill>
                     <a:schemeClr val="tx1"/>
                   </a:solidFill>
@@ -8926,10 +9920,10 @@
             <p:nvPr/>
           </p:nvPicPr>
           <p:blipFill>
-            <a:blip r:embed="rId5">
+            <a:blip r:embed="rId5" cstate="print">
               <a:extLst>
                 <a:ext uri="{28A0092B-C50C-407E-A947-70E740481C1C}">
-                  <a14:useLocalDpi xmlns:a14="http://schemas.microsoft.com/office/drawing/2010/main" val="0"/>
+                  <a14:useLocalDpi xmlns:a14="http://schemas.microsoft.com/office/drawing/2010/main" xmlns="" val="0"/>
                 </a:ext>
               </a:extLst>
             </a:blip>
@@ -8952,14 +9946,14 @@
             </a:ln>
             <a:extLst>
               <a:ext uri="{909E8E84-426E-40DD-AFC4-6F175D3DCCD1}">
-                <a14:hiddenFill xmlns:a14="http://schemas.microsoft.com/office/drawing/2010/main">
+                <a14:hiddenFill xmlns:a14="http://schemas.microsoft.com/office/drawing/2010/main" xmlns="">
                   <a:solidFill>
                     <a:schemeClr val="accent1"/>
                   </a:solidFill>
                 </a14:hiddenFill>
               </a:ext>
               <a:ext uri="{91240B29-F687-4F45-9708-019B960494DF}">
-                <a14:hiddenLine xmlns:a14="http://schemas.microsoft.com/office/drawing/2010/main" w="9525">
+                <a14:hiddenLine xmlns:a14="http://schemas.microsoft.com/office/drawing/2010/main" xmlns="" w="9525">
                   <a:solidFill>
                     <a:schemeClr val="tx1"/>
                   </a:solidFill>
@@ -8983,7 +9977,7 @@
             <a:blip r:embed="rId6" cstate="print">
               <a:extLst>
                 <a:ext uri="{28A0092B-C50C-407E-A947-70E740481C1C}">
-                  <a14:useLocalDpi xmlns:a14="http://schemas.microsoft.com/office/drawing/2010/main" val="0"/>
+                  <a14:useLocalDpi xmlns:a14="http://schemas.microsoft.com/office/drawing/2010/main" xmlns="" val="0"/>
                 </a:ext>
               </a:extLst>
             </a:blip>
@@ -9006,14 +10000,14 @@
             </a:ln>
             <a:extLst>
               <a:ext uri="{909E8E84-426E-40DD-AFC4-6F175D3DCCD1}">
-                <a14:hiddenFill xmlns:a14="http://schemas.microsoft.com/office/drawing/2010/main">
+                <a14:hiddenFill xmlns:a14="http://schemas.microsoft.com/office/drawing/2010/main" xmlns="">
                   <a:solidFill>
                     <a:schemeClr val="accent1"/>
                   </a:solidFill>
                 </a14:hiddenFill>
               </a:ext>
               <a:ext uri="{91240B29-F687-4F45-9708-019B960494DF}">
-                <a14:hiddenLine xmlns:a14="http://schemas.microsoft.com/office/drawing/2010/main" w="9525">
+                <a14:hiddenLine xmlns:a14="http://schemas.microsoft.com/office/drawing/2010/main" xmlns="" w="9525">
                   <a:solidFill>
                     <a:schemeClr val="tx1"/>
                   </a:solidFill>
@@ -9037,7 +10031,7 @@
             <a:blip r:embed="rId7" cstate="print">
               <a:extLst>
                 <a:ext uri="{BEBA8EAE-BF5A-486C-A8C5-ECC9F3942E4B}">
-                  <a14:imgProps xmlns:a14="http://schemas.microsoft.com/office/drawing/2010/main">
+                  <a14:imgProps xmlns:a14="http://schemas.microsoft.com/office/drawing/2010/main" xmlns="">
                     <a14:imgLayer r:embed="rId8">
                       <a14:imgEffect>
                         <a14:backgroundRemoval t="0" b="100000" l="0" r="100000">
@@ -9048,7 +10042,7 @@
                   </a14:imgProps>
                 </a:ext>
                 <a:ext uri="{28A0092B-C50C-407E-A947-70E740481C1C}">
-                  <a14:useLocalDpi xmlns:a14="http://schemas.microsoft.com/office/drawing/2010/main" val="0"/>
+                  <a14:useLocalDpi xmlns:a14="http://schemas.microsoft.com/office/drawing/2010/main" xmlns="" val="0"/>
                 </a:ext>
               </a:extLst>
             </a:blip>
@@ -9071,14 +10065,14 @@
             </a:ln>
             <a:extLst>
               <a:ext uri="{909E8E84-426E-40DD-AFC4-6F175D3DCCD1}">
-                <a14:hiddenFill xmlns:a14="http://schemas.microsoft.com/office/drawing/2010/main">
+                <a14:hiddenFill xmlns:a14="http://schemas.microsoft.com/office/drawing/2010/main" xmlns="">
                   <a:solidFill>
                     <a:schemeClr val="accent1"/>
                   </a:solidFill>
                 </a14:hiddenFill>
               </a:ext>
               <a:ext uri="{91240B29-F687-4F45-9708-019B960494DF}">
-                <a14:hiddenLine xmlns:a14="http://schemas.microsoft.com/office/drawing/2010/main" w="9525">
+                <a14:hiddenLine xmlns:a14="http://schemas.microsoft.com/office/drawing/2010/main" xmlns="" w="9525">
                   <a:solidFill>
                     <a:schemeClr val="tx1"/>
                   </a:solidFill>
@@ -9102,7 +10096,7 @@
             <a:blip r:embed="rId9" cstate="print">
               <a:extLst>
                 <a:ext uri="{28A0092B-C50C-407E-A947-70E740481C1C}">
-                  <a14:useLocalDpi xmlns:a14="http://schemas.microsoft.com/office/drawing/2010/main" val="0"/>
+                  <a14:useLocalDpi xmlns:a14="http://schemas.microsoft.com/office/drawing/2010/main" xmlns="" val="0"/>
                 </a:ext>
               </a:extLst>
             </a:blip>
@@ -9122,7 +10116,7 @@
             <a:noFill/>
             <a:extLst>
               <a:ext uri="{909E8E84-426E-40DD-AFC4-6F175D3DCCD1}">
-                <a14:hiddenFill xmlns:a14="http://schemas.microsoft.com/office/drawing/2010/main">
+                <a14:hiddenFill xmlns:a14="http://schemas.microsoft.com/office/drawing/2010/main" xmlns="">
                   <a:solidFill>
                     <a:srgbClr val="FFFFFF"/>
                   </a:solidFill>
@@ -9155,10 +10149,10 @@
             <p:nvPr/>
           </p:nvPicPr>
           <p:blipFill>
-            <a:blip r:embed="rId10">
+            <a:blip r:embed="rId10" cstate="print">
               <a:extLst>
                 <a:ext uri="{BEBA8EAE-BF5A-486C-A8C5-ECC9F3942E4B}">
-                  <a14:imgProps xmlns:a14="http://schemas.microsoft.com/office/drawing/2010/main">
+                  <a14:imgProps xmlns:a14="http://schemas.microsoft.com/office/drawing/2010/main" xmlns="">
                     <a14:imgLayer r:embed="rId11">
                       <a14:imgEffect>
                         <a14:backgroundRemoval t="0" b="100000" l="0" r="100000">
@@ -9176,7 +10170,7 @@
                   </a14:imgProps>
                 </a:ext>
                 <a:ext uri="{28A0092B-C50C-407E-A947-70E740481C1C}">
-                  <a14:useLocalDpi xmlns:a14="http://schemas.microsoft.com/office/drawing/2010/main" val="0"/>
+                  <a14:useLocalDpi xmlns:a14="http://schemas.microsoft.com/office/drawing/2010/main" xmlns="" val="0"/>
                 </a:ext>
               </a:extLst>
             </a:blip>
@@ -9196,7 +10190,7 @@
             <a:noFill/>
             <a:extLst>
               <a:ext uri="{909E8E84-426E-40DD-AFC4-6F175D3DCCD1}">
-                <a14:hiddenFill xmlns:a14="http://schemas.microsoft.com/office/drawing/2010/main">
+                <a14:hiddenFill xmlns:a14="http://schemas.microsoft.com/office/drawing/2010/main" xmlns="">
                   <a:solidFill>
                     <a:srgbClr val="FFFFFF"/>
                   </a:solidFill>
@@ -9214,10 +10208,10 @@
             <p:nvPr/>
           </p:nvPicPr>
           <p:blipFill>
-            <a:blip r:embed="rId12">
+            <a:blip r:embed="rId12" cstate="print">
               <a:extLst>
                 <a:ext uri="{BEBA8EAE-BF5A-486C-A8C5-ECC9F3942E4B}">
-                  <a14:imgProps xmlns:a14="http://schemas.microsoft.com/office/drawing/2010/main">
+                  <a14:imgProps xmlns:a14="http://schemas.microsoft.com/office/drawing/2010/main" xmlns="">
                     <a14:imgLayer r:embed="rId13">
                       <a14:imgEffect>
                         <a14:backgroundRemoval t="0" b="100000" l="0" r="100000"/>
@@ -9226,7 +10220,7 @@
                   </a14:imgProps>
                 </a:ext>
                 <a:ext uri="{28A0092B-C50C-407E-A947-70E740481C1C}">
-                  <a14:useLocalDpi xmlns:a14="http://schemas.microsoft.com/office/drawing/2010/main" val="0"/>
+                  <a14:useLocalDpi xmlns:a14="http://schemas.microsoft.com/office/drawing/2010/main" xmlns="" val="0"/>
                 </a:ext>
               </a:extLst>
             </a:blip>
@@ -9249,14 +10243,14 @@
             </a:ln>
             <a:extLst>
               <a:ext uri="{909E8E84-426E-40DD-AFC4-6F175D3DCCD1}">
-                <a14:hiddenFill xmlns:a14="http://schemas.microsoft.com/office/drawing/2010/main">
+                <a14:hiddenFill xmlns:a14="http://schemas.microsoft.com/office/drawing/2010/main" xmlns="">
                   <a:solidFill>
                     <a:schemeClr val="accent1"/>
                   </a:solidFill>
                 </a14:hiddenFill>
               </a:ext>
               <a:ext uri="{91240B29-F687-4F45-9708-019B960494DF}">
-                <a14:hiddenLine xmlns:a14="http://schemas.microsoft.com/office/drawing/2010/main" w="9525">
+                <a14:hiddenLine xmlns:a14="http://schemas.microsoft.com/office/drawing/2010/main" xmlns="" w="9525">
                   <a:solidFill>
                     <a:schemeClr val="tx1"/>
                   </a:solidFill>
@@ -9280,7 +10274,7 @@
             <a:blip r:embed="rId6" cstate="print">
               <a:extLst>
                 <a:ext uri="{28A0092B-C50C-407E-A947-70E740481C1C}">
-                  <a14:useLocalDpi xmlns:a14="http://schemas.microsoft.com/office/drawing/2010/main" val="0"/>
+                  <a14:useLocalDpi xmlns:a14="http://schemas.microsoft.com/office/drawing/2010/main" xmlns="" val="0"/>
                 </a:ext>
               </a:extLst>
             </a:blip>
@@ -9303,14 +10297,14 @@
             </a:ln>
             <a:extLst>
               <a:ext uri="{909E8E84-426E-40DD-AFC4-6F175D3DCCD1}">
-                <a14:hiddenFill xmlns:a14="http://schemas.microsoft.com/office/drawing/2010/main">
+                <a14:hiddenFill xmlns:a14="http://schemas.microsoft.com/office/drawing/2010/main" xmlns="">
                   <a:solidFill>
                     <a:schemeClr val="accent1"/>
                   </a:solidFill>
                 </a14:hiddenFill>
               </a:ext>
               <a:ext uri="{91240B29-F687-4F45-9708-019B960494DF}">
-                <a14:hiddenLine xmlns:a14="http://schemas.microsoft.com/office/drawing/2010/main" w="9525">
+                <a14:hiddenLine xmlns:a14="http://schemas.microsoft.com/office/drawing/2010/main" xmlns="" w="9525">
                   <a:solidFill>
                     <a:schemeClr val="tx1"/>
                   </a:solidFill>
@@ -9334,7 +10328,7 @@
             <a:blip r:embed="rId7" cstate="print">
               <a:extLst>
                 <a:ext uri="{BEBA8EAE-BF5A-486C-A8C5-ECC9F3942E4B}">
-                  <a14:imgProps xmlns:a14="http://schemas.microsoft.com/office/drawing/2010/main">
+                  <a14:imgProps xmlns:a14="http://schemas.microsoft.com/office/drawing/2010/main" xmlns="">
                     <a14:imgLayer r:embed="rId8">
                       <a14:imgEffect>
                         <a14:backgroundRemoval t="0" b="100000" l="0" r="100000">
@@ -9345,7 +10339,7 @@
                   </a14:imgProps>
                 </a:ext>
                 <a:ext uri="{28A0092B-C50C-407E-A947-70E740481C1C}">
-                  <a14:useLocalDpi xmlns:a14="http://schemas.microsoft.com/office/drawing/2010/main" val="0"/>
+                  <a14:useLocalDpi xmlns:a14="http://schemas.microsoft.com/office/drawing/2010/main" xmlns="" val="0"/>
                 </a:ext>
               </a:extLst>
             </a:blip>
@@ -9368,14 +10362,14 @@
             </a:ln>
             <a:extLst>
               <a:ext uri="{909E8E84-426E-40DD-AFC4-6F175D3DCCD1}">
-                <a14:hiddenFill xmlns:a14="http://schemas.microsoft.com/office/drawing/2010/main">
+                <a14:hiddenFill xmlns:a14="http://schemas.microsoft.com/office/drawing/2010/main" xmlns="">
                   <a:solidFill>
                     <a:schemeClr val="accent1"/>
                   </a:solidFill>
                 </a14:hiddenFill>
               </a:ext>
               <a:ext uri="{91240B29-F687-4F45-9708-019B960494DF}">
-                <a14:hiddenLine xmlns:a14="http://schemas.microsoft.com/office/drawing/2010/main" w="9525">
+                <a14:hiddenLine xmlns:a14="http://schemas.microsoft.com/office/drawing/2010/main" xmlns="" w="9525">
                   <a:solidFill>
                     <a:schemeClr val="tx1"/>
                   </a:solidFill>
@@ -9399,7 +10393,7 @@
             <a:blip r:embed="rId9" cstate="print">
               <a:extLst>
                 <a:ext uri="{28A0092B-C50C-407E-A947-70E740481C1C}">
-                  <a14:useLocalDpi xmlns:a14="http://schemas.microsoft.com/office/drawing/2010/main" val="0"/>
+                  <a14:useLocalDpi xmlns:a14="http://schemas.microsoft.com/office/drawing/2010/main" xmlns="" val="0"/>
                 </a:ext>
               </a:extLst>
             </a:blip>
@@ -9419,7 +10413,7 @@
             <a:noFill/>
             <a:extLst>
               <a:ext uri="{909E8E84-426E-40DD-AFC4-6F175D3DCCD1}">
-                <a14:hiddenFill xmlns:a14="http://schemas.microsoft.com/office/drawing/2010/main">
+                <a14:hiddenFill xmlns:a14="http://schemas.microsoft.com/office/drawing/2010/main" xmlns="">
                   <a:solidFill>
                     <a:srgbClr val="FFFFFF"/>
                   </a:solidFill>
@@ -9520,18 +10514,18 @@
     </p:spTree>
     <p:extLst>
       <p:ext uri="{BB962C8B-B14F-4D97-AF65-F5344CB8AC3E}">
-        <p14:creationId xmlns:p14="http://schemas.microsoft.com/office/powerpoint/2010/main" val="1331944257"/>
+        <p14:creationId xmlns:p14="http://schemas.microsoft.com/office/powerpoint/2010/main" xmlns="" val="1331944257"/>
       </p:ext>
     </p:extLst>
   </p:cSld>
   <p:clrMapOvr>
     <a:masterClrMapping/>
   </p:clrMapOvr>
-  <mc:AlternateContent xmlns:mc="http://schemas.openxmlformats.org/markup-compatibility/2006" xmlns:p14="http://schemas.microsoft.com/office/powerpoint/2010/main">
-    <mc:Choice Requires="p14">
+  <mc:AlternateContent xmlns:mc="http://schemas.openxmlformats.org/markup-compatibility/2006">
+    <mc:Choice xmlns:p14="http://schemas.microsoft.com/office/powerpoint/2010/main" xmlns="" Requires="p14">
       <p:transition spd="slow" p14:dur="2000"/>
     </mc:Choice>
-    <mc:Fallback xmlns="">
+    <mc:Fallback>
       <p:transition spd="slow"/>
     </mc:Fallback>
   </mc:AlternateContent>
@@ -9602,11 +10596,7 @@
           <a:p>
             <a:r>
               <a:rPr lang="en-US" dirty="0" smtClean="0"/>
-              <a:t>Convert Sign Language Images Into Readable </a:t>
-            </a:r>
-            <a:r>
-              <a:rPr lang="en-US" dirty="0" smtClean="0"/>
-              <a:t>Characters</a:t>
+              <a:t>Convert Sign Language Images Into Readable Characters</a:t>
             </a:r>
             <a:endParaRPr lang="en-US" dirty="0"/>
           </a:p>
@@ -9635,10 +10625,10 @@
             <p:nvPr/>
           </p:nvPicPr>
           <p:blipFill>
-            <a:blip r:embed="rId2">
+            <a:blip r:embed="rId2" cstate="print">
               <a:extLst>
                 <a:ext uri="{28A0092B-C50C-407E-A947-70E740481C1C}">
-                  <a14:useLocalDpi xmlns:a14="http://schemas.microsoft.com/office/drawing/2010/main" val="0"/>
+                  <a14:useLocalDpi xmlns:a14="http://schemas.microsoft.com/office/drawing/2010/main" xmlns="" val="0"/>
                 </a:ext>
               </a:extLst>
             </a:blip>
@@ -9661,14 +10651,14 @@
             </a:ln>
             <a:extLst>
               <a:ext uri="{909E8E84-426E-40DD-AFC4-6F175D3DCCD1}">
-                <a14:hiddenFill xmlns:a14="http://schemas.microsoft.com/office/drawing/2010/main">
+                <a14:hiddenFill xmlns:a14="http://schemas.microsoft.com/office/drawing/2010/main" xmlns="">
                   <a:solidFill>
                     <a:schemeClr val="accent1"/>
                   </a:solidFill>
                 </a14:hiddenFill>
               </a:ext>
               <a:ext uri="{91240B29-F687-4F45-9708-019B960494DF}">
-                <a14:hiddenLine xmlns:a14="http://schemas.microsoft.com/office/drawing/2010/main" w="9525">
+                <a14:hiddenLine xmlns:a14="http://schemas.microsoft.com/office/drawing/2010/main" xmlns="" w="9525">
                   <a:solidFill>
                     <a:schemeClr val="tx1"/>
                   </a:solidFill>
@@ -9689,10 +10679,10 @@
             <p:nvPr/>
           </p:nvPicPr>
           <p:blipFill>
-            <a:blip r:embed="rId3">
+            <a:blip r:embed="rId3" cstate="print">
               <a:extLst>
                 <a:ext uri="{28A0092B-C50C-407E-A947-70E740481C1C}">
-                  <a14:useLocalDpi xmlns:a14="http://schemas.microsoft.com/office/drawing/2010/main" val="0"/>
+                  <a14:useLocalDpi xmlns:a14="http://schemas.microsoft.com/office/drawing/2010/main" xmlns="" val="0"/>
                 </a:ext>
               </a:extLst>
             </a:blip>
@@ -9715,14 +10705,14 @@
             </a:ln>
             <a:extLst>
               <a:ext uri="{909E8E84-426E-40DD-AFC4-6F175D3DCCD1}">
-                <a14:hiddenFill xmlns:a14="http://schemas.microsoft.com/office/drawing/2010/main">
+                <a14:hiddenFill xmlns:a14="http://schemas.microsoft.com/office/drawing/2010/main" xmlns="">
                   <a:solidFill>
                     <a:schemeClr val="accent1"/>
                   </a:solidFill>
                 </a14:hiddenFill>
               </a:ext>
               <a:ext uri="{91240B29-F687-4F45-9708-019B960494DF}">
-                <a14:hiddenLine xmlns:a14="http://schemas.microsoft.com/office/drawing/2010/main" w="9525">
+                <a14:hiddenLine xmlns:a14="http://schemas.microsoft.com/office/drawing/2010/main" xmlns="" w="9525">
                   <a:solidFill>
                     <a:schemeClr val="tx1"/>
                   </a:solidFill>
@@ -9816,10 +10806,10 @@
               <p:nvPr/>
             </p:nvPicPr>
             <p:blipFill>
-              <a:blip r:embed="rId4">
+              <a:blip r:embed="rId4" cstate="print">
                 <a:extLst>
                   <a:ext uri="{28A0092B-C50C-407E-A947-70E740481C1C}">
-                    <a14:useLocalDpi xmlns:a14="http://schemas.microsoft.com/office/drawing/2010/main" val="0"/>
+                    <a14:useLocalDpi xmlns:a14="http://schemas.microsoft.com/office/drawing/2010/main" xmlns="" val="0"/>
                   </a:ext>
                 </a:extLst>
               </a:blip>
@@ -9842,14 +10832,14 @@
               </a:ln>
               <a:extLst>
                 <a:ext uri="{909E8E84-426E-40DD-AFC4-6F175D3DCCD1}">
-                  <a14:hiddenFill xmlns:a14="http://schemas.microsoft.com/office/drawing/2010/main">
+                  <a14:hiddenFill xmlns:a14="http://schemas.microsoft.com/office/drawing/2010/main" xmlns="">
                     <a:solidFill>
                       <a:schemeClr val="accent1"/>
                     </a:solidFill>
                   </a14:hiddenFill>
                 </a:ext>
                 <a:ext uri="{91240B29-F687-4F45-9708-019B960494DF}">
-                  <a14:hiddenLine xmlns:a14="http://schemas.microsoft.com/office/drawing/2010/main" w="9525">
+                  <a14:hiddenLine xmlns:a14="http://schemas.microsoft.com/office/drawing/2010/main" xmlns="" w="9525">
                     <a:solidFill>
                       <a:schemeClr val="tx1"/>
                     </a:solidFill>
@@ -9870,10 +10860,10 @@
               <p:nvPr/>
             </p:nvPicPr>
             <p:blipFill>
-              <a:blip r:embed="rId5">
+              <a:blip r:embed="rId5" cstate="print">
                 <a:extLst>
                   <a:ext uri="{28A0092B-C50C-407E-A947-70E740481C1C}">
-                    <a14:useLocalDpi xmlns:a14="http://schemas.microsoft.com/office/drawing/2010/main" val="0"/>
+                    <a14:useLocalDpi xmlns:a14="http://schemas.microsoft.com/office/drawing/2010/main" xmlns="" val="0"/>
                   </a:ext>
                 </a:extLst>
               </a:blip>
@@ -9896,14 +10886,14 @@
               </a:ln>
               <a:extLst>
                 <a:ext uri="{909E8E84-426E-40DD-AFC4-6F175D3DCCD1}">
-                  <a14:hiddenFill xmlns:a14="http://schemas.microsoft.com/office/drawing/2010/main">
+                  <a14:hiddenFill xmlns:a14="http://schemas.microsoft.com/office/drawing/2010/main" xmlns="">
                     <a:solidFill>
                       <a:schemeClr val="accent1"/>
                     </a:solidFill>
                   </a14:hiddenFill>
                 </a:ext>
                 <a:ext uri="{91240B29-F687-4F45-9708-019B960494DF}">
-                  <a14:hiddenLine xmlns:a14="http://schemas.microsoft.com/office/drawing/2010/main" w="9525">
+                  <a14:hiddenLine xmlns:a14="http://schemas.microsoft.com/office/drawing/2010/main" xmlns="" w="9525">
                     <a:solidFill>
                       <a:schemeClr val="tx1"/>
                     </a:solidFill>
@@ -9961,11 +10951,6 @@
                 </a:rPr>
                 <a:t>Display</a:t>
               </a:r>
-              <a:endParaRPr lang="en-US" dirty="0" smtClean="0">
-                <a:solidFill>
-                  <a:schemeClr val="tx1"/>
-                </a:solidFill>
-              </a:endParaRPr>
             </a:p>
             <a:p>
               <a:pPr algn="ctr"/>
@@ -10317,18 +11302,18 @@
     </p:spTree>
     <p:extLst>
       <p:ext uri="{BB962C8B-B14F-4D97-AF65-F5344CB8AC3E}">
-        <p14:creationId xmlns:p14="http://schemas.microsoft.com/office/powerpoint/2010/main" val="3383383655"/>
+        <p14:creationId xmlns:p14="http://schemas.microsoft.com/office/powerpoint/2010/main" xmlns="" val="3383383655"/>
       </p:ext>
     </p:extLst>
   </p:cSld>
   <p:clrMapOvr>
     <a:masterClrMapping/>
   </p:clrMapOvr>
-  <mc:AlternateContent xmlns:mc="http://schemas.openxmlformats.org/markup-compatibility/2006" xmlns:p14="http://schemas.microsoft.com/office/powerpoint/2010/main">
-    <mc:Choice Requires="p14">
+  <mc:AlternateContent xmlns:mc="http://schemas.openxmlformats.org/markup-compatibility/2006">
+    <mc:Choice xmlns:p14="http://schemas.microsoft.com/office/powerpoint/2010/main" xmlns="" Requires="p14">
       <p:transition spd="slow" p14:dur="2000"/>
     </mc:Choice>
-    <mc:Fallback xmlns="">
+    <mc:Fallback>
       <p:transition spd="slow"/>
     </mc:Fallback>
   </mc:AlternateContent>
@@ -10385,18 +11370,18 @@
     </p:spTree>
     <p:extLst>
       <p:ext uri="{BB962C8B-B14F-4D97-AF65-F5344CB8AC3E}">
-        <p14:creationId xmlns:p14="http://schemas.microsoft.com/office/powerpoint/2010/main" val="1137758537"/>
+        <p14:creationId xmlns:p14="http://schemas.microsoft.com/office/powerpoint/2010/main" xmlns="" val="1137758537"/>
       </p:ext>
     </p:extLst>
   </p:cSld>
   <p:clrMapOvr>
     <a:masterClrMapping/>
   </p:clrMapOvr>
-  <mc:AlternateContent xmlns:mc="http://schemas.openxmlformats.org/markup-compatibility/2006" xmlns:p14="http://schemas.microsoft.com/office/powerpoint/2010/main">
-    <mc:Choice Requires="p14">
+  <mc:AlternateContent xmlns:mc="http://schemas.openxmlformats.org/markup-compatibility/2006">
+    <mc:Choice xmlns:p14="http://schemas.microsoft.com/office/powerpoint/2010/main" xmlns="" Requires="p14">
       <p:transition spd="slow" p14:dur="2000"/>
     </mc:Choice>
-    <mc:Fallback xmlns="">
+    <mc:Fallback>
       <p:transition spd="slow"/>
     </mc:Fallback>
   </mc:AlternateContent>
@@ -10459,10 +11444,10 @@
           <p:nvPr/>
         </p:nvPicPr>
         <p:blipFill>
-          <a:blip r:embed="rId2">
+          <a:blip r:embed="rId2" cstate="print">
             <a:extLst>
               <a:ext uri="{28A0092B-C50C-407E-A947-70E740481C1C}">
-                <a14:useLocalDpi xmlns:a14="http://schemas.microsoft.com/office/drawing/2010/main" val="0"/>
+                <a14:useLocalDpi xmlns:a14="http://schemas.microsoft.com/office/drawing/2010/main" xmlns="" val="0"/>
               </a:ext>
             </a:extLst>
           </a:blip>
@@ -10485,14 +11470,14 @@
           </a:ln>
           <a:extLst>
             <a:ext uri="{909E8E84-426E-40DD-AFC4-6F175D3DCCD1}">
-              <a14:hiddenFill xmlns:a14="http://schemas.microsoft.com/office/drawing/2010/main">
+              <a14:hiddenFill xmlns:a14="http://schemas.microsoft.com/office/drawing/2010/main" xmlns="">
                 <a:solidFill>
                   <a:schemeClr val="accent1"/>
                 </a:solidFill>
               </a14:hiddenFill>
             </a:ext>
             <a:ext uri="{91240B29-F687-4F45-9708-019B960494DF}">
-              <a14:hiddenLine xmlns:a14="http://schemas.microsoft.com/office/drawing/2010/main" w="9525">
+              <a14:hiddenLine xmlns:a14="http://schemas.microsoft.com/office/drawing/2010/main" xmlns="" w="9525">
                 <a:solidFill>
                   <a:schemeClr val="tx1"/>
                 </a:solidFill>
@@ -10747,18 +11732,18 @@
     </p:spTree>
     <p:extLst>
       <p:ext uri="{BB962C8B-B14F-4D97-AF65-F5344CB8AC3E}">
-        <p14:creationId xmlns:p14="http://schemas.microsoft.com/office/powerpoint/2010/main" val="1407237510"/>
+        <p14:creationId xmlns:p14="http://schemas.microsoft.com/office/powerpoint/2010/main" xmlns="" val="1407237510"/>
       </p:ext>
     </p:extLst>
   </p:cSld>
   <p:clrMapOvr>
     <a:masterClrMapping/>
   </p:clrMapOvr>
-  <mc:AlternateContent xmlns:mc="http://schemas.openxmlformats.org/markup-compatibility/2006" xmlns:p14="http://schemas.microsoft.com/office/powerpoint/2010/main">
-    <mc:Choice Requires="p14">
+  <mc:AlternateContent xmlns:mc="http://schemas.openxmlformats.org/markup-compatibility/2006">
+    <mc:Choice xmlns:p14="http://schemas.microsoft.com/office/powerpoint/2010/main" xmlns="" Requires="p14">
       <p:transition spd="slow" p14:dur="2000"/>
     </mc:Choice>
-    <mc:Fallback xmlns="">
+    <mc:Fallback>
       <p:transition spd="slow"/>
     </mc:Fallback>
   </mc:AlternateContent>
@@ -10844,10 +11829,10 @@
           <p:nvPr/>
         </p:nvPicPr>
         <p:blipFill>
-          <a:blip r:embed="rId2">
+          <a:blip r:embed="rId2" cstate="print">
             <a:extLst>
               <a:ext uri="{28A0092B-C50C-407E-A947-70E740481C1C}">
-                <a14:useLocalDpi xmlns:a14="http://schemas.microsoft.com/office/drawing/2010/main" val="0"/>
+                <a14:useLocalDpi xmlns:a14="http://schemas.microsoft.com/office/drawing/2010/main" xmlns="" val="0"/>
               </a:ext>
             </a:extLst>
           </a:blip>
@@ -10870,14 +11855,14 @@
           </a:ln>
           <a:extLst>
             <a:ext uri="{909E8E84-426E-40DD-AFC4-6F175D3DCCD1}">
-              <a14:hiddenFill xmlns:a14="http://schemas.microsoft.com/office/drawing/2010/main">
+              <a14:hiddenFill xmlns:a14="http://schemas.microsoft.com/office/drawing/2010/main" xmlns="">
                 <a:solidFill>
                   <a:schemeClr val="accent1"/>
                 </a:solidFill>
               </a14:hiddenFill>
             </a:ext>
             <a:ext uri="{91240B29-F687-4F45-9708-019B960494DF}">
-              <a14:hiddenLine xmlns:a14="http://schemas.microsoft.com/office/drawing/2010/main" w="9525">
+              <a14:hiddenLine xmlns:a14="http://schemas.microsoft.com/office/drawing/2010/main" xmlns="" w="9525">
                 <a:solidFill>
                   <a:schemeClr val="tx1"/>
                 </a:solidFill>
@@ -10898,10 +11883,10 @@
           <p:nvPr/>
         </p:nvPicPr>
         <p:blipFill>
-          <a:blip r:embed="rId3">
+          <a:blip r:embed="rId3" cstate="print">
             <a:extLst>
               <a:ext uri="{28A0092B-C50C-407E-A947-70E740481C1C}">
-                <a14:useLocalDpi xmlns:a14="http://schemas.microsoft.com/office/drawing/2010/main" val="0"/>
+                <a14:useLocalDpi xmlns:a14="http://schemas.microsoft.com/office/drawing/2010/main" xmlns="" val="0"/>
               </a:ext>
             </a:extLst>
           </a:blip>
@@ -10921,7 +11906,7 @@
           <a:noFill/>
           <a:extLst>
             <a:ext uri="{909E8E84-426E-40DD-AFC4-6F175D3DCCD1}">
-              <a14:hiddenFill xmlns:a14="http://schemas.microsoft.com/office/drawing/2010/main">
+              <a14:hiddenFill xmlns:a14="http://schemas.microsoft.com/office/drawing/2010/main" xmlns="">
                 <a:solidFill>
                   <a:srgbClr val="FFFFFF"/>
                 </a:solidFill>
@@ -11077,18 +12062,18 @@
     </p:spTree>
     <p:extLst>
       <p:ext uri="{BB962C8B-B14F-4D97-AF65-F5344CB8AC3E}">
-        <p14:creationId xmlns:p14="http://schemas.microsoft.com/office/powerpoint/2010/main" val="2795731740"/>
+        <p14:creationId xmlns:p14="http://schemas.microsoft.com/office/powerpoint/2010/main" xmlns="" val="2795731740"/>
       </p:ext>
     </p:extLst>
   </p:cSld>
   <p:clrMapOvr>
     <a:masterClrMapping/>
   </p:clrMapOvr>
-  <mc:AlternateContent xmlns:mc="http://schemas.openxmlformats.org/markup-compatibility/2006" xmlns:p14="http://schemas.microsoft.com/office/powerpoint/2010/main">
-    <mc:Choice Requires="p14">
+  <mc:AlternateContent xmlns:mc="http://schemas.openxmlformats.org/markup-compatibility/2006">
+    <mc:Choice xmlns:p14="http://schemas.microsoft.com/office/powerpoint/2010/main" xmlns="" Requires="p14">
       <p:transition spd="slow" p14:dur="2000"/>
     </mc:Choice>
-    <mc:Fallback xmlns="">
+    <mc:Fallback>
       <p:transition spd="slow"/>
     </mc:Fallback>
   </mc:AlternateContent>
@@ -11167,10 +12152,10 @@
           <p:nvPr/>
         </p:nvPicPr>
         <p:blipFill>
-          <a:blip r:embed="rId2">
+          <a:blip r:embed="rId2" cstate="print">
             <a:extLst>
               <a:ext uri="{28A0092B-C50C-407E-A947-70E740481C1C}">
-                <a14:useLocalDpi xmlns:a14="http://schemas.microsoft.com/office/drawing/2010/main" val="0"/>
+                <a14:useLocalDpi xmlns:a14="http://schemas.microsoft.com/office/drawing/2010/main" xmlns="" val="0"/>
               </a:ext>
             </a:extLst>
           </a:blip>
@@ -11190,7 +12175,7 @@
           <a:noFill/>
           <a:extLst>
             <a:ext uri="{909E8E84-426E-40DD-AFC4-6F175D3DCCD1}">
-              <a14:hiddenFill xmlns:a14="http://schemas.microsoft.com/office/drawing/2010/main">
+              <a14:hiddenFill xmlns:a14="http://schemas.microsoft.com/office/drawing/2010/main" xmlns="">
                 <a:solidFill>
                   <a:srgbClr val="FFFFFF"/>
                 </a:solidFill>
@@ -11352,10 +12337,10 @@
           <p:nvPr/>
         </p:nvPicPr>
         <p:blipFill>
-          <a:blip r:embed="rId3">
+          <a:blip r:embed="rId3" cstate="print">
             <a:extLst>
               <a:ext uri="{28A0092B-C50C-407E-A947-70E740481C1C}">
-                <a14:useLocalDpi xmlns:a14="http://schemas.microsoft.com/office/drawing/2010/main" val="0"/>
+                <a14:useLocalDpi xmlns:a14="http://schemas.microsoft.com/office/drawing/2010/main" xmlns="" val="0"/>
               </a:ext>
             </a:extLst>
           </a:blip>
@@ -11378,14 +12363,14 @@
           </a:ln>
           <a:extLst>
             <a:ext uri="{909E8E84-426E-40DD-AFC4-6F175D3DCCD1}">
-              <a14:hiddenFill xmlns:a14="http://schemas.microsoft.com/office/drawing/2010/main">
+              <a14:hiddenFill xmlns:a14="http://schemas.microsoft.com/office/drawing/2010/main" xmlns="">
                 <a:solidFill>
                   <a:schemeClr val="accent1"/>
                 </a:solidFill>
               </a14:hiddenFill>
             </a:ext>
             <a:ext uri="{91240B29-F687-4F45-9708-019B960494DF}">
-              <a14:hiddenLine xmlns:a14="http://schemas.microsoft.com/office/drawing/2010/main" w="9525">
+              <a14:hiddenLine xmlns:a14="http://schemas.microsoft.com/office/drawing/2010/main" xmlns="" w="9525">
                 <a:solidFill>
                   <a:schemeClr val="tx1"/>
                 </a:solidFill>
@@ -11400,18 +12385,18 @@
     </p:spTree>
     <p:extLst>
       <p:ext uri="{BB962C8B-B14F-4D97-AF65-F5344CB8AC3E}">
-        <p14:creationId xmlns:p14="http://schemas.microsoft.com/office/powerpoint/2010/main" val="418363647"/>
+        <p14:creationId xmlns:p14="http://schemas.microsoft.com/office/powerpoint/2010/main" xmlns="" val="418363647"/>
       </p:ext>
     </p:extLst>
   </p:cSld>
   <p:clrMapOvr>
     <a:masterClrMapping/>
   </p:clrMapOvr>
-  <mc:AlternateContent xmlns:mc="http://schemas.openxmlformats.org/markup-compatibility/2006" xmlns:p14="http://schemas.microsoft.com/office/powerpoint/2010/main">
-    <mc:Choice Requires="p14">
+  <mc:AlternateContent xmlns:mc="http://schemas.openxmlformats.org/markup-compatibility/2006">
+    <mc:Choice xmlns:p14="http://schemas.microsoft.com/office/powerpoint/2010/main" xmlns="" Requires="p14">
       <p:transition spd="slow" p14:dur="2000"/>
     </mc:Choice>
-    <mc:Fallback xmlns="">
+    <mc:Fallback>
       <p:transition spd="slow"/>
     </mc:Fallback>
   </mc:AlternateContent>
